--- a/Programming 4/10.2 Finite State Machines/10.2 Finite State Machines.pptx
+++ b/Programming 4/10.2 Finite State Machines/10.2 Finite State Machines.pptx
@@ -4,8 +4,22 @@
   <p:sldMasterIdLst>
     <p:sldMasterId id="2147483648" r:id="rId1"/>
   </p:sldMasterIdLst>
+  <p:notesMasterIdLst>
+    <p:notesMasterId r:id="rId14"/>
+  </p:notesMasterIdLst>
   <p:sldIdLst>
-    <p:sldId id="256" r:id="rId2"/>
+    <p:sldId id="257" r:id="rId2"/>
+    <p:sldId id="258" r:id="rId3"/>
+    <p:sldId id="259" r:id="rId4"/>
+    <p:sldId id="260" r:id="rId5"/>
+    <p:sldId id="261" r:id="rId6"/>
+    <p:sldId id="262" r:id="rId7"/>
+    <p:sldId id="263" r:id="rId8"/>
+    <p:sldId id="264" r:id="rId9"/>
+    <p:sldId id="265" r:id="rId10"/>
+    <p:sldId id="266" r:id="rId11"/>
+    <p:sldId id="267" r:id="rId12"/>
+    <p:sldId id="268" r:id="rId13"/>
   </p:sldIdLst>
   <p:sldSz cx="9144000" cy="6858000" type="screen4x3"/>
   <p:notesSz cx="6858000" cy="9144000"/>
@@ -106,10 +120,2712 @@
   </p:defaultTextStyle>
   <p:extLst>
     <p:ext uri="{EFAFB233-063F-42B5-8137-9DF3F51BA10A}">
-      <p15:sldGuideLst xmlns:p15="http://schemas.microsoft.com/office/powerpoint/2012/main"/>
+      <p15:sldGuideLst xmlns:p15="http://schemas.microsoft.com/office/powerpoint/2012/main">
+        <p15:guide id="1" orient="horz" pos="2160">
+          <p15:clr>
+            <a:srgbClr val="A4A3A4"/>
+          </p15:clr>
+        </p15:guide>
+        <p15:guide id="2" pos="2880">
+          <p15:clr>
+            <a:srgbClr val="A4A3A4"/>
+          </p15:clr>
+        </p15:guide>
+      </p15:sldGuideLst>
     </p:ext>
   </p:extLst>
 </p:presentation>
+</file>
+
+<file path=ppt/notesMasters/notesMaster1.xml><?xml version="1.0" encoding="utf-8"?>
+<p:notesMaster xmlns:a="http://schemas.openxmlformats.org/drawingml/2006/main" xmlns:r="http://schemas.openxmlformats.org/officeDocument/2006/relationships" xmlns:p="http://schemas.openxmlformats.org/presentationml/2006/main">
+  <p:cSld>
+    <p:bg>
+      <p:bgRef idx="1001">
+        <a:schemeClr val="bg1"/>
+      </p:bgRef>
+    </p:bg>
+    <p:spTree>
+      <p:nvGrpSpPr>
+        <p:cNvPr id="1" name=""/>
+        <p:cNvGrpSpPr/>
+        <p:nvPr/>
+      </p:nvGrpSpPr>
+      <p:grpSpPr>
+        <a:xfrm>
+          <a:off x="0" y="0"/>
+          <a:ext cx="0" cy="0"/>
+          <a:chOff x="0" y="0"/>
+          <a:chExt cx="0" cy="0"/>
+        </a:xfrm>
+      </p:grpSpPr>
+      <p:sp>
+        <p:nvSpPr>
+          <p:cNvPr id="2" name="Header Placeholder 1"/>
+          <p:cNvSpPr>
+            <a:spLocks noGrp="1"/>
+          </p:cNvSpPr>
+          <p:nvPr>
+            <p:ph type="hdr" sz="quarter"/>
+          </p:nvPr>
+        </p:nvSpPr>
+        <p:spPr>
+          <a:xfrm>
+            <a:off x="0" y="0"/>
+            <a:ext cx="2971800" cy="458788"/>
+          </a:xfrm>
+          <a:prstGeom prst="rect">
+            <a:avLst/>
+          </a:prstGeom>
+        </p:spPr>
+        <p:txBody>
+          <a:bodyPr vert="horz" lIns="91440" tIns="45720" rIns="91440" bIns="45720" rtlCol="0"/>
+          <a:lstStyle>
+            <a:lvl1pPr algn="l">
+              <a:defRPr sz="1200"/>
+            </a:lvl1pPr>
+          </a:lstStyle>
+          <a:p>
+            <a:endParaRPr lang="en-NZ"/>
+          </a:p>
+        </p:txBody>
+      </p:sp>
+      <p:sp>
+        <p:nvSpPr>
+          <p:cNvPr id="3" name="Date Placeholder 2"/>
+          <p:cNvSpPr>
+            <a:spLocks noGrp="1"/>
+          </p:cNvSpPr>
+          <p:nvPr>
+            <p:ph type="dt" idx="1"/>
+          </p:nvPr>
+        </p:nvSpPr>
+        <p:spPr>
+          <a:xfrm>
+            <a:off x="3884613" y="0"/>
+            <a:ext cx="2971800" cy="458788"/>
+          </a:xfrm>
+          <a:prstGeom prst="rect">
+            <a:avLst/>
+          </a:prstGeom>
+        </p:spPr>
+        <p:txBody>
+          <a:bodyPr vert="horz" lIns="91440" tIns="45720" rIns="91440" bIns="45720" rtlCol="0"/>
+          <a:lstStyle>
+            <a:lvl1pPr algn="r">
+              <a:defRPr sz="1200"/>
+            </a:lvl1pPr>
+          </a:lstStyle>
+          <a:p>
+            <a:fld id="{FC7B69E6-F8CB-4072-9959-5455E5EB1A9B}" type="datetimeFigureOut">
+              <a:rPr lang="en-NZ" smtClean="0"/>
+              <a:t>26/09/2019</a:t>
+            </a:fld>
+            <a:endParaRPr lang="en-NZ"/>
+          </a:p>
+        </p:txBody>
+      </p:sp>
+      <p:sp>
+        <p:nvSpPr>
+          <p:cNvPr id="4" name="Slide Image Placeholder 3"/>
+          <p:cNvSpPr>
+            <a:spLocks noGrp="1" noRot="1" noChangeAspect="1"/>
+          </p:cNvSpPr>
+          <p:nvPr>
+            <p:ph type="sldImg" idx="2"/>
+          </p:nvPr>
+        </p:nvSpPr>
+        <p:spPr>
+          <a:xfrm>
+            <a:off x="1371600" y="1143000"/>
+            <a:ext cx="4114800" cy="3086100"/>
+          </a:xfrm>
+          <a:prstGeom prst="rect">
+            <a:avLst/>
+          </a:prstGeom>
+          <a:noFill/>
+          <a:ln w="12700">
+            <a:solidFill>
+              <a:prstClr val="black"/>
+            </a:solidFill>
+          </a:ln>
+        </p:spPr>
+        <p:txBody>
+          <a:bodyPr vert="horz" lIns="91440" tIns="45720" rIns="91440" bIns="45720" rtlCol="0" anchor="ctr"/>
+          <a:lstStyle/>
+          <a:p>
+            <a:endParaRPr lang="en-NZ"/>
+          </a:p>
+        </p:txBody>
+      </p:sp>
+      <p:sp>
+        <p:nvSpPr>
+          <p:cNvPr id="5" name="Notes Placeholder 4"/>
+          <p:cNvSpPr>
+            <a:spLocks noGrp="1"/>
+          </p:cNvSpPr>
+          <p:nvPr>
+            <p:ph type="body" sz="quarter" idx="3"/>
+          </p:nvPr>
+        </p:nvSpPr>
+        <p:spPr>
+          <a:xfrm>
+            <a:off x="685800" y="4400550"/>
+            <a:ext cx="5486400" cy="3600450"/>
+          </a:xfrm>
+          <a:prstGeom prst="rect">
+            <a:avLst/>
+          </a:prstGeom>
+        </p:spPr>
+        <p:txBody>
+          <a:bodyPr vert="horz" lIns="91440" tIns="45720" rIns="91440" bIns="45720" rtlCol="0"/>
+          <a:lstStyle/>
+          <a:p>
+            <a:pPr lvl="0"/>
+            <a:r>
+              <a:rPr lang="en-US" smtClean="0"/>
+              <a:t>Edit Master text styles</a:t>
+            </a:r>
+          </a:p>
+          <a:p>
+            <a:pPr lvl="1"/>
+            <a:r>
+              <a:rPr lang="en-US" smtClean="0"/>
+              <a:t>Second level</a:t>
+            </a:r>
+          </a:p>
+          <a:p>
+            <a:pPr lvl="2"/>
+            <a:r>
+              <a:rPr lang="en-US" smtClean="0"/>
+              <a:t>Third level</a:t>
+            </a:r>
+          </a:p>
+          <a:p>
+            <a:pPr lvl="3"/>
+            <a:r>
+              <a:rPr lang="en-US" smtClean="0"/>
+              <a:t>Fourth level</a:t>
+            </a:r>
+          </a:p>
+          <a:p>
+            <a:pPr lvl="4"/>
+            <a:r>
+              <a:rPr lang="en-US" smtClean="0"/>
+              <a:t>Fifth level</a:t>
+            </a:r>
+            <a:endParaRPr lang="en-NZ"/>
+          </a:p>
+        </p:txBody>
+      </p:sp>
+      <p:sp>
+        <p:nvSpPr>
+          <p:cNvPr id="6" name="Footer Placeholder 5"/>
+          <p:cNvSpPr>
+            <a:spLocks noGrp="1"/>
+          </p:cNvSpPr>
+          <p:nvPr>
+            <p:ph type="ftr" sz="quarter" idx="4"/>
+          </p:nvPr>
+        </p:nvSpPr>
+        <p:spPr>
+          <a:xfrm>
+            <a:off x="0" y="8685213"/>
+            <a:ext cx="2971800" cy="458787"/>
+          </a:xfrm>
+          <a:prstGeom prst="rect">
+            <a:avLst/>
+          </a:prstGeom>
+        </p:spPr>
+        <p:txBody>
+          <a:bodyPr vert="horz" lIns="91440" tIns="45720" rIns="91440" bIns="45720" rtlCol="0" anchor="b"/>
+          <a:lstStyle>
+            <a:lvl1pPr algn="l">
+              <a:defRPr sz="1200"/>
+            </a:lvl1pPr>
+          </a:lstStyle>
+          <a:p>
+            <a:endParaRPr lang="en-NZ"/>
+          </a:p>
+        </p:txBody>
+      </p:sp>
+      <p:sp>
+        <p:nvSpPr>
+          <p:cNvPr id="7" name="Slide Number Placeholder 6"/>
+          <p:cNvSpPr>
+            <a:spLocks noGrp="1"/>
+          </p:cNvSpPr>
+          <p:nvPr>
+            <p:ph type="sldNum" sz="quarter" idx="5"/>
+          </p:nvPr>
+        </p:nvSpPr>
+        <p:spPr>
+          <a:xfrm>
+            <a:off x="3884613" y="8685213"/>
+            <a:ext cx="2971800" cy="458787"/>
+          </a:xfrm>
+          <a:prstGeom prst="rect">
+            <a:avLst/>
+          </a:prstGeom>
+        </p:spPr>
+        <p:txBody>
+          <a:bodyPr vert="horz" lIns="91440" tIns="45720" rIns="91440" bIns="45720" rtlCol="0" anchor="b"/>
+          <a:lstStyle>
+            <a:lvl1pPr algn="r">
+              <a:defRPr sz="1200"/>
+            </a:lvl1pPr>
+          </a:lstStyle>
+          <a:p>
+            <a:fld id="{1F60E6E8-89A0-44EC-AF7F-F10674FF28B3}" type="slidenum">
+              <a:rPr lang="en-NZ" smtClean="0"/>
+              <a:t>‹#›</a:t>
+            </a:fld>
+            <a:endParaRPr lang="en-NZ"/>
+          </a:p>
+        </p:txBody>
+      </p:sp>
+    </p:spTree>
+    <p:extLst>
+      <p:ext uri="{BB962C8B-B14F-4D97-AF65-F5344CB8AC3E}">
+        <p14:creationId xmlns:p14="http://schemas.microsoft.com/office/powerpoint/2010/main" val="3995969529"/>
+      </p:ext>
+    </p:extLst>
+  </p:cSld>
+  <p:clrMap bg1="lt1" tx1="dk1" bg2="lt2" tx2="dk2" accent1="accent1" accent2="accent2" accent3="accent3" accent4="accent4" accent5="accent5" accent6="accent6" hlink="hlink" folHlink="folHlink"/>
+  <p:notesStyle>
+    <a:lvl1pPr marL="0" algn="l" defTabSz="914400" rtl="0" eaLnBrk="1" latinLnBrk="0" hangingPunct="1">
+      <a:defRPr sz="1200" kern="1200">
+        <a:solidFill>
+          <a:schemeClr val="tx1"/>
+        </a:solidFill>
+        <a:latin typeface="+mn-lt"/>
+        <a:ea typeface="+mn-ea"/>
+        <a:cs typeface="+mn-cs"/>
+      </a:defRPr>
+    </a:lvl1pPr>
+    <a:lvl2pPr marL="457200" algn="l" defTabSz="914400" rtl="0" eaLnBrk="1" latinLnBrk="0" hangingPunct="1">
+      <a:defRPr sz="1200" kern="1200">
+        <a:solidFill>
+          <a:schemeClr val="tx1"/>
+        </a:solidFill>
+        <a:latin typeface="+mn-lt"/>
+        <a:ea typeface="+mn-ea"/>
+        <a:cs typeface="+mn-cs"/>
+      </a:defRPr>
+    </a:lvl2pPr>
+    <a:lvl3pPr marL="914400" algn="l" defTabSz="914400" rtl="0" eaLnBrk="1" latinLnBrk="0" hangingPunct="1">
+      <a:defRPr sz="1200" kern="1200">
+        <a:solidFill>
+          <a:schemeClr val="tx1"/>
+        </a:solidFill>
+        <a:latin typeface="+mn-lt"/>
+        <a:ea typeface="+mn-ea"/>
+        <a:cs typeface="+mn-cs"/>
+      </a:defRPr>
+    </a:lvl3pPr>
+    <a:lvl4pPr marL="1371600" algn="l" defTabSz="914400" rtl="0" eaLnBrk="1" latinLnBrk="0" hangingPunct="1">
+      <a:defRPr sz="1200" kern="1200">
+        <a:solidFill>
+          <a:schemeClr val="tx1"/>
+        </a:solidFill>
+        <a:latin typeface="+mn-lt"/>
+        <a:ea typeface="+mn-ea"/>
+        <a:cs typeface="+mn-cs"/>
+      </a:defRPr>
+    </a:lvl4pPr>
+    <a:lvl5pPr marL="1828800" algn="l" defTabSz="914400" rtl="0" eaLnBrk="1" latinLnBrk="0" hangingPunct="1">
+      <a:defRPr sz="1200" kern="1200">
+        <a:solidFill>
+          <a:schemeClr val="tx1"/>
+        </a:solidFill>
+        <a:latin typeface="+mn-lt"/>
+        <a:ea typeface="+mn-ea"/>
+        <a:cs typeface="+mn-cs"/>
+      </a:defRPr>
+    </a:lvl5pPr>
+    <a:lvl6pPr marL="2286000" algn="l" defTabSz="914400" rtl="0" eaLnBrk="1" latinLnBrk="0" hangingPunct="1">
+      <a:defRPr sz="1200" kern="1200">
+        <a:solidFill>
+          <a:schemeClr val="tx1"/>
+        </a:solidFill>
+        <a:latin typeface="+mn-lt"/>
+        <a:ea typeface="+mn-ea"/>
+        <a:cs typeface="+mn-cs"/>
+      </a:defRPr>
+    </a:lvl6pPr>
+    <a:lvl7pPr marL="2743200" algn="l" defTabSz="914400" rtl="0" eaLnBrk="1" latinLnBrk="0" hangingPunct="1">
+      <a:defRPr sz="1200" kern="1200">
+        <a:solidFill>
+          <a:schemeClr val="tx1"/>
+        </a:solidFill>
+        <a:latin typeface="+mn-lt"/>
+        <a:ea typeface="+mn-ea"/>
+        <a:cs typeface="+mn-cs"/>
+      </a:defRPr>
+    </a:lvl7pPr>
+    <a:lvl8pPr marL="3200400" algn="l" defTabSz="914400" rtl="0" eaLnBrk="1" latinLnBrk="0" hangingPunct="1">
+      <a:defRPr sz="1200" kern="1200">
+        <a:solidFill>
+          <a:schemeClr val="tx1"/>
+        </a:solidFill>
+        <a:latin typeface="+mn-lt"/>
+        <a:ea typeface="+mn-ea"/>
+        <a:cs typeface="+mn-cs"/>
+      </a:defRPr>
+    </a:lvl8pPr>
+    <a:lvl9pPr marL="3657600" algn="l" defTabSz="914400" rtl="0" eaLnBrk="1" latinLnBrk="0" hangingPunct="1">
+      <a:defRPr sz="1200" kern="1200">
+        <a:solidFill>
+          <a:schemeClr val="tx1"/>
+        </a:solidFill>
+        <a:latin typeface="+mn-lt"/>
+        <a:ea typeface="+mn-ea"/>
+        <a:cs typeface="+mn-cs"/>
+      </a:defRPr>
+    </a:lvl9pPr>
+  </p:notesStyle>
+</p:notesMaster>
+</file>
+
+<file path=ppt/notesSlides/notesSlide1.xml><?xml version="1.0" encoding="utf-8"?>
+<p:notes xmlns:a="http://schemas.openxmlformats.org/drawingml/2006/main" xmlns:r="http://schemas.openxmlformats.org/officeDocument/2006/relationships" xmlns:p="http://schemas.openxmlformats.org/presentationml/2006/main">
+  <p:cSld>
+    <p:spTree>
+      <p:nvGrpSpPr>
+        <p:cNvPr id="1" name=""/>
+        <p:cNvGrpSpPr/>
+        <p:nvPr/>
+      </p:nvGrpSpPr>
+      <p:grpSpPr>
+        <a:xfrm>
+          <a:off x="0" y="0"/>
+          <a:ext cx="0" cy="0"/>
+          <a:chOff x="0" y="0"/>
+          <a:chExt cx="0" cy="0"/>
+        </a:xfrm>
+      </p:grpSpPr>
+      <p:sp>
+        <p:nvSpPr>
+          <p:cNvPr id="2" name="Slide Image Placeholder 1"/>
+          <p:cNvSpPr>
+            <a:spLocks noGrp="1" noRot="1" noChangeAspect="1"/>
+          </p:cNvSpPr>
+          <p:nvPr>
+            <p:ph type="sldImg"/>
+          </p:nvPr>
+        </p:nvSpPr>
+        <p:spPr/>
+      </p:sp>
+      <p:sp>
+        <p:nvSpPr>
+          <p:cNvPr id="3" name="Notes Placeholder 2"/>
+          <p:cNvSpPr>
+            <a:spLocks noGrp="1"/>
+          </p:cNvSpPr>
+          <p:nvPr>
+            <p:ph type="body" idx="1"/>
+          </p:nvPr>
+        </p:nvSpPr>
+        <p:spPr/>
+        <p:txBody>
+          <a:bodyPr/>
+          <a:lstStyle/>
+          <a:p>
+            <a:pPr marL="171450" indent="-171450">
+              <a:buFont typeface="Arial" charset="0"/>
+              <a:buChar char="•"/>
+            </a:pPr>
+            <a:r>
+              <a:rPr lang="en-NZ" sz="1200" kern="1200" dirty="0" smtClean="0">
+                <a:solidFill>
+                  <a:schemeClr val="tx1"/>
+                </a:solidFill>
+                <a:effectLst/>
+                <a:latin typeface="+mn-lt"/>
+                <a:ea typeface="+mn-ea"/>
+                <a:cs typeface="+mn-cs"/>
+              </a:rPr>
+              <a:t>The next technique up. We will build one of these systems next week</a:t>
+            </a:r>
+          </a:p>
+          <a:p>
+            <a:pPr marL="171450" indent="-171450">
+              <a:buFont typeface="Arial" charset="0"/>
+              <a:buChar char="•"/>
+            </a:pPr>
+            <a:r>
+              <a:rPr lang="en-NZ" sz="1200" kern="1200" dirty="0" smtClean="0">
+                <a:solidFill>
+                  <a:schemeClr val="tx1"/>
+                </a:solidFill>
+                <a:effectLst/>
+                <a:latin typeface="+mn-lt"/>
+                <a:ea typeface="+mn-ea"/>
+                <a:cs typeface="+mn-cs"/>
+              </a:rPr>
+              <a:t>This approach requires describing the behaviour of an entity in terms of states, actions and events.</a:t>
+            </a:r>
+          </a:p>
+          <a:p>
+            <a:pPr marL="171450" indent="-171450">
+              <a:buFont typeface="Arial" charset="0"/>
+              <a:buChar char="•"/>
+            </a:pPr>
+            <a:endParaRPr lang="en-NZ" sz="1200" kern="1200" dirty="0" smtClean="0">
+              <a:solidFill>
+                <a:schemeClr val="tx1"/>
+              </a:solidFill>
+              <a:effectLst/>
+              <a:latin typeface="+mn-lt"/>
+              <a:ea typeface="+mn-ea"/>
+              <a:cs typeface="+mn-cs"/>
+            </a:endParaRPr>
+          </a:p>
+          <a:p>
+            <a:pPr marL="171450" indent="-171450">
+              <a:buFont typeface="Arial" charset="0"/>
+              <a:buChar char="•"/>
+            </a:pPr>
+            <a:r>
+              <a:rPr lang="en-NZ" sz="1200" kern="1200" dirty="0" smtClean="0">
+                <a:solidFill>
+                  <a:schemeClr val="tx1"/>
+                </a:solidFill>
+                <a:effectLst/>
+                <a:latin typeface="+mn-lt"/>
+                <a:ea typeface="+mn-ea"/>
+                <a:cs typeface="+mn-cs"/>
+              </a:rPr>
+              <a:t>NB: The diagram shows only the states and events. The Actions are included in an additional table that has a column for State and a column for Action. Seen next slide</a:t>
+            </a:r>
+          </a:p>
+          <a:p>
+            <a:pPr marL="171450" indent="-171450">
+              <a:buFont typeface="Arial" charset="0"/>
+              <a:buChar char="•"/>
+            </a:pPr>
+            <a:endParaRPr lang="en-NZ" sz="1200" kern="1200" dirty="0" smtClean="0">
+              <a:solidFill>
+                <a:schemeClr val="tx1"/>
+              </a:solidFill>
+              <a:effectLst/>
+              <a:latin typeface="+mn-lt"/>
+              <a:ea typeface="+mn-ea"/>
+              <a:cs typeface="+mn-cs"/>
+            </a:endParaRPr>
+          </a:p>
+          <a:p>
+            <a:pPr marL="171450" indent="-171450">
+              <a:buFont typeface="Arial" charset="0"/>
+              <a:buChar char="•"/>
+            </a:pPr>
+            <a:r>
+              <a:rPr lang="en-NZ" sz="1200" kern="1200" dirty="0" smtClean="0">
+                <a:solidFill>
+                  <a:schemeClr val="tx1"/>
+                </a:solidFill>
+                <a:effectLst/>
+                <a:latin typeface="+mn-lt"/>
+                <a:ea typeface="+mn-ea"/>
+                <a:cs typeface="+mn-cs"/>
+              </a:rPr>
+              <a:t>If the behaviour can be captured this way, there is a good structured technique for coding it up</a:t>
+            </a:r>
+          </a:p>
+          <a:p>
+            <a:pPr marL="171450" indent="-171450">
+              <a:buFont typeface="Arial" charset="0"/>
+              <a:buChar char="•"/>
+            </a:pPr>
+            <a:endParaRPr lang="en-NZ" sz="1200" kern="1200" dirty="0" smtClean="0">
+              <a:solidFill>
+                <a:schemeClr val="tx1"/>
+              </a:solidFill>
+              <a:effectLst/>
+              <a:latin typeface="+mn-lt"/>
+              <a:ea typeface="+mn-ea"/>
+              <a:cs typeface="+mn-cs"/>
+            </a:endParaRPr>
+          </a:p>
+          <a:p>
+            <a:pPr marL="171450" indent="-171450">
+              <a:buFont typeface="Arial" charset="0"/>
+              <a:buChar char="•"/>
+            </a:pPr>
+            <a:r>
+              <a:rPr lang="en-NZ" sz="1200" kern="1200" dirty="0" smtClean="0">
+                <a:solidFill>
+                  <a:schemeClr val="tx1"/>
+                </a:solidFill>
+                <a:effectLst/>
+                <a:latin typeface="+mn-lt"/>
+                <a:ea typeface="+mn-ea"/>
+                <a:cs typeface="+mn-cs"/>
+              </a:rPr>
+              <a:t>Example: This is a diagram describing the behaviour of my cat Eddie</a:t>
+            </a:r>
+          </a:p>
+          <a:p>
+            <a:pPr marL="171450" indent="-171450">
+              <a:buFont typeface="Arial" charset="0"/>
+              <a:buChar char="•"/>
+            </a:pPr>
+            <a:endParaRPr lang="en-NZ" sz="1200" kern="1200" dirty="0" smtClean="0">
+              <a:solidFill>
+                <a:schemeClr val="tx1"/>
+              </a:solidFill>
+              <a:effectLst/>
+              <a:latin typeface="+mn-lt"/>
+              <a:ea typeface="+mn-ea"/>
+              <a:cs typeface="+mn-cs"/>
+            </a:endParaRPr>
+          </a:p>
+          <a:p>
+            <a:pPr marL="171450" indent="-171450">
+              <a:buFont typeface="Arial" charset="0"/>
+              <a:buChar char="•"/>
+            </a:pPr>
+            <a:r>
+              <a:rPr lang="en-NZ" sz="1200" kern="1200" dirty="0" smtClean="0">
+                <a:solidFill>
+                  <a:schemeClr val="tx1"/>
+                </a:solidFill>
+                <a:effectLst/>
+                <a:latin typeface="+mn-lt"/>
+                <a:ea typeface="+mn-ea"/>
+                <a:cs typeface="+mn-cs"/>
+              </a:rPr>
+              <a:t>Usually, my cat is in the sleeping state. His actions there are sleeping, drooling and occasionally rolling over</a:t>
+            </a:r>
+          </a:p>
+          <a:p>
+            <a:pPr marL="171450" indent="-171450">
+              <a:buFont typeface="Arial" charset="0"/>
+              <a:buChar char="•"/>
+            </a:pPr>
+            <a:endParaRPr lang="en-NZ" sz="1200" kern="1200" dirty="0" smtClean="0">
+              <a:solidFill>
+                <a:schemeClr val="tx1"/>
+              </a:solidFill>
+              <a:effectLst/>
+              <a:latin typeface="+mn-lt"/>
+              <a:ea typeface="+mn-ea"/>
+              <a:cs typeface="+mn-cs"/>
+            </a:endParaRPr>
+          </a:p>
+          <a:p>
+            <a:pPr marL="171450" indent="-171450">
+              <a:buFont typeface="Arial" charset="0"/>
+              <a:buChar char="•"/>
+            </a:pPr>
+            <a:r>
+              <a:rPr lang="en-NZ" sz="1200" kern="1200" dirty="0" smtClean="0">
+                <a:solidFill>
+                  <a:schemeClr val="tx1"/>
+                </a:solidFill>
+                <a:effectLst/>
+                <a:latin typeface="+mn-lt"/>
+                <a:ea typeface="+mn-ea"/>
+                <a:cs typeface="+mn-cs"/>
+              </a:rPr>
+              <a:t>If a neighbour cat enters the yard, my cat will sense it. This is an event and causes him to change state</a:t>
+            </a:r>
+          </a:p>
+          <a:p>
+            <a:pPr marL="171450" indent="-171450">
+              <a:buFont typeface="Arial" charset="0"/>
+              <a:buChar char="•"/>
+            </a:pPr>
+            <a:endParaRPr lang="en-NZ" sz="1200" kern="1200" dirty="0" smtClean="0">
+              <a:solidFill>
+                <a:schemeClr val="tx1"/>
+              </a:solidFill>
+              <a:effectLst/>
+              <a:latin typeface="+mn-lt"/>
+              <a:ea typeface="+mn-ea"/>
+              <a:cs typeface="+mn-cs"/>
+            </a:endParaRPr>
+          </a:p>
+          <a:p>
+            <a:pPr marL="171450" indent="-171450">
+              <a:buFont typeface="Arial" charset="0"/>
+              <a:buChar char="•"/>
+            </a:pPr>
+            <a:r>
+              <a:rPr lang="en-NZ" sz="1200" kern="1200" dirty="0" smtClean="0">
+                <a:solidFill>
+                  <a:schemeClr val="tx1"/>
+                </a:solidFill>
+                <a:effectLst/>
+                <a:latin typeface="+mn-lt"/>
+                <a:ea typeface="+mn-ea"/>
+                <a:cs typeface="+mn-cs"/>
+              </a:rPr>
+              <a:t>He changes to the Chasing Neighbour Cat state. His actions in this state are targeting the neighbour cat (like the </a:t>
+            </a:r>
+            <a:r>
+              <a:rPr lang="en-NZ" sz="1200" kern="1200" dirty="0" err="1" smtClean="0">
+                <a:solidFill>
+                  <a:schemeClr val="tx1"/>
+                </a:solidFill>
+                <a:effectLst/>
+                <a:latin typeface="+mn-lt"/>
+                <a:ea typeface="+mn-ea"/>
+                <a:cs typeface="+mn-cs"/>
+              </a:rPr>
+              <a:t>Approachers</a:t>
+            </a:r>
+            <a:r>
+              <a:rPr lang="en-NZ" sz="1200" kern="1200" dirty="0" smtClean="0">
+                <a:solidFill>
+                  <a:schemeClr val="tx1"/>
+                </a:solidFill>
+                <a:effectLst/>
+                <a:latin typeface="+mn-lt"/>
+                <a:ea typeface="+mn-ea"/>
+                <a:cs typeface="+mn-cs"/>
+              </a:rPr>
+              <a:t> did with </a:t>
+            </a:r>
+            <a:r>
+              <a:rPr lang="en-NZ" sz="1200" kern="1200" dirty="0" err="1" smtClean="0">
+                <a:solidFill>
+                  <a:schemeClr val="tx1"/>
+                </a:solidFill>
+                <a:effectLst/>
+                <a:latin typeface="+mn-lt"/>
+                <a:ea typeface="+mn-ea"/>
+                <a:cs typeface="+mn-cs"/>
+              </a:rPr>
+              <a:t>Blobbo</a:t>
+            </a:r>
+            <a:r>
+              <a:rPr lang="en-NZ" sz="1200" kern="1200" dirty="0" smtClean="0">
+                <a:solidFill>
+                  <a:schemeClr val="tx1"/>
+                </a:solidFill>
+                <a:effectLst/>
+                <a:latin typeface="+mn-lt"/>
+                <a:ea typeface="+mn-ea"/>
+                <a:cs typeface="+mn-cs"/>
+              </a:rPr>
+              <a:t>), and hissing</a:t>
+            </a:r>
+          </a:p>
+          <a:p>
+            <a:pPr marL="171450" indent="-171450">
+              <a:buFont typeface="Arial" charset="0"/>
+              <a:buChar char="•"/>
+            </a:pPr>
+            <a:endParaRPr lang="en-NZ" sz="1200" kern="1200" dirty="0" smtClean="0">
+              <a:solidFill>
+                <a:schemeClr val="tx1"/>
+              </a:solidFill>
+              <a:effectLst/>
+              <a:latin typeface="+mn-lt"/>
+              <a:ea typeface="+mn-ea"/>
+              <a:cs typeface="+mn-cs"/>
+            </a:endParaRPr>
+          </a:p>
+          <a:p>
+            <a:pPr marL="171450" indent="-171450">
+              <a:buFont typeface="Arial" charset="0"/>
+              <a:buChar char="•"/>
+            </a:pPr>
+            <a:r>
+              <a:rPr lang="en-NZ" sz="1200" kern="1200" dirty="0" smtClean="0">
+                <a:solidFill>
+                  <a:schemeClr val="tx1"/>
+                </a:solidFill>
+                <a:effectLst/>
+                <a:latin typeface="+mn-lt"/>
+                <a:ea typeface="+mn-ea"/>
+                <a:cs typeface="+mn-cs"/>
+              </a:rPr>
+              <a:t>When the neighbour cat is gone, he returns to the sleep state</a:t>
+            </a:r>
+          </a:p>
+          <a:p>
+            <a:pPr marL="171450" indent="-171450">
+              <a:buFont typeface="Arial" charset="0"/>
+              <a:buChar char="•"/>
+            </a:pPr>
+            <a:endParaRPr lang="en-NZ" sz="1200" kern="1200" dirty="0" smtClean="0">
+              <a:solidFill>
+                <a:schemeClr val="tx1"/>
+              </a:solidFill>
+              <a:effectLst/>
+              <a:latin typeface="+mn-lt"/>
+              <a:ea typeface="+mn-ea"/>
+              <a:cs typeface="+mn-cs"/>
+            </a:endParaRPr>
+          </a:p>
+          <a:p>
+            <a:pPr marL="171450" indent="-171450">
+              <a:buFont typeface="Arial" charset="0"/>
+              <a:buChar char="•"/>
+            </a:pPr>
+            <a:r>
+              <a:rPr lang="en-NZ" sz="1200" kern="1200" dirty="0" smtClean="0">
+                <a:solidFill>
+                  <a:schemeClr val="tx1"/>
+                </a:solidFill>
+                <a:effectLst/>
+                <a:latin typeface="+mn-lt"/>
+                <a:ea typeface="+mn-ea"/>
+                <a:cs typeface="+mn-cs"/>
+              </a:rPr>
+              <a:t>In the sleep state, he can become hungry. This event might occur every 15 minutes of being in the sleep state. This event would move him into the Eating state</a:t>
+            </a:r>
+          </a:p>
+          <a:p>
+            <a:pPr marL="171450" indent="-171450">
+              <a:buFont typeface="Arial" charset="0"/>
+              <a:buChar char="•"/>
+            </a:pPr>
+            <a:endParaRPr lang="en-NZ" sz="1200" kern="1200" dirty="0" smtClean="0">
+              <a:solidFill>
+                <a:schemeClr val="tx1"/>
+              </a:solidFill>
+              <a:effectLst/>
+              <a:latin typeface="+mn-lt"/>
+              <a:ea typeface="+mn-ea"/>
+              <a:cs typeface="+mn-cs"/>
+            </a:endParaRPr>
+          </a:p>
+          <a:p>
+            <a:pPr marL="171450" indent="-171450">
+              <a:buFont typeface="Arial" charset="0"/>
+              <a:buChar char="•"/>
+            </a:pPr>
+            <a:r>
+              <a:rPr lang="en-NZ" sz="1200" kern="1200" dirty="0" smtClean="0">
+                <a:solidFill>
+                  <a:schemeClr val="tx1"/>
+                </a:solidFill>
+                <a:effectLst/>
+                <a:latin typeface="+mn-lt"/>
+                <a:ea typeface="+mn-ea"/>
+                <a:cs typeface="+mn-cs"/>
+              </a:rPr>
+              <a:t>And so on</a:t>
+            </a:r>
+          </a:p>
+          <a:p>
+            <a:pPr marL="171450" indent="-171450">
+              <a:buFont typeface="Arial" charset="0"/>
+              <a:buChar char="•"/>
+            </a:pPr>
+            <a:endParaRPr lang="en-NZ" sz="1200" kern="1200" dirty="0" smtClean="0">
+              <a:solidFill>
+                <a:schemeClr val="tx1"/>
+              </a:solidFill>
+              <a:effectLst/>
+              <a:latin typeface="+mn-lt"/>
+              <a:ea typeface="+mn-ea"/>
+              <a:cs typeface="+mn-cs"/>
+            </a:endParaRPr>
+          </a:p>
+          <a:p>
+            <a:pPr marL="171450" indent="-171450">
+              <a:buFont typeface="Arial" charset="0"/>
+              <a:buChar char="•"/>
+            </a:pPr>
+            <a:r>
+              <a:rPr lang="en-NZ" sz="1200" kern="1200" dirty="0" smtClean="0">
+                <a:solidFill>
+                  <a:schemeClr val="tx1"/>
+                </a:solidFill>
+                <a:effectLst/>
+                <a:latin typeface="+mn-lt"/>
+                <a:ea typeface="+mn-ea"/>
+                <a:cs typeface="+mn-cs"/>
+              </a:rPr>
+              <a:t>This type of diagram is an example of a construct used in many areas of computer science and mathematics. It is called a Finite State Machine</a:t>
+            </a:r>
+          </a:p>
+          <a:p>
+            <a:pPr marL="171450" indent="-171450">
+              <a:buFont typeface="Arial" charset="0"/>
+              <a:buChar char="•"/>
+            </a:pPr>
+            <a:endParaRPr lang="en-NZ" sz="1200" kern="1200" dirty="0" smtClean="0">
+              <a:solidFill>
+                <a:schemeClr val="tx1"/>
+              </a:solidFill>
+              <a:effectLst/>
+              <a:latin typeface="+mn-lt"/>
+              <a:ea typeface="+mn-ea"/>
+              <a:cs typeface="+mn-cs"/>
+            </a:endParaRPr>
+          </a:p>
+          <a:p>
+            <a:pPr marL="171450" indent="-171450">
+              <a:buFont typeface="Arial" charset="0"/>
+              <a:buChar char="•"/>
+            </a:pPr>
+            <a:r>
+              <a:rPr lang="en-NZ" sz="1200" kern="1200" dirty="0" smtClean="0">
+                <a:solidFill>
+                  <a:schemeClr val="tx1"/>
+                </a:solidFill>
+                <a:effectLst/>
+                <a:latin typeface="+mn-lt"/>
+                <a:ea typeface="+mn-ea"/>
+                <a:cs typeface="+mn-cs"/>
+              </a:rPr>
+              <a:t>Note that the details of the actions associated with a state are not included in the diagram, but are inferred</a:t>
+            </a:r>
+          </a:p>
+          <a:p>
+            <a:pPr marL="171450" indent="-171450">
+              <a:buFont typeface="Arial" charset="0"/>
+              <a:buChar char="•"/>
+            </a:pPr>
+            <a:endParaRPr lang="en-NZ" sz="1200" kern="1200" dirty="0" smtClean="0">
+              <a:solidFill>
+                <a:schemeClr val="tx1"/>
+              </a:solidFill>
+              <a:effectLst/>
+              <a:latin typeface="+mn-lt"/>
+              <a:ea typeface="+mn-ea"/>
+              <a:cs typeface="+mn-cs"/>
+            </a:endParaRPr>
+          </a:p>
+          <a:p>
+            <a:pPr marL="171450" indent="-171450">
+              <a:buFont typeface="Arial" charset="0"/>
+              <a:buChar char="•"/>
+            </a:pPr>
+            <a:r>
+              <a:rPr lang="en-NZ" sz="1200" kern="1200" dirty="0" smtClean="0">
+                <a:solidFill>
+                  <a:schemeClr val="tx1"/>
+                </a:solidFill>
+                <a:effectLst/>
+                <a:latin typeface="+mn-lt"/>
+                <a:ea typeface="+mn-ea"/>
+                <a:cs typeface="+mn-cs"/>
+              </a:rPr>
+              <a:t>FSMs can be used to describe fairly complex behaviour, and they are easy to code. Think about how you would code my cat…</a:t>
+            </a:r>
+          </a:p>
+          <a:p>
+            <a:pPr marL="171450" indent="-171450">
+              <a:buFont typeface="Arial" charset="0"/>
+              <a:buChar char="•"/>
+            </a:pPr>
+            <a:endParaRPr lang="en-NZ" sz="1200" kern="1200" dirty="0" smtClean="0">
+              <a:solidFill>
+                <a:schemeClr val="tx1"/>
+              </a:solidFill>
+              <a:effectLst/>
+              <a:latin typeface="+mn-lt"/>
+              <a:ea typeface="+mn-ea"/>
+              <a:cs typeface="+mn-cs"/>
+            </a:endParaRPr>
+          </a:p>
+        </p:txBody>
+      </p:sp>
+      <p:sp>
+        <p:nvSpPr>
+          <p:cNvPr id="4" name="Slide Number Placeholder 3"/>
+          <p:cNvSpPr>
+            <a:spLocks noGrp="1"/>
+          </p:cNvSpPr>
+          <p:nvPr>
+            <p:ph type="sldNum" sz="quarter" idx="10"/>
+          </p:nvPr>
+        </p:nvSpPr>
+        <p:spPr/>
+        <p:txBody>
+          <a:bodyPr/>
+          <a:lstStyle/>
+          <a:p>
+            <a:fld id="{BBC1DE02-C006-4F38-873D-E62701AB1734}" type="slidenum">
+              <a:rPr lang="en-NZ" smtClean="0"/>
+              <a:t>2</a:t>
+            </a:fld>
+            <a:endParaRPr lang="en-NZ"/>
+          </a:p>
+        </p:txBody>
+      </p:sp>
+    </p:spTree>
+    <p:extLst>
+      <p:ext uri="{BB962C8B-B14F-4D97-AF65-F5344CB8AC3E}">
+        <p14:creationId xmlns:p14="http://schemas.microsoft.com/office/powerpoint/2010/main" val="2721345479"/>
+      </p:ext>
+    </p:extLst>
+  </p:cSld>
+  <p:clrMapOvr>
+    <a:masterClrMapping/>
+  </p:clrMapOvr>
+</p:notes>
+</file>
+
+<file path=ppt/notesSlides/notesSlide10.xml><?xml version="1.0" encoding="utf-8"?>
+<p:notes xmlns:a="http://schemas.openxmlformats.org/drawingml/2006/main" xmlns:r="http://schemas.openxmlformats.org/officeDocument/2006/relationships" xmlns:p="http://schemas.openxmlformats.org/presentationml/2006/main">
+  <p:cSld>
+    <p:spTree>
+      <p:nvGrpSpPr>
+        <p:cNvPr id="1" name=""/>
+        <p:cNvGrpSpPr/>
+        <p:nvPr/>
+      </p:nvGrpSpPr>
+      <p:grpSpPr>
+        <a:xfrm>
+          <a:off x="0" y="0"/>
+          <a:ext cx="0" cy="0"/>
+          <a:chOff x="0" y="0"/>
+          <a:chExt cx="0" cy="0"/>
+        </a:xfrm>
+      </p:grpSpPr>
+      <p:sp>
+        <p:nvSpPr>
+          <p:cNvPr id="2" name="Slide Image Placeholder 1"/>
+          <p:cNvSpPr>
+            <a:spLocks noGrp="1" noRot="1" noChangeAspect="1"/>
+          </p:cNvSpPr>
+          <p:nvPr>
+            <p:ph type="sldImg"/>
+          </p:nvPr>
+        </p:nvSpPr>
+        <p:spPr/>
+      </p:sp>
+      <p:sp>
+        <p:nvSpPr>
+          <p:cNvPr id="3" name="Notes Placeholder 2"/>
+          <p:cNvSpPr>
+            <a:spLocks noGrp="1"/>
+          </p:cNvSpPr>
+          <p:nvPr>
+            <p:ph type="body" idx="1"/>
+          </p:nvPr>
+        </p:nvSpPr>
+        <p:spPr/>
+        <p:txBody>
+          <a:bodyPr/>
+          <a:lstStyle/>
+          <a:p>
+            <a:pPr marL="171450" indent="-171450">
+              <a:buFont typeface="Arial" panose="020B0604020202020204" pitchFamily="34" charset="0"/>
+              <a:buChar char="•"/>
+            </a:pPr>
+            <a:r>
+              <a:rPr lang="en-NZ" dirty="0" smtClean="0"/>
+              <a:t>We can extend the FSM to make the behaviours more interesting,</a:t>
+            </a:r>
+            <a:r>
+              <a:rPr lang="en-NZ" baseline="0" dirty="0" smtClean="0"/>
+              <a:t> and more useful for game play, by adding some </a:t>
+            </a:r>
+            <a:r>
+              <a:rPr lang="en-NZ" baseline="0" dirty="0" err="1" smtClean="0"/>
+              <a:t>stochasticity</a:t>
+            </a:r>
+            <a:endParaRPr lang="en-NZ" baseline="0" dirty="0" smtClean="0"/>
+          </a:p>
+          <a:p>
+            <a:pPr marL="171450" indent="-171450">
+              <a:buFont typeface="Arial" panose="020B0604020202020204" pitchFamily="34" charset="0"/>
+              <a:buChar char="•"/>
+            </a:pPr>
+            <a:endParaRPr lang="en-NZ" dirty="0" smtClean="0"/>
+          </a:p>
+          <a:p>
+            <a:pPr marL="171450" indent="-171450">
+              <a:buFont typeface="Arial" panose="020B0604020202020204" pitchFamily="34" charset="0"/>
+              <a:buChar char="•"/>
+            </a:pPr>
+            <a:r>
+              <a:rPr lang="en-NZ" dirty="0" smtClean="0"/>
+              <a:t>In our discussion so far, a given event always triggered a particular state change. More realistic behaviours can be achieved by adding a stochastic component</a:t>
+            </a:r>
+          </a:p>
+          <a:p>
+            <a:pPr marL="171450" indent="-171450">
+              <a:buFont typeface="Arial" panose="020B0604020202020204" pitchFamily="34" charset="0"/>
+              <a:buChar char="•"/>
+            </a:pPr>
+            <a:endParaRPr lang="en-NZ" dirty="0" smtClean="0"/>
+          </a:p>
+          <a:p>
+            <a:pPr marL="171450" indent="-171450">
+              <a:buFont typeface="Arial" panose="020B0604020202020204" pitchFamily="34" charset="0"/>
+              <a:buChar char="•"/>
+            </a:pPr>
+            <a:r>
+              <a:rPr lang="en-NZ" dirty="0" smtClean="0"/>
+              <a:t>That is, event E will cause change to state S with probability P (in our previous examples, P was always</a:t>
+            </a:r>
+            <a:r>
+              <a:rPr lang="en-NZ" baseline="0" dirty="0" smtClean="0"/>
+              <a:t> </a:t>
+            </a:r>
+            <a:r>
+              <a:rPr lang="en-NZ" dirty="0" smtClean="0"/>
+              <a:t>1)</a:t>
+            </a:r>
+          </a:p>
+          <a:p>
+            <a:pPr marL="171450" indent="-171450">
+              <a:buFont typeface="Arial" panose="020B0604020202020204" pitchFamily="34" charset="0"/>
+              <a:buChar char="•"/>
+            </a:pPr>
+            <a:endParaRPr lang="en-NZ" dirty="0" smtClean="0"/>
+          </a:p>
+          <a:p>
+            <a:pPr marL="171450" indent="-171450">
+              <a:buFont typeface="Arial" panose="020B0604020202020204" pitchFamily="34" charset="0"/>
+              <a:buChar char="•"/>
+            </a:pPr>
+            <a:r>
+              <a:rPr lang="en-NZ" dirty="0" smtClean="0"/>
+              <a:t>By adjusting the probability distributions, you can get different behaviours from the same FSM</a:t>
+            </a:r>
+          </a:p>
+          <a:p>
+            <a:pPr marL="171450" indent="-171450">
+              <a:buFont typeface="Arial" panose="020B0604020202020204" pitchFamily="34" charset="0"/>
+              <a:buChar char="•"/>
+            </a:pPr>
+            <a:endParaRPr lang="en-NZ" dirty="0" smtClean="0"/>
+          </a:p>
+          <a:p>
+            <a:pPr marL="171450" indent="-171450">
+              <a:buFont typeface="Arial" panose="020B0604020202020204" pitchFamily="34" charset="0"/>
+              <a:buChar char="•"/>
+            </a:pPr>
+            <a:r>
+              <a:rPr lang="en-NZ" dirty="0" smtClean="0"/>
+              <a:t>Enemy 1 would be very aggressive, and enemy 2 would be very passive</a:t>
+            </a:r>
+            <a:endParaRPr lang="en-NZ" dirty="0"/>
+          </a:p>
+        </p:txBody>
+      </p:sp>
+      <p:sp>
+        <p:nvSpPr>
+          <p:cNvPr id="4" name="Slide Number Placeholder 3"/>
+          <p:cNvSpPr>
+            <a:spLocks noGrp="1"/>
+          </p:cNvSpPr>
+          <p:nvPr>
+            <p:ph type="sldNum" sz="quarter" idx="10"/>
+          </p:nvPr>
+        </p:nvSpPr>
+        <p:spPr/>
+        <p:txBody>
+          <a:bodyPr/>
+          <a:lstStyle/>
+          <a:p>
+            <a:fld id="{BBC1DE02-C006-4F38-873D-E62701AB1734}" type="slidenum">
+              <a:rPr lang="en-NZ" smtClean="0"/>
+              <a:t>11</a:t>
+            </a:fld>
+            <a:endParaRPr lang="en-NZ"/>
+          </a:p>
+        </p:txBody>
+      </p:sp>
+    </p:spTree>
+    <p:extLst>
+      <p:ext uri="{BB962C8B-B14F-4D97-AF65-F5344CB8AC3E}">
+        <p14:creationId xmlns:p14="http://schemas.microsoft.com/office/powerpoint/2010/main" val="3370023344"/>
+      </p:ext>
+    </p:extLst>
+  </p:cSld>
+  <p:clrMapOvr>
+    <a:masterClrMapping/>
+  </p:clrMapOvr>
+</p:notes>
+</file>
+
+<file path=ppt/notesSlides/notesSlide11.xml><?xml version="1.0" encoding="utf-8"?>
+<p:notes xmlns:a="http://schemas.openxmlformats.org/drawingml/2006/main" xmlns:r="http://schemas.openxmlformats.org/officeDocument/2006/relationships" xmlns:p="http://schemas.openxmlformats.org/presentationml/2006/main">
+  <p:cSld>
+    <p:spTree>
+      <p:nvGrpSpPr>
+        <p:cNvPr id="1" name=""/>
+        <p:cNvGrpSpPr/>
+        <p:nvPr/>
+      </p:nvGrpSpPr>
+      <p:grpSpPr>
+        <a:xfrm>
+          <a:off x="0" y="0"/>
+          <a:ext cx="0" cy="0"/>
+          <a:chOff x="0" y="0"/>
+          <a:chExt cx="0" cy="0"/>
+        </a:xfrm>
+      </p:grpSpPr>
+      <p:sp>
+        <p:nvSpPr>
+          <p:cNvPr id="2" name="Slide Image Placeholder 1"/>
+          <p:cNvSpPr>
+            <a:spLocks noGrp="1" noRot="1" noChangeAspect="1"/>
+          </p:cNvSpPr>
+          <p:nvPr>
+            <p:ph type="sldImg"/>
+          </p:nvPr>
+        </p:nvSpPr>
+        <p:spPr/>
+      </p:sp>
+      <p:sp>
+        <p:nvSpPr>
+          <p:cNvPr id="3" name="Notes Placeholder 2"/>
+          <p:cNvSpPr>
+            <a:spLocks noGrp="1"/>
+          </p:cNvSpPr>
+          <p:nvPr>
+            <p:ph type="body" idx="1"/>
+          </p:nvPr>
+        </p:nvSpPr>
+        <p:spPr/>
+        <p:txBody>
+          <a:bodyPr/>
+          <a:lstStyle/>
+          <a:p>
+            <a:pPr marL="171450" indent="-171450">
+              <a:buFont typeface="Arial" panose="020B0604020202020204" pitchFamily="34" charset="0"/>
+              <a:buChar char="•"/>
+            </a:pPr>
+            <a:endParaRPr lang="en-NZ" dirty="0"/>
+          </a:p>
+        </p:txBody>
+      </p:sp>
+      <p:sp>
+        <p:nvSpPr>
+          <p:cNvPr id="4" name="Slide Number Placeholder 3"/>
+          <p:cNvSpPr>
+            <a:spLocks noGrp="1"/>
+          </p:cNvSpPr>
+          <p:nvPr>
+            <p:ph type="sldNum" sz="quarter" idx="10"/>
+          </p:nvPr>
+        </p:nvSpPr>
+        <p:spPr/>
+        <p:txBody>
+          <a:bodyPr/>
+          <a:lstStyle/>
+          <a:p>
+            <a:fld id="{BBC1DE02-C006-4F38-873D-E62701AB1734}" type="slidenum">
+              <a:rPr lang="en-NZ" smtClean="0"/>
+              <a:t>12</a:t>
+            </a:fld>
+            <a:endParaRPr lang="en-NZ"/>
+          </a:p>
+        </p:txBody>
+      </p:sp>
+    </p:spTree>
+    <p:extLst>
+      <p:ext uri="{BB962C8B-B14F-4D97-AF65-F5344CB8AC3E}">
+        <p14:creationId xmlns:p14="http://schemas.microsoft.com/office/powerpoint/2010/main" val="1618060842"/>
+      </p:ext>
+    </p:extLst>
+  </p:cSld>
+  <p:clrMapOvr>
+    <a:masterClrMapping/>
+  </p:clrMapOvr>
+</p:notes>
+</file>
+
+<file path=ppt/notesSlides/notesSlide2.xml><?xml version="1.0" encoding="utf-8"?>
+<p:notes xmlns:a="http://schemas.openxmlformats.org/drawingml/2006/main" xmlns:r="http://schemas.openxmlformats.org/officeDocument/2006/relationships" xmlns:p="http://schemas.openxmlformats.org/presentationml/2006/main">
+  <p:cSld>
+    <p:spTree>
+      <p:nvGrpSpPr>
+        <p:cNvPr id="1" name=""/>
+        <p:cNvGrpSpPr/>
+        <p:nvPr/>
+      </p:nvGrpSpPr>
+      <p:grpSpPr>
+        <a:xfrm>
+          <a:off x="0" y="0"/>
+          <a:ext cx="0" cy="0"/>
+          <a:chOff x="0" y="0"/>
+          <a:chExt cx="0" cy="0"/>
+        </a:xfrm>
+      </p:grpSpPr>
+      <p:sp>
+        <p:nvSpPr>
+          <p:cNvPr id="2" name="Slide Image Placeholder 1"/>
+          <p:cNvSpPr>
+            <a:spLocks noGrp="1" noRot="1" noChangeAspect="1"/>
+          </p:cNvSpPr>
+          <p:nvPr>
+            <p:ph type="sldImg"/>
+          </p:nvPr>
+        </p:nvSpPr>
+        <p:spPr/>
+      </p:sp>
+      <p:sp>
+        <p:nvSpPr>
+          <p:cNvPr id="3" name="Notes Placeholder 2"/>
+          <p:cNvSpPr>
+            <a:spLocks noGrp="1"/>
+          </p:cNvSpPr>
+          <p:nvPr>
+            <p:ph type="body" idx="1"/>
+          </p:nvPr>
+        </p:nvSpPr>
+        <p:spPr/>
+        <p:txBody>
+          <a:bodyPr/>
+          <a:lstStyle/>
+          <a:p>
+            <a:pPr marL="171450" indent="-171450">
+              <a:buFont typeface="Arial" charset="0"/>
+              <a:buChar char="•"/>
+            </a:pPr>
+            <a:r>
+              <a:rPr lang="en-NZ" sz="1200" kern="1200" dirty="0" smtClean="0">
+                <a:solidFill>
+                  <a:schemeClr val="tx1"/>
+                </a:solidFill>
+                <a:effectLst/>
+                <a:latin typeface="+mn-lt"/>
+                <a:ea typeface="+mn-ea"/>
+                <a:cs typeface="+mn-cs"/>
+              </a:rPr>
+              <a:t>NB. Note that here there is nothing about changing state</a:t>
+            </a:r>
+          </a:p>
+          <a:p>
+            <a:pPr marL="171450" indent="-171450">
+              <a:buFont typeface="Arial" charset="0"/>
+              <a:buChar char="•"/>
+            </a:pPr>
+            <a:endParaRPr lang="en-NZ" sz="1200" kern="1200" dirty="0" smtClean="0">
+              <a:solidFill>
+                <a:schemeClr val="tx1"/>
+              </a:solidFill>
+              <a:effectLst/>
+              <a:latin typeface="+mn-lt"/>
+              <a:ea typeface="+mn-ea"/>
+              <a:cs typeface="+mn-cs"/>
+            </a:endParaRPr>
+          </a:p>
+          <a:p>
+            <a:pPr marL="171450" indent="-171450">
+              <a:buFont typeface="Arial" charset="0"/>
+              <a:buChar char="•"/>
+            </a:pPr>
+            <a:r>
+              <a:rPr lang="en-NZ" sz="1200" kern="1200" dirty="0" smtClean="0">
+                <a:solidFill>
+                  <a:schemeClr val="tx1"/>
+                </a:solidFill>
+                <a:effectLst/>
+                <a:latin typeface="+mn-lt"/>
+                <a:ea typeface="+mn-ea"/>
+                <a:cs typeface="+mn-cs"/>
+              </a:rPr>
+              <a:t>This is just what you do while in a particular state</a:t>
+            </a:r>
+          </a:p>
+        </p:txBody>
+      </p:sp>
+      <p:sp>
+        <p:nvSpPr>
+          <p:cNvPr id="4" name="Slide Number Placeholder 3"/>
+          <p:cNvSpPr>
+            <a:spLocks noGrp="1"/>
+          </p:cNvSpPr>
+          <p:nvPr>
+            <p:ph type="sldNum" sz="quarter" idx="10"/>
+          </p:nvPr>
+        </p:nvSpPr>
+        <p:spPr/>
+        <p:txBody>
+          <a:bodyPr/>
+          <a:lstStyle/>
+          <a:p>
+            <a:fld id="{BBC1DE02-C006-4F38-873D-E62701AB1734}" type="slidenum">
+              <a:rPr lang="en-NZ" smtClean="0"/>
+              <a:t>3</a:t>
+            </a:fld>
+            <a:endParaRPr lang="en-NZ"/>
+          </a:p>
+        </p:txBody>
+      </p:sp>
+    </p:spTree>
+    <p:extLst>
+      <p:ext uri="{BB962C8B-B14F-4D97-AF65-F5344CB8AC3E}">
+        <p14:creationId xmlns:p14="http://schemas.microsoft.com/office/powerpoint/2010/main" val="929114751"/>
+      </p:ext>
+    </p:extLst>
+  </p:cSld>
+  <p:clrMapOvr>
+    <a:masterClrMapping/>
+  </p:clrMapOvr>
+</p:notes>
+</file>
+
+<file path=ppt/notesSlides/notesSlide3.xml><?xml version="1.0" encoding="utf-8"?>
+<p:notes xmlns:a="http://schemas.openxmlformats.org/drawingml/2006/main" xmlns:r="http://schemas.openxmlformats.org/officeDocument/2006/relationships" xmlns:p="http://schemas.openxmlformats.org/presentationml/2006/main">
+  <p:cSld>
+    <p:spTree>
+      <p:nvGrpSpPr>
+        <p:cNvPr id="1" name=""/>
+        <p:cNvGrpSpPr/>
+        <p:nvPr/>
+      </p:nvGrpSpPr>
+      <p:grpSpPr>
+        <a:xfrm>
+          <a:off x="0" y="0"/>
+          <a:ext cx="0" cy="0"/>
+          <a:chOff x="0" y="0"/>
+          <a:chExt cx="0" cy="0"/>
+        </a:xfrm>
+      </p:grpSpPr>
+      <p:sp>
+        <p:nvSpPr>
+          <p:cNvPr id="2" name="Slide Image Placeholder 1"/>
+          <p:cNvSpPr>
+            <a:spLocks noGrp="1" noRot="1" noChangeAspect="1"/>
+          </p:cNvSpPr>
+          <p:nvPr>
+            <p:ph type="sldImg"/>
+          </p:nvPr>
+        </p:nvSpPr>
+        <p:spPr/>
+      </p:sp>
+      <p:sp>
+        <p:nvSpPr>
+          <p:cNvPr id="3" name="Notes Placeholder 2"/>
+          <p:cNvSpPr>
+            <a:spLocks noGrp="1"/>
+          </p:cNvSpPr>
+          <p:nvPr>
+            <p:ph type="body" idx="1"/>
+          </p:nvPr>
+        </p:nvSpPr>
+        <p:spPr/>
+        <p:txBody>
+          <a:bodyPr/>
+          <a:lstStyle/>
+          <a:p>
+            <a:pPr marL="171450" indent="-171450">
+              <a:buFont typeface="Arial" charset="0"/>
+              <a:buChar char="•"/>
+            </a:pPr>
+            <a:r>
+              <a:rPr lang="en-NZ" sz="1200" kern="1200" dirty="0" smtClean="0">
+                <a:solidFill>
+                  <a:schemeClr val="tx1"/>
+                </a:solidFill>
+                <a:effectLst/>
+                <a:latin typeface="+mn-lt"/>
+                <a:ea typeface="+mn-ea"/>
+                <a:cs typeface="+mn-cs"/>
+              </a:rPr>
+              <a:t>The FSM is very common in games programming, because many of the required behaviours can easily be captured using the states-events-actions approach</a:t>
+            </a:r>
+          </a:p>
+          <a:p>
+            <a:pPr marL="171450" indent="-171450">
+              <a:buFont typeface="Arial" charset="0"/>
+              <a:buChar char="•"/>
+            </a:pPr>
+            <a:endParaRPr lang="en-NZ" sz="1200" kern="1200" dirty="0" smtClean="0">
+              <a:solidFill>
+                <a:schemeClr val="tx1"/>
+              </a:solidFill>
+              <a:effectLst/>
+              <a:latin typeface="+mn-lt"/>
+              <a:ea typeface="+mn-ea"/>
+              <a:cs typeface="+mn-cs"/>
+            </a:endParaRPr>
+          </a:p>
+          <a:p>
+            <a:pPr marL="171450" indent="-171450">
+              <a:buFont typeface="Arial" charset="0"/>
+              <a:buChar char="•"/>
+            </a:pPr>
+            <a:r>
+              <a:rPr lang="en-NZ" sz="1200" kern="1200" dirty="0" smtClean="0">
+                <a:solidFill>
+                  <a:schemeClr val="tx1"/>
+                </a:solidFill>
+                <a:effectLst/>
+                <a:latin typeface="+mn-lt"/>
+                <a:ea typeface="+mn-ea"/>
+                <a:cs typeface="+mn-cs"/>
+              </a:rPr>
+              <a:t>Here is an FSM for a patrolling guard AI</a:t>
+            </a:r>
+          </a:p>
+          <a:p>
+            <a:pPr marL="171450" indent="-171450">
+              <a:buFont typeface="Arial" charset="0"/>
+              <a:buChar char="•"/>
+            </a:pPr>
+            <a:endParaRPr lang="en-NZ" sz="1200" kern="1200" dirty="0" smtClean="0">
+              <a:solidFill>
+                <a:schemeClr val="tx1"/>
+              </a:solidFill>
+              <a:effectLst/>
+              <a:latin typeface="+mn-lt"/>
+              <a:ea typeface="+mn-ea"/>
+              <a:cs typeface="+mn-cs"/>
+            </a:endParaRPr>
+          </a:p>
+          <a:p>
+            <a:pPr marL="171450" indent="-171450">
+              <a:buFont typeface="Arial" charset="0"/>
+              <a:buChar char="•"/>
+            </a:pPr>
+            <a:r>
+              <a:rPr lang="en-NZ" sz="1200" kern="1200" dirty="0" smtClean="0">
+                <a:solidFill>
+                  <a:schemeClr val="tx1"/>
+                </a:solidFill>
+                <a:effectLst/>
+                <a:latin typeface="+mn-lt"/>
+                <a:ea typeface="+mn-ea"/>
+                <a:cs typeface="+mn-cs"/>
+              </a:rPr>
+              <a:t>From </a:t>
+            </a:r>
+            <a:r>
+              <a:rPr lang="en-NZ" sz="1200" kern="1200" dirty="0" err="1" smtClean="0">
+                <a:solidFill>
+                  <a:schemeClr val="tx1"/>
+                </a:solidFill>
+                <a:effectLst/>
+                <a:latin typeface="+mn-lt"/>
+                <a:ea typeface="+mn-ea"/>
+                <a:cs typeface="+mn-cs"/>
+              </a:rPr>
+              <a:t>Dalmau</a:t>
+            </a:r>
+            <a:r>
+              <a:rPr lang="en-NZ" sz="1200" kern="1200" dirty="0" smtClean="0">
+                <a:solidFill>
+                  <a:schemeClr val="tx1"/>
+                </a:solidFill>
+                <a:effectLst/>
+                <a:latin typeface="+mn-lt"/>
+                <a:ea typeface="+mn-ea"/>
+                <a:cs typeface="+mn-cs"/>
+              </a:rPr>
+              <a:t>, Core Techniques and Algorithms in Game Programming</a:t>
+            </a:r>
+          </a:p>
+          <a:p>
+            <a:pPr marL="628650" lvl="1" indent="-171450">
+              <a:buFont typeface="Arial" charset="0"/>
+              <a:buChar char="•"/>
+            </a:pPr>
+            <a:r>
+              <a:rPr lang="en-NZ" sz="1200" kern="1200" dirty="0" smtClean="0">
+                <a:solidFill>
+                  <a:schemeClr val="tx1"/>
+                </a:solidFill>
+                <a:effectLst/>
+                <a:latin typeface="+mn-lt"/>
+                <a:ea typeface="+mn-ea"/>
+                <a:cs typeface="+mn-cs"/>
+              </a:rPr>
+              <a:t>The enemy has a predefined set of waypoints that he patrols in a cyclical way</a:t>
+            </a:r>
+          </a:p>
+          <a:p>
+            <a:pPr marL="628650" lvl="1" indent="-171450">
+              <a:buFont typeface="Arial" charset="0"/>
+              <a:buChar char="•"/>
+            </a:pPr>
+            <a:r>
+              <a:rPr lang="en-NZ" sz="1200" kern="1200" dirty="0" smtClean="0">
+                <a:solidFill>
+                  <a:schemeClr val="tx1"/>
+                </a:solidFill>
+                <a:effectLst/>
+                <a:latin typeface="+mn-lt"/>
+                <a:ea typeface="+mn-ea"/>
+                <a:cs typeface="+mn-cs"/>
+              </a:rPr>
+              <a:t>The enemy detects the player when it is inside his “viewing cone” (field of vision)</a:t>
+            </a:r>
+          </a:p>
+          <a:p>
+            <a:pPr marL="628650" lvl="1" indent="-171450">
+              <a:buFont typeface="Arial" charset="0"/>
+              <a:buChar char="•"/>
+            </a:pPr>
+            <a:r>
+              <a:rPr lang="en-NZ" sz="1200" kern="1200" dirty="0" smtClean="0">
+                <a:solidFill>
+                  <a:schemeClr val="tx1"/>
+                </a:solidFill>
+                <a:effectLst/>
+                <a:latin typeface="+mn-lt"/>
+                <a:ea typeface="+mn-ea"/>
+                <a:cs typeface="+mn-cs"/>
+              </a:rPr>
+              <a:t>If enemy sees player, it chases</a:t>
+            </a:r>
+          </a:p>
+          <a:p>
+            <a:pPr marL="628650" lvl="1" indent="-171450">
+              <a:buFont typeface="Arial" charset="0"/>
+              <a:buChar char="•"/>
+            </a:pPr>
+            <a:r>
+              <a:rPr lang="en-NZ" sz="1200" kern="1200" dirty="0" smtClean="0">
+                <a:solidFill>
+                  <a:schemeClr val="tx1"/>
+                </a:solidFill>
+                <a:effectLst/>
+                <a:latin typeface="+mn-lt"/>
+                <a:ea typeface="+mn-ea"/>
+                <a:cs typeface="+mn-cs"/>
+              </a:rPr>
+              <a:t>If enemy gets close enough to player, he stops chasing and starts hitting</a:t>
+            </a:r>
+          </a:p>
+          <a:p>
+            <a:pPr marL="628650" lvl="1" indent="-171450">
+              <a:buFont typeface="Arial" charset="0"/>
+              <a:buChar char="•"/>
+            </a:pPr>
+            <a:endParaRPr lang="en-NZ" sz="1200" kern="1200" dirty="0" smtClean="0">
+              <a:solidFill>
+                <a:schemeClr val="tx1"/>
+              </a:solidFill>
+              <a:effectLst/>
+              <a:latin typeface="+mn-lt"/>
+              <a:ea typeface="+mn-ea"/>
+              <a:cs typeface="+mn-cs"/>
+            </a:endParaRPr>
+          </a:p>
+          <a:p>
+            <a:pPr marL="171450" indent="-171450">
+              <a:buFont typeface="Arial" charset="0"/>
+              <a:buChar char="•"/>
+            </a:pPr>
+            <a:r>
+              <a:rPr lang="en-NZ" sz="1200" kern="1200" dirty="0" smtClean="0">
+                <a:solidFill>
+                  <a:schemeClr val="tx1"/>
+                </a:solidFill>
+                <a:effectLst/>
+                <a:latin typeface="+mn-lt"/>
+                <a:ea typeface="+mn-ea"/>
+                <a:cs typeface="+mn-cs"/>
+              </a:rPr>
+              <a:t>Most of the time in Seek Waypoint, walking toward waypoint</a:t>
+            </a:r>
+          </a:p>
+          <a:p>
+            <a:pPr marL="171450" indent="-171450">
+              <a:buFont typeface="Arial" charset="0"/>
+              <a:buChar char="•"/>
+            </a:pPr>
+            <a:endParaRPr lang="en-NZ" sz="1200" kern="1200" dirty="0" smtClean="0">
+              <a:solidFill>
+                <a:schemeClr val="tx1"/>
+              </a:solidFill>
+              <a:effectLst/>
+              <a:latin typeface="+mn-lt"/>
+              <a:ea typeface="+mn-ea"/>
+              <a:cs typeface="+mn-cs"/>
+            </a:endParaRPr>
+          </a:p>
+          <a:p>
+            <a:pPr marL="171450" indent="-171450">
+              <a:buFont typeface="Arial" charset="0"/>
+              <a:buChar char="•"/>
+            </a:pPr>
+            <a:r>
+              <a:rPr lang="en-NZ" sz="1200" kern="1200" dirty="0" smtClean="0">
+                <a:solidFill>
+                  <a:schemeClr val="tx1"/>
+                </a:solidFill>
+                <a:effectLst/>
+                <a:latin typeface="+mn-lt"/>
+                <a:ea typeface="+mn-ea"/>
+                <a:cs typeface="+mn-cs"/>
+              </a:rPr>
+              <a:t>When waypoint reached, turns toward next waypoint</a:t>
+            </a:r>
+          </a:p>
+          <a:p>
+            <a:pPr marL="171450" indent="-171450">
+              <a:buFont typeface="Arial" charset="0"/>
+              <a:buChar char="•"/>
+            </a:pPr>
+            <a:endParaRPr lang="en-NZ" sz="1200" kern="1200" dirty="0" smtClean="0">
+              <a:solidFill>
+                <a:schemeClr val="tx1"/>
+              </a:solidFill>
+              <a:effectLst/>
+              <a:latin typeface="+mn-lt"/>
+              <a:ea typeface="+mn-ea"/>
+              <a:cs typeface="+mn-cs"/>
+            </a:endParaRPr>
+          </a:p>
+          <a:p>
+            <a:pPr marL="171450" indent="-171450">
+              <a:buFont typeface="Arial" charset="0"/>
+              <a:buChar char="•"/>
+            </a:pPr>
+            <a:r>
+              <a:rPr lang="en-NZ" sz="1200" kern="1200" dirty="0" smtClean="0">
+                <a:solidFill>
+                  <a:schemeClr val="tx1"/>
+                </a:solidFill>
+                <a:effectLst/>
+                <a:latin typeface="+mn-lt"/>
+                <a:ea typeface="+mn-ea"/>
+                <a:cs typeface="+mn-cs"/>
+              </a:rPr>
+              <a:t>When realigned, returns to Seek state</a:t>
+            </a:r>
+          </a:p>
+          <a:p>
+            <a:pPr marL="171450" indent="-171450">
+              <a:buFont typeface="Arial" charset="0"/>
+              <a:buChar char="•"/>
+            </a:pPr>
+            <a:endParaRPr lang="en-NZ" sz="1200" kern="1200" dirty="0" smtClean="0">
+              <a:solidFill>
+                <a:schemeClr val="tx1"/>
+              </a:solidFill>
+              <a:effectLst/>
+              <a:latin typeface="+mn-lt"/>
+              <a:ea typeface="+mn-ea"/>
+              <a:cs typeface="+mn-cs"/>
+            </a:endParaRPr>
+          </a:p>
+          <a:p>
+            <a:pPr marL="171450" indent="-171450">
+              <a:buFont typeface="Arial" charset="0"/>
+              <a:buChar char="•"/>
+            </a:pPr>
+            <a:r>
+              <a:rPr lang="en-NZ" sz="1200" kern="1200" dirty="0" smtClean="0">
+                <a:solidFill>
+                  <a:schemeClr val="tx1"/>
+                </a:solidFill>
+                <a:effectLst/>
+                <a:latin typeface="+mn-lt"/>
+                <a:ea typeface="+mn-ea"/>
+                <a:cs typeface="+mn-cs"/>
+              </a:rPr>
+              <a:t>If while Seeking, see player, moves to Chase state</a:t>
+            </a:r>
+          </a:p>
+          <a:p>
+            <a:pPr marL="171450" indent="-171450">
+              <a:buFont typeface="Arial" charset="0"/>
+              <a:buChar char="•"/>
+            </a:pPr>
+            <a:endParaRPr lang="en-NZ" sz="1200" kern="1200" dirty="0" smtClean="0">
+              <a:solidFill>
+                <a:schemeClr val="tx1"/>
+              </a:solidFill>
+              <a:effectLst/>
+              <a:latin typeface="+mn-lt"/>
+              <a:ea typeface="+mn-ea"/>
+              <a:cs typeface="+mn-cs"/>
+            </a:endParaRPr>
+          </a:p>
+          <a:p>
+            <a:pPr marL="171450" indent="-171450">
+              <a:buFont typeface="Arial" charset="0"/>
+              <a:buChar char="•"/>
+            </a:pPr>
+            <a:r>
+              <a:rPr lang="en-NZ" sz="1200" kern="1200" dirty="0" smtClean="0">
+                <a:solidFill>
+                  <a:schemeClr val="tx1"/>
+                </a:solidFill>
+                <a:effectLst/>
+                <a:latin typeface="+mn-lt"/>
+                <a:ea typeface="+mn-ea"/>
+                <a:cs typeface="+mn-cs"/>
+              </a:rPr>
+              <a:t>And so on.</a:t>
+            </a:r>
+          </a:p>
+          <a:p>
+            <a:pPr marL="171450" indent="-171450">
+              <a:buFont typeface="Arial" charset="0"/>
+              <a:buChar char="•"/>
+            </a:pPr>
+            <a:endParaRPr lang="en-NZ" sz="1200" kern="1200" dirty="0" smtClean="0">
+              <a:solidFill>
+                <a:schemeClr val="tx1"/>
+              </a:solidFill>
+              <a:effectLst/>
+              <a:latin typeface="+mn-lt"/>
+              <a:ea typeface="+mn-ea"/>
+              <a:cs typeface="+mn-cs"/>
+            </a:endParaRPr>
+          </a:p>
+        </p:txBody>
+      </p:sp>
+      <p:sp>
+        <p:nvSpPr>
+          <p:cNvPr id="4" name="Slide Number Placeholder 3"/>
+          <p:cNvSpPr>
+            <a:spLocks noGrp="1"/>
+          </p:cNvSpPr>
+          <p:nvPr>
+            <p:ph type="sldNum" sz="quarter" idx="10"/>
+          </p:nvPr>
+        </p:nvSpPr>
+        <p:spPr/>
+        <p:txBody>
+          <a:bodyPr/>
+          <a:lstStyle/>
+          <a:p>
+            <a:fld id="{BBC1DE02-C006-4F38-873D-E62701AB1734}" type="slidenum">
+              <a:rPr lang="en-NZ" smtClean="0"/>
+              <a:t>4</a:t>
+            </a:fld>
+            <a:endParaRPr lang="en-NZ"/>
+          </a:p>
+        </p:txBody>
+      </p:sp>
+    </p:spTree>
+    <p:extLst>
+      <p:ext uri="{BB962C8B-B14F-4D97-AF65-F5344CB8AC3E}">
+        <p14:creationId xmlns:p14="http://schemas.microsoft.com/office/powerpoint/2010/main" val="2025980181"/>
+      </p:ext>
+    </p:extLst>
+  </p:cSld>
+  <p:clrMapOvr>
+    <a:masterClrMapping/>
+  </p:clrMapOvr>
+</p:notes>
+</file>
+
+<file path=ppt/notesSlides/notesSlide4.xml><?xml version="1.0" encoding="utf-8"?>
+<p:notes xmlns:a="http://schemas.openxmlformats.org/drawingml/2006/main" xmlns:r="http://schemas.openxmlformats.org/officeDocument/2006/relationships" xmlns:p="http://schemas.openxmlformats.org/presentationml/2006/main">
+  <p:cSld>
+    <p:spTree>
+      <p:nvGrpSpPr>
+        <p:cNvPr id="1" name=""/>
+        <p:cNvGrpSpPr/>
+        <p:nvPr/>
+      </p:nvGrpSpPr>
+      <p:grpSpPr>
+        <a:xfrm>
+          <a:off x="0" y="0"/>
+          <a:ext cx="0" cy="0"/>
+          <a:chOff x="0" y="0"/>
+          <a:chExt cx="0" cy="0"/>
+        </a:xfrm>
+      </p:grpSpPr>
+      <p:sp>
+        <p:nvSpPr>
+          <p:cNvPr id="2" name="Slide Image Placeholder 1"/>
+          <p:cNvSpPr>
+            <a:spLocks noGrp="1" noRot="1" noChangeAspect="1"/>
+          </p:cNvSpPr>
+          <p:nvPr>
+            <p:ph type="sldImg"/>
+          </p:nvPr>
+        </p:nvSpPr>
+        <p:spPr/>
+      </p:sp>
+      <p:sp>
+        <p:nvSpPr>
+          <p:cNvPr id="3" name="Notes Placeholder 2"/>
+          <p:cNvSpPr>
+            <a:spLocks noGrp="1"/>
+          </p:cNvSpPr>
+          <p:nvPr>
+            <p:ph type="body" idx="1"/>
+          </p:nvPr>
+        </p:nvSpPr>
+        <p:spPr/>
+        <p:txBody>
+          <a:bodyPr/>
+          <a:lstStyle/>
+          <a:p>
+            <a:pPr marL="171450" indent="-171450">
+              <a:buFont typeface="Arial" charset="0"/>
+              <a:buChar char="•"/>
+            </a:pPr>
+            <a:r>
+              <a:rPr lang="en-NZ" sz="1200" kern="1200" dirty="0" smtClean="0">
+                <a:solidFill>
+                  <a:schemeClr val="tx1"/>
+                </a:solidFill>
+                <a:effectLst/>
+                <a:latin typeface="+mn-lt"/>
+                <a:ea typeface="+mn-ea"/>
+                <a:cs typeface="+mn-cs"/>
+              </a:rPr>
+              <a:t>Real FSM From Quake</a:t>
+            </a:r>
+          </a:p>
+          <a:p>
+            <a:pPr marL="171450" indent="-171450">
+              <a:buFont typeface="Arial" charset="0"/>
+              <a:buChar char="•"/>
+            </a:pPr>
+            <a:endParaRPr lang="en-NZ" sz="1200" kern="1200" dirty="0" smtClean="0">
+              <a:solidFill>
+                <a:schemeClr val="tx1"/>
+              </a:solidFill>
+              <a:effectLst/>
+              <a:latin typeface="+mn-lt"/>
+              <a:ea typeface="+mn-ea"/>
+              <a:cs typeface="+mn-cs"/>
+            </a:endParaRPr>
+          </a:p>
+          <a:p>
+            <a:pPr marL="171450" indent="-171450">
+              <a:buFont typeface="Arial" charset="0"/>
+              <a:buChar char="•"/>
+            </a:pPr>
+            <a:r>
+              <a:rPr lang="en-NZ" sz="1200" kern="1200" dirty="0" smtClean="0">
+                <a:solidFill>
+                  <a:schemeClr val="tx1"/>
+                </a:solidFill>
+                <a:effectLst/>
+                <a:latin typeface="+mn-lt"/>
+                <a:ea typeface="+mn-ea"/>
+                <a:cs typeface="+mn-cs"/>
+              </a:rPr>
+              <a:t>Quake is pretty much all FSM</a:t>
+            </a:r>
+          </a:p>
+        </p:txBody>
+      </p:sp>
+      <p:sp>
+        <p:nvSpPr>
+          <p:cNvPr id="4" name="Slide Number Placeholder 3"/>
+          <p:cNvSpPr>
+            <a:spLocks noGrp="1"/>
+          </p:cNvSpPr>
+          <p:nvPr>
+            <p:ph type="sldNum" sz="quarter" idx="10"/>
+          </p:nvPr>
+        </p:nvSpPr>
+        <p:spPr/>
+        <p:txBody>
+          <a:bodyPr/>
+          <a:lstStyle/>
+          <a:p>
+            <a:fld id="{BBC1DE02-C006-4F38-873D-E62701AB1734}" type="slidenum">
+              <a:rPr lang="en-NZ" smtClean="0"/>
+              <a:t>5</a:t>
+            </a:fld>
+            <a:endParaRPr lang="en-NZ"/>
+          </a:p>
+        </p:txBody>
+      </p:sp>
+    </p:spTree>
+    <p:extLst>
+      <p:ext uri="{BB962C8B-B14F-4D97-AF65-F5344CB8AC3E}">
+        <p14:creationId xmlns:p14="http://schemas.microsoft.com/office/powerpoint/2010/main" val="106285917"/>
+      </p:ext>
+    </p:extLst>
+  </p:cSld>
+  <p:clrMapOvr>
+    <a:masterClrMapping/>
+  </p:clrMapOvr>
+</p:notes>
+</file>
+
+<file path=ppt/notesSlides/notesSlide5.xml><?xml version="1.0" encoding="utf-8"?>
+<p:notes xmlns:a="http://schemas.openxmlformats.org/drawingml/2006/main" xmlns:r="http://schemas.openxmlformats.org/officeDocument/2006/relationships" xmlns:p="http://schemas.openxmlformats.org/presentationml/2006/main">
+  <p:cSld>
+    <p:spTree>
+      <p:nvGrpSpPr>
+        <p:cNvPr id="1" name=""/>
+        <p:cNvGrpSpPr/>
+        <p:nvPr/>
+      </p:nvGrpSpPr>
+      <p:grpSpPr>
+        <a:xfrm>
+          <a:off x="0" y="0"/>
+          <a:ext cx="0" cy="0"/>
+          <a:chOff x="0" y="0"/>
+          <a:chExt cx="0" cy="0"/>
+        </a:xfrm>
+      </p:grpSpPr>
+      <p:sp>
+        <p:nvSpPr>
+          <p:cNvPr id="2" name="Slide Image Placeholder 1"/>
+          <p:cNvSpPr>
+            <a:spLocks noGrp="1" noRot="1" noChangeAspect="1"/>
+          </p:cNvSpPr>
+          <p:nvPr>
+            <p:ph type="sldImg"/>
+          </p:nvPr>
+        </p:nvSpPr>
+        <p:spPr/>
+      </p:sp>
+      <p:sp>
+        <p:nvSpPr>
+          <p:cNvPr id="3" name="Notes Placeholder 2"/>
+          <p:cNvSpPr>
+            <a:spLocks noGrp="1"/>
+          </p:cNvSpPr>
+          <p:nvPr>
+            <p:ph type="body" idx="1"/>
+          </p:nvPr>
+        </p:nvSpPr>
+        <p:spPr/>
+        <p:txBody>
+          <a:bodyPr/>
+          <a:lstStyle/>
+          <a:p>
+            <a:pPr marL="171450" indent="-171450">
+              <a:buFont typeface="Arial" charset="0"/>
+              <a:buChar char="•"/>
+            </a:pPr>
+            <a:r>
+              <a:rPr lang="en-NZ" sz="1200" kern="1200" dirty="0" smtClean="0">
+                <a:solidFill>
+                  <a:schemeClr val="tx1"/>
+                </a:solidFill>
+                <a:effectLst/>
+                <a:latin typeface="+mn-lt"/>
+                <a:ea typeface="+mn-ea"/>
+                <a:cs typeface="+mn-cs"/>
+              </a:rPr>
+              <a:t>From Quake again</a:t>
+            </a:r>
+          </a:p>
+        </p:txBody>
+      </p:sp>
+      <p:sp>
+        <p:nvSpPr>
+          <p:cNvPr id="4" name="Slide Number Placeholder 3"/>
+          <p:cNvSpPr>
+            <a:spLocks noGrp="1"/>
+          </p:cNvSpPr>
+          <p:nvPr>
+            <p:ph type="sldNum" sz="quarter" idx="10"/>
+          </p:nvPr>
+        </p:nvSpPr>
+        <p:spPr/>
+        <p:txBody>
+          <a:bodyPr/>
+          <a:lstStyle/>
+          <a:p>
+            <a:fld id="{BBC1DE02-C006-4F38-873D-E62701AB1734}" type="slidenum">
+              <a:rPr lang="en-NZ" smtClean="0"/>
+              <a:t>6</a:t>
+            </a:fld>
+            <a:endParaRPr lang="en-NZ"/>
+          </a:p>
+        </p:txBody>
+      </p:sp>
+    </p:spTree>
+    <p:extLst>
+      <p:ext uri="{BB962C8B-B14F-4D97-AF65-F5344CB8AC3E}">
+        <p14:creationId xmlns:p14="http://schemas.microsoft.com/office/powerpoint/2010/main" val="936511834"/>
+      </p:ext>
+    </p:extLst>
+  </p:cSld>
+  <p:clrMapOvr>
+    <a:masterClrMapping/>
+  </p:clrMapOvr>
+</p:notes>
+</file>
+
+<file path=ppt/notesSlides/notesSlide6.xml><?xml version="1.0" encoding="utf-8"?>
+<p:notes xmlns:a="http://schemas.openxmlformats.org/drawingml/2006/main" xmlns:r="http://schemas.openxmlformats.org/officeDocument/2006/relationships" xmlns:p="http://schemas.openxmlformats.org/presentationml/2006/main">
+  <p:cSld>
+    <p:spTree>
+      <p:nvGrpSpPr>
+        <p:cNvPr id="1" name=""/>
+        <p:cNvGrpSpPr/>
+        <p:nvPr/>
+      </p:nvGrpSpPr>
+      <p:grpSpPr>
+        <a:xfrm>
+          <a:off x="0" y="0"/>
+          <a:ext cx="0" cy="0"/>
+          <a:chOff x="0" y="0"/>
+          <a:chExt cx="0" cy="0"/>
+        </a:xfrm>
+      </p:grpSpPr>
+      <p:sp>
+        <p:nvSpPr>
+          <p:cNvPr id="2" name="Slide Image Placeholder 1"/>
+          <p:cNvSpPr>
+            <a:spLocks noGrp="1" noRot="1" noChangeAspect="1"/>
+          </p:cNvSpPr>
+          <p:nvPr>
+            <p:ph type="sldImg"/>
+          </p:nvPr>
+        </p:nvSpPr>
+        <p:spPr/>
+      </p:sp>
+      <p:sp>
+        <p:nvSpPr>
+          <p:cNvPr id="3" name="Notes Placeholder 2"/>
+          <p:cNvSpPr>
+            <a:spLocks noGrp="1"/>
+          </p:cNvSpPr>
+          <p:nvPr>
+            <p:ph type="body" idx="1"/>
+          </p:nvPr>
+        </p:nvSpPr>
+        <p:spPr/>
+        <p:txBody>
+          <a:bodyPr/>
+          <a:lstStyle/>
+          <a:p>
+            <a:pPr marL="171450" indent="-171450">
+              <a:buFont typeface="Arial" charset="0"/>
+              <a:buChar char="•"/>
+            </a:pPr>
+            <a:endParaRPr lang="en-NZ" sz="1200" kern="1200" dirty="0" smtClean="0">
+              <a:solidFill>
+                <a:schemeClr val="tx1"/>
+              </a:solidFill>
+              <a:effectLst/>
+              <a:latin typeface="+mn-lt"/>
+              <a:ea typeface="+mn-ea"/>
+              <a:cs typeface="+mn-cs"/>
+            </a:endParaRPr>
+          </a:p>
+        </p:txBody>
+      </p:sp>
+      <p:sp>
+        <p:nvSpPr>
+          <p:cNvPr id="4" name="Slide Number Placeholder 3"/>
+          <p:cNvSpPr>
+            <a:spLocks noGrp="1"/>
+          </p:cNvSpPr>
+          <p:nvPr>
+            <p:ph type="sldNum" sz="quarter" idx="10"/>
+          </p:nvPr>
+        </p:nvSpPr>
+        <p:spPr/>
+        <p:txBody>
+          <a:bodyPr/>
+          <a:lstStyle/>
+          <a:p>
+            <a:fld id="{BBC1DE02-C006-4F38-873D-E62701AB1734}" type="slidenum">
+              <a:rPr lang="en-NZ" smtClean="0"/>
+              <a:t>7</a:t>
+            </a:fld>
+            <a:endParaRPr lang="en-NZ"/>
+          </a:p>
+        </p:txBody>
+      </p:sp>
+    </p:spTree>
+    <p:extLst>
+      <p:ext uri="{BB962C8B-B14F-4D97-AF65-F5344CB8AC3E}">
+        <p14:creationId xmlns:p14="http://schemas.microsoft.com/office/powerpoint/2010/main" val="678307631"/>
+      </p:ext>
+    </p:extLst>
+  </p:cSld>
+  <p:clrMapOvr>
+    <a:masterClrMapping/>
+  </p:clrMapOvr>
+</p:notes>
+</file>
+
+<file path=ppt/notesSlides/notesSlide7.xml><?xml version="1.0" encoding="utf-8"?>
+<p:notes xmlns:a="http://schemas.openxmlformats.org/drawingml/2006/main" xmlns:r="http://schemas.openxmlformats.org/officeDocument/2006/relationships" xmlns:p="http://schemas.openxmlformats.org/presentationml/2006/main">
+  <p:cSld>
+    <p:spTree>
+      <p:nvGrpSpPr>
+        <p:cNvPr id="1" name=""/>
+        <p:cNvGrpSpPr/>
+        <p:nvPr/>
+      </p:nvGrpSpPr>
+      <p:grpSpPr>
+        <a:xfrm>
+          <a:off x="0" y="0"/>
+          <a:ext cx="0" cy="0"/>
+          <a:chOff x="0" y="0"/>
+          <a:chExt cx="0" cy="0"/>
+        </a:xfrm>
+      </p:grpSpPr>
+      <p:sp>
+        <p:nvSpPr>
+          <p:cNvPr id="2" name="Slide Image Placeholder 1"/>
+          <p:cNvSpPr>
+            <a:spLocks noGrp="1" noRot="1" noChangeAspect="1"/>
+          </p:cNvSpPr>
+          <p:nvPr>
+            <p:ph type="sldImg"/>
+          </p:nvPr>
+        </p:nvSpPr>
+        <p:spPr/>
+      </p:sp>
+      <p:sp>
+        <p:nvSpPr>
+          <p:cNvPr id="3" name="Notes Placeholder 2"/>
+          <p:cNvSpPr>
+            <a:spLocks noGrp="1"/>
+          </p:cNvSpPr>
+          <p:nvPr>
+            <p:ph type="body" idx="1"/>
+          </p:nvPr>
+        </p:nvSpPr>
+        <p:spPr/>
+        <p:txBody>
+          <a:bodyPr/>
+          <a:lstStyle/>
+          <a:p>
+            <a:pPr marL="171450" indent="-171450">
+              <a:buFont typeface="Arial" charset="0"/>
+              <a:buChar char="•"/>
+            </a:pPr>
+            <a:r>
+              <a:rPr lang="en-NZ" sz="1200" kern="1200" dirty="0" smtClean="0">
+                <a:solidFill>
+                  <a:schemeClr val="tx1"/>
+                </a:solidFill>
+                <a:effectLst/>
+                <a:latin typeface="+mn-lt"/>
+                <a:ea typeface="+mn-ea"/>
+                <a:cs typeface="+mn-cs"/>
+              </a:rPr>
+              <a:t>The update state method says: Given the state I am currently in, check for each of the events that cause me to change state. If one has occurred, change</a:t>
+            </a:r>
+          </a:p>
+          <a:p>
+            <a:pPr marL="171450" indent="-171450">
+              <a:buFont typeface="Arial" charset="0"/>
+              <a:buChar char="•"/>
+            </a:pPr>
+            <a:endParaRPr lang="en-NZ" sz="1200" kern="1200" dirty="0" smtClean="0">
+              <a:solidFill>
+                <a:schemeClr val="tx1"/>
+              </a:solidFill>
+              <a:effectLst/>
+              <a:latin typeface="+mn-lt"/>
+              <a:ea typeface="+mn-ea"/>
+              <a:cs typeface="+mn-cs"/>
+            </a:endParaRPr>
+          </a:p>
+          <a:p>
+            <a:pPr marL="171450" indent="-171450">
+              <a:buFont typeface="Arial" charset="0"/>
+              <a:buChar char="•"/>
+            </a:pPr>
+            <a:r>
+              <a:rPr lang="en-NZ" sz="1200" kern="1200" dirty="0" smtClean="0">
+                <a:solidFill>
+                  <a:schemeClr val="tx1"/>
+                </a:solidFill>
+                <a:effectLst/>
+                <a:latin typeface="+mn-lt"/>
+                <a:ea typeface="+mn-ea"/>
+                <a:cs typeface="+mn-cs"/>
+              </a:rPr>
+              <a:t>The perform actions method says: Given the state I am currently in, do whatever actions are associated with being in that state</a:t>
+            </a:r>
+          </a:p>
+          <a:p>
+            <a:pPr marL="171450" indent="-171450">
+              <a:buFont typeface="Arial" charset="0"/>
+              <a:buChar char="•"/>
+            </a:pPr>
+            <a:endParaRPr lang="en-NZ" sz="1200" kern="1200" dirty="0" smtClean="0">
+              <a:solidFill>
+                <a:schemeClr val="tx1"/>
+              </a:solidFill>
+              <a:effectLst/>
+              <a:latin typeface="+mn-lt"/>
+              <a:ea typeface="+mn-ea"/>
+              <a:cs typeface="+mn-cs"/>
+            </a:endParaRPr>
+          </a:p>
+          <a:p>
+            <a:pPr marL="171450" indent="-171450">
+              <a:buFont typeface="Arial" charset="0"/>
+              <a:buChar char="•"/>
+            </a:pPr>
+            <a:r>
+              <a:rPr lang="en-NZ" sz="1200" kern="1200" dirty="0" smtClean="0">
+                <a:solidFill>
+                  <a:schemeClr val="tx1"/>
+                </a:solidFill>
+                <a:effectLst/>
+                <a:latin typeface="+mn-lt"/>
+                <a:ea typeface="+mn-ea"/>
+                <a:cs typeface="+mn-cs"/>
+              </a:rPr>
+              <a:t>At each game cycle, all AIs do their update state. Then all AIs do their perform actions</a:t>
+            </a:r>
+          </a:p>
+          <a:p>
+            <a:pPr marL="171450" indent="-171450">
+              <a:buFont typeface="Arial" charset="0"/>
+              <a:buChar char="•"/>
+            </a:pPr>
+            <a:endParaRPr lang="en-NZ" sz="1200" kern="1200" dirty="0" smtClean="0">
+              <a:solidFill>
+                <a:schemeClr val="tx1"/>
+              </a:solidFill>
+              <a:effectLst/>
+              <a:latin typeface="+mn-lt"/>
+              <a:ea typeface="+mn-ea"/>
+              <a:cs typeface="+mn-cs"/>
+            </a:endParaRPr>
+          </a:p>
+          <a:p>
+            <a:pPr marL="171450" indent="-171450">
+              <a:buFont typeface="Arial" charset="0"/>
+              <a:buChar char="•"/>
+            </a:pPr>
+            <a:r>
+              <a:rPr lang="en-NZ" sz="1200" kern="1200" dirty="0" smtClean="0">
+                <a:solidFill>
+                  <a:schemeClr val="tx1"/>
+                </a:solidFill>
+                <a:effectLst/>
+                <a:latin typeface="+mn-lt"/>
+                <a:ea typeface="+mn-ea"/>
+                <a:cs typeface="+mn-cs"/>
+              </a:rPr>
+              <a:t>In practice, a managing class like a sprite list, or something that holds an array of entities, iterates over its collection and calls the methods on each one. All update, then all action</a:t>
+            </a:r>
+          </a:p>
+          <a:p>
+            <a:pPr marL="171450" indent="-171450">
+              <a:buFont typeface="Arial" charset="0"/>
+              <a:buChar char="•"/>
+            </a:pPr>
+            <a:endParaRPr lang="en-NZ" sz="1200" kern="1200" dirty="0" smtClean="0">
+              <a:solidFill>
+                <a:schemeClr val="tx1"/>
+              </a:solidFill>
+              <a:effectLst/>
+              <a:latin typeface="+mn-lt"/>
+              <a:ea typeface="+mn-ea"/>
+              <a:cs typeface="+mn-cs"/>
+            </a:endParaRPr>
+          </a:p>
+        </p:txBody>
+      </p:sp>
+      <p:sp>
+        <p:nvSpPr>
+          <p:cNvPr id="4" name="Slide Number Placeholder 3"/>
+          <p:cNvSpPr>
+            <a:spLocks noGrp="1"/>
+          </p:cNvSpPr>
+          <p:nvPr>
+            <p:ph type="sldNum" sz="quarter" idx="10"/>
+          </p:nvPr>
+        </p:nvSpPr>
+        <p:spPr/>
+        <p:txBody>
+          <a:bodyPr/>
+          <a:lstStyle/>
+          <a:p>
+            <a:fld id="{BBC1DE02-C006-4F38-873D-E62701AB1734}" type="slidenum">
+              <a:rPr lang="en-NZ" smtClean="0"/>
+              <a:t>8</a:t>
+            </a:fld>
+            <a:endParaRPr lang="en-NZ"/>
+          </a:p>
+        </p:txBody>
+      </p:sp>
+    </p:spTree>
+    <p:extLst>
+      <p:ext uri="{BB962C8B-B14F-4D97-AF65-F5344CB8AC3E}">
+        <p14:creationId xmlns:p14="http://schemas.microsoft.com/office/powerpoint/2010/main" val="1058427805"/>
+      </p:ext>
+    </p:extLst>
+  </p:cSld>
+  <p:clrMapOvr>
+    <a:masterClrMapping/>
+  </p:clrMapOvr>
+</p:notes>
+</file>
+
+<file path=ppt/notesSlides/notesSlide8.xml><?xml version="1.0" encoding="utf-8"?>
+<p:notes xmlns:a="http://schemas.openxmlformats.org/drawingml/2006/main" xmlns:r="http://schemas.openxmlformats.org/officeDocument/2006/relationships" xmlns:p="http://schemas.openxmlformats.org/presentationml/2006/main">
+  <p:cSld>
+    <p:spTree>
+      <p:nvGrpSpPr>
+        <p:cNvPr id="1" name=""/>
+        <p:cNvGrpSpPr/>
+        <p:nvPr/>
+      </p:nvGrpSpPr>
+      <p:grpSpPr>
+        <a:xfrm>
+          <a:off x="0" y="0"/>
+          <a:ext cx="0" cy="0"/>
+          <a:chOff x="0" y="0"/>
+          <a:chExt cx="0" cy="0"/>
+        </a:xfrm>
+      </p:grpSpPr>
+      <p:sp>
+        <p:nvSpPr>
+          <p:cNvPr id="2" name="Slide Image Placeholder 1"/>
+          <p:cNvSpPr>
+            <a:spLocks noGrp="1" noRot="1" noChangeAspect="1"/>
+          </p:cNvSpPr>
+          <p:nvPr>
+            <p:ph type="sldImg"/>
+          </p:nvPr>
+        </p:nvSpPr>
+        <p:spPr/>
+      </p:sp>
+      <p:sp>
+        <p:nvSpPr>
+          <p:cNvPr id="3" name="Notes Placeholder 2"/>
+          <p:cNvSpPr>
+            <a:spLocks noGrp="1"/>
+          </p:cNvSpPr>
+          <p:nvPr>
+            <p:ph type="body" idx="1"/>
+          </p:nvPr>
+        </p:nvSpPr>
+        <p:spPr/>
+        <p:txBody>
+          <a:bodyPr/>
+          <a:lstStyle/>
+          <a:p>
+            <a:pPr marL="171450" indent="-171450">
+              <a:buFont typeface="Arial" charset="0"/>
+              <a:buChar char="•"/>
+            </a:pPr>
+            <a:r>
+              <a:rPr lang="en-NZ" sz="1200" kern="1200" dirty="0" smtClean="0">
+                <a:solidFill>
+                  <a:schemeClr val="tx1"/>
+                </a:solidFill>
+                <a:effectLst/>
+                <a:latin typeface="+mn-lt"/>
+                <a:ea typeface="+mn-ea"/>
+                <a:cs typeface="+mn-cs"/>
+              </a:rPr>
+              <a:t>Both of these methods are built on one big switch statement</a:t>
+            </a:r>
+          </a:p>
+          <a:p>
+            <a:pPr marL="171450" indent="-171450">
+              <a:buFont typeface="Arial" charset="0"/>
+              <a:buChar char="•"/>
+            </a:pPr>
+            <a:endParaRPr lang="en-NZ" sz="1200" kern="1200" dirty="0" smtClean="0">
+              <a:solidFill>
+                <a:schemeClr val="tx1"/>
+              </a:solidFill>
+              <a:effectLst/>
+              <a:latin typeface="+mn-lt"/>
+              <a:ea typeface="+mn-ea"/>
+              <a:cs typeface="+mn-cs"/>
+            </a:endParaRPr>
+          </a:p>
+          <a:p>
+            <a:pPr marL="171450" indent="-171450">
+              <a:buFont typeface="Arial" charset="0"/>
+              <a:buChar char="•"/>
+            </a:pPr>
+            <a:r>
+              <a:rPr lang="en-NZ" sz="1200" kern="1200" dirty="0" smtClean="0">
+                <a:solidFill>
+                  <a:schemeClr val="tx1"/>
+                </a:solidFill>
+                <a:effectLst/>
+                <a:latin typeface="+mn-lt"/>
+                <a:ea typeface="+mn-ea"/>
+                <a:cs typeface="+mn-cs"/>
+              </a:rPr>
+              <a:t>NB: In this method, we only make sure we are in the correct state. We don’t do anything</a:t>
+            </a:r>
+          </a:p>
+          <a:p>
+            <a:pPr marL="171450" indent="-171450">
+              <a:buFont typeface="Arial" charset="0"/>
+              <a:buChar char="•"/>
+            </a:pPr>
+            <a:endParaRPr lang="en-NZ" sz="1200" kern="1200" dirty="0" smtClean="0">
+              <a:solidFill>
+                <a:schemeClr val="tx1"/>
+              </a:solidFill>
+              <a:effectLst/>
+              <a:latin typeface="+mn-lt"/>
+              <a:ea typeface="+mn-ea"/>
+              <a:cs typeface="+mn-cs"/>
+            </a:endParaRPr>
+          </a:p>
+          <a:p>
+            <a:pPr marL="171450" indent="-171450">
+              <a:buFont typeface="Arial" charset="0"/>
+              <a:buChar char="•"/>
+            </a:pPr>
+            <a:r>
+              <a:rPr lang="en-NZ" sz="1200" kern="1200" dirty="0" smtClean="0">
+                <a:solidFill>
+                  <a:schemeClr val="tx1"/>
+                </a:solidFill>
+                <a:effectLst/>
+                <a:latin typeface="+mn-lt"/>
+                <a:ea typeface="+mn-ea"/>
+                <a:cs typeface="+mn-cs"/>
+              </a:rPr>
+              <a:t>In pseudocode, it looks like this (for my cat)</a:t>
+            </a:r>
+          </a:p>
+          <a:p>
+            <a:pPr marL="171450" indent="-171450">
+              <a:buFont typeface="Arial" charset="0"/>
+              <a:buChar char="•"/>
+            </a:pPr>
+            <a:endParaRPr lang="en-NZ" sz="1200" kern="1200" dirty="0" smtClean="0">
+              <a:solidFill>
+                <a:schemeClr val="tx1"/>
+              </a:solidFill>
+              <a:effectLst/>
+              <a:latin typeface="+mn-lt"/>
+              <a:ea typeface="+mn-ea"/>
+              <a:cs typeface="+mn-cs"/>
+            </a:endParaRPr>
+          </a:p>
+          <a:p>
+            <a:pPr marL="171450" indent="-171450">
+              <a:buFont typeface="Arial" charset="0"/>
+              <a:buChar char="•"/>
+            </a:pPr>
+            <a:r>
+              <a:rPr lang="en-NZ" sz="1200" kern="1200" dirty="0" smtClean="0">
+                <a:solidFill>
+                  <a:schemeClr val="tx1"/>
+                </a:solidFill>
+                <a:effectLst/>
+                <a:latin typeface="+mn-lt"/>
+                <a:ea typeface="+mn-ea"/>
+                <a:cs typeface="+mn-cs"/>
+              </a:rPr>
+              <a:t>Then the bulk of the coding is to be able to keep track of things like how long since you have eaten (use counter variables) and whether there is another cat in the yard (write methods that accept a collection of neighbour cats and check their locations)</a:t>
+            </a:r>
+          </a:p>
+        </p:txBody>
+      </p:sp>
+      <p:sp>
+        <p:nvSpPr>
+          <p:cNvPr id="4" name="Slide Number Placeholder 3"/>
+          <p:cNvSpPr>
+            <a:spLocks noGrp="1"/>
+          </p:cNvSpPr>
+          <p:nvPr>
+            <p:ph type="sldNum" sz="quarter" idx="10"/>
+          </p:nvPr>
+        </p:nvSpPr>
+        <p:spPr/>
+        <p:txBody>
+          <a:bodyPr/>
+          <a:lstStyle/>
+          <a:p>
+            <a:fld id="{BBC1DE02-C006-4F38-873D-E62701AB1734}" type="slidenum">
+              <a:rPr lang="en-NZ" smtClean="0"/>
+              <a:t>9</a:t>
+            </a:fld>
+            <a:endParaRPr lang="en-NZ"/>
+          </a:p>
+        </p:txBody>
+      </p:sp>
+    </p:spTree>
+    <p:extLst>
+      <p:ext uri="{BB962C8B-B14F-4D97-AF65-F5344CB8AC3E}">
+        <p14:creationId xmlns:p14="http://schemas.microsoft.com/office/powerpoint/2010/main" val="592744400"/>
+      </p:ext>
+    </p:extLst>
+  </p:cSld>
+  <p:clrMapOvr>
+    <a:masterClrMapping/>
+  </p:clrMapOvr>
+</p:notes>
+</file>
+
+<file path=ppt/notesSlides/notesSlide9.xml><?xml version="1.0" encoding="utf-8"?>
+<p:notes xmlns:a="http://schemas.openxmlformats.org/drawingml/2006/main" xmlns:r="http://schemas.openxmlformats.org/officeDocument/2006/relationships" xmlns:p="http://schemas.openxmlformats.org/presentationml/2006/main">
+  <p:cSld>
+    <p:spTree>
+      <p:nvGrpSpPr>
+        <p:cNvPr id="1" name=""/>
+        <p:cNvGrpSpPr/>
+        <p:nvPr/>
+      </p:nvGrpSpPr>
+      <p:grpSpPr>
+        <a:xfrm>
+          <a:off x="0" y="0"/>
+          <a:ext cx="0" cy="0"/>
+          <a:chOff x="0" y="0"/>
+          <a:chExt cx="0" cy="0"/>
+        </a:xfrm>
+      </p:grpSpPr>
+      <p:sp>
+        <p:nvSpPr>
+          <p:cNvPr id="2" name="Slide Image Placeholder 1"/>
+          <p:cNvSpPr>
+            <a:spLocks noGrp="1" noRot="1" noChangeAspect="1"/>
+          </p:cNvSpPr>
+          <p:nvPr>
+            <p:ph type="sldImg"/>
+          </p:nvPr>
+        </p:nvSpPr>
+        <p:spPr/>
+      </p:sp>
+      <p:sp>
+        <p:nvSpPr>
+          <p:cNvPr id="3" name="Notes Placeholder 2"/>
+          <p:cNvSpPr>
+            <a:spLocks noGrp="1"/>
+          </p:cNvSpPr>
+          <p:nvPr>
+            <p:ph type="body" idx="1"/>
+          </p:nvPr>
+        </p:nvSpPr>
+        <p:spPr/>
+        <p:txBody>
+          <a:bodyPr/>
+          <a:lstStyle/>
+          <a:p>
+            <a:pPr marL="171450" indent="-171450">
+              <a:buFont typeface="Arial" charset="0"/>
+              <a:buChar char="•"/>
+            </a:pPr>
+            <a:r>
+              <a:rPr lang="en-NZ" sz="1200" kern="1200" dirty="0" smtClean="0">
+                <a:solidFill>
+                  <a:schemeClr val="tx1"/>
+                </a:solidFill>
+                <a:effectLst/>
+                <a:latin typeface="+mn-lt"/>
+                <a:ea typeface="+mn-ea"/>
+                <a:cs typeface="+mn-cs"/>
+              </a:rPr>
+              <a:t>Here are all the things one does in each state</a:t>
+            </a:r>
+          </a:p>
+          <a:p>
+            <a:pPr marL="171450" indent="-171450">
+              <a:buFont typeface="Arial" charset="0"/>
+              <a:buChar char="•"/>
+            </a:pPr>
+            <a:endParaRPr lang="en-NZ" sz="1200" kern="1200" dirty="0" smtClean="0">
+              <a:solidFill>
+                <a:schemeClr val="tx1"/>
+              </a:solidFill>
+              <a:effectLst/>
+              <a:latin typeface="+mn-lt"/>
+              <a:ea typeface="+mn-ea"/>
+              <a:cs typeface="+mn-cs"/>
+            </a:endParaRPr>
+          </a:p>
+          <a:p>
+            <a:pPr marL="171450" indent="-171450">
+              <a:buFont typeface="Arial" charset="0"/>
+              <a:buChar char="•"/>
+            </a:pPr>
+            <a:r>
+              <a:rPr lang="en-NZ" sz="1200" kern="1200" dirty="0" smtClean="0">
+                <a:solidFill>
+                  <a:schemeClr val="tx1"/>
+                </a:solidFill>
+                <a:effectLst/>
+                <a:latin typeface="+mn-lt"/>
+                <a:ea typeface="+mn-ea"/>
+                <a:cs typeface="+mn-cs"/>
+              </a:rPr>
+              <a:t>It is important when coding an FSM to keep quite clear what is an event that changes state and what is an action while in a state. Don’t mix them up. Don’t, for example, put actions in the </a:t>
+            </a:r>
+            <a:r>
+              <a:rPr lang="en-NZ" sz="1200" kern="1200" dirty="0" err="1" smtClean="0">
+                <a:solidFill>
+                  <a:schemeClr val="tx1"/>
+                </a:solidFill>
+                <a:effectLst/>
+                <a:latin typeface="+mn-lt"/>
+                <a:ea typeface="+mn-ea"/>
+                <a:cs typeface="+mn-cs"/>
+              </a:rPr>
+              <a:t>UpdateState</a:t>
+            </a:r>
+            <a:r>
+              <a:rPr lang="en-NZ" sz="1200" kern="1200" dirty="0" smtClean="0">
+                <a:solidFill>
+                  <a:schemeClr val="tx1"/>
+                </a:solidFill>
+                <a:effectLst/>
+                <a:latin typeface="+mn-lt"/>
+                <a:ea typeface="+mn-ea"/>
+                <a:cs typeface="+mn-cs"/>
+              </a:rPr>
+              <a:t> method. That will make your code much harder to maintain than if you keep the two types of code clearly separated</a:t>
+            </a:r>
+          </a:p>
+          <a:p>
+            <a:pPr marL="171450" indent="-171450">
+              <a:buFont typeface="Arial" charset="0"/>
+              <a:buChar char="•"/>
+            </a:pPr>
+            <a:endParaRPr lang="en-NZ" sz="1200" kern="1200" dirty="0" smtClean="0">
+              <a:solidFill>
+                <a:schemeClr val="tx1"/>
+              </a:solidFill>
+              <a:effectLst/>
+              <a:latin typeface="+mn-lt"/>
+              <a:ea typeface="+mn-ea"/>
+              <a:cs typeface="+mn-cs"/>
+            </a:endParaRPr>
+          </a:p>
+          <a:p>
+            <a:pPr marL="171450" indent="-171450">
+              <a:buFont typeface="Arial" charset="0"/>
+              <a:buChar char="•"/>
+            </a:pPr>
+            <a:r>
+              <a:rPr lang="en-NZ" sz="1200" kern="1200" dirty="0" smtClean="0">
+                <a:solidFill>
+                  <a:schemeClr val="tx1"/>
+                </a:solidFill>
+                <a:effectLst/>
+                <a:latin typeface="+mn-lt"/>
+                <a:ea typeface="+mn-ea"/>
+                <a:cs typeface="+mn-cs"/>
+              </a:rPr>
+              <a:t>And so on. You need to figure out how to implement all the behaviours, but the scheduling code is quite straightforward</a:t>
+            </a:r>
+          </a:p>
+        </p:txBody>
+      </p:sp>
+      <p:sp>
+        <p:nvSpPr>
+          <p:cNvPr id="4" name="Slide Number Placeholder 3"/>
+          <p:cNvSpPr>
+            <a:spLocks noGrp="1"/>
+          </p:cNvSpPr>
+          <p:nvPr>
+            <p:ph type="sldNum" sz="quarter" idx="10"/>
+          </p:nvPr>
+        </p:nvSpPr>
+        <p:spPr/>
+        <p:txBody>
+          <a:bodyPr/>
+          <a:lstStyle/>
+          <a:p>
+            <a:fld id="{BBC1DE02-C006-4F38-873D-E62701AB1734}" type="slidenum">
+              <a:rPr lang="en-NZ" smtClean="0"/>
+              <a:t>10</a:t>
+            </a:fld>
+            <a:endParaRPr lang="en-NZ"/>
+          </a:p>
+        </p:txBody>
+      </p:sp>
+    </p:spTree>
+    <p:extLst>
+      <p:ext uri="{BB962C8B-B14F-4D97-AF65-F5344CB8AC3E}">
+        <p14:creationId xmlns:p14="http://schemas.microsoft.com/office/powerpoint/2010/main" val="2711966681"/>
+      </p:ext>
+    </p:extLst>
+  </p:cSld>
+  <p:clrMapOvr>
+    <a:masterClrMapping/>
+  </p:clrMapOvr>
+</p:notes>
 </file>
 
 <file path=ppt/slideLayouts/slideLayout1.xml><?xml version="1.0" encoding="utf-8"?>
@@ -293,7 +3009,7 @@
           <a:p>
             <a:fld id="{F8166F1F-CE9B-4651-A6AA-CD717754106B}" type="datetimeFigureOut">
               <a:rPr lang="en-US" smtClean="0"/>
-              <a:t>7/1/2019</a:t>
+              <a:t>9/26/2019</a:t>
             </a:fld>
             <a:endParaRPr lang="en-US"/>
           </a:p>
@@ -458,7 +3174,7 @@
           <a:p>
             <a:fld id="{A76116CE-C4A3-4A05-B2D7-7C2E9A889C0F}" type="datetimeFigureOut">
               <a:rPr lang="en-US" smtClean="0"/>
-              <a:t>1/30/2017</a:t>
+              <a:t>9/26/2019</a:t>
             </a:fld>
             <a:endParaRPr lang="en-US"/>
           </a:p>
@@ -633,7 +3349,7 @@
           <a:p>
             <a:fld id="{A76116CE-C4A3-4A05-B2D7-7C2E9A889C0F}" type="datetimeFigureOut">
               <a:rPr lang="en-US" smtClean="0"/>
-              <a:t>1/30/2017</a:t>
+              <a:t>9/26/2019</a:t>
             </a:fld>
             <a:endParaRPr lang="en-US"/>
           </a:p>
@@ -800,7 +3516,7 @@
           <a:p>
             <a:fld id="{A76116CE-C4A3-4A05-B2D7-7C2E9A889C0F}" type="datetimeFigureOut">
               <a:rPr lang="en-US" smtClean="0"/>
-              <a:t>7/1/2019</a:t>
+              <a:t>9/26/2019</a:t>
             </a:fld>
             <a:endParaRPr lang="en-US"/>
           </a:p>
@@ -1041,7 +3757,7 @@
           <a:p>
             <a:fld id="{A76116CE-C4A3-4A05-B2D7-7C2E9A889C0F}" type="datetimeFigureOut">
               <a:rPr lang="en-US" smtClean="0"/>
-              <a:t>7/1/2019</a:t>
+              <a:t>9/26/2019</a:t>
             </a:fld>
             <a:endParaRPr lang="en-US"/>
           </a:p>
@@ -1324,7 +4040,7 @@
           <a:p>
             <a:fld id="{A76116CE-C4A3-4A05-B2D7-7C2E9A889C0F}" type="datetimeFigureOut">
               <a:rPr lang="en-US" smtClean="0"/>
-              <a:t>1/30/2017</a:t>
+              <a:t>9/26/2019</a:t>
             </a:fld>
             <a:endParaRPr lang="en-US"/>
           </a:p>
@@ -1741,7 +4457,7 @@
           <a:p>
             <a:fld id="{A76116CE-C4A3-4A05-B2D7-7C2E9A889C0F}" type="datetimeFigureOut">
               <a:rPr lang="en-US" smtClean="0"/>
-              <a:t>1/30/2017</a:t>
+              <a:t>9/26/2019</a:t>
             </a:fld>
             <a:endParaRPr lang="en-US"/>
           </a:p>
@@ -1854,7 +4570,7 @@
           <a:p>
             <a:fld id="{A76116CE-C4A3-4A05-B2D7-7C2E9A889C0F}" type="datetimeFigureOut">
               <a:rPr lang="en-US" smtClean="0"/>
-              <a:t>1/30/2017</a:t>
+              <a:t>9/26/2019</a:t>
             </a:fld>
             <a:endParaRPr lang="en-US"/>
           </a:p>
@@ -1944,7 +4660,7 @@
           <a:p>
             <a:fld id="{A76116CE-C4A3-4A05-B2D7-7C2E9A889C0F}" type="datetimeFigureOut">
               <a:rPr lang="en-US" smtClean="0"/>
-              <a:t>1/30/2017</a:t>
+              <a:t>9/26/2019</a:t>
             </a:fld>
             <a:endParaRPr lang="en-US"/>
           </a:p>
@@ -2216,7 +4932,7 @@
           <a:p>
             <a:fld id="{A76116CE-C4A3-4A05-B2D7-7C2E9A889C0F}" type="datetimeFigureOut">
               <a:rPr lang="en-US" smtClean="0"/>
-              <a:t>1/30/2017</a:t>
+              <a:t>9/26/2019</a:t>
             </a:fld>
             <a:endParaRPr lang="en-US"/>
           </a:p>
@@ -2464,7 +5180,7 @@
           <a:p>
             <a:fld id="{A76116CE-C4A3-4A05-B2D7-7C2E9A889C0F}" type="datetimeFigureOut">
               <a:rPr lang="en-US" smtClean="0"/>
-              <a:t>1/30/2017</a:t>
+              <a:t>9/26/2019</a:t>
             </a:fld>
             <a:endParaRPr lang="en-US"/>
           </a:p>
@@ -2672,7 +5388,7 @@
           <a:p>
             <a:fld id="{F8166F1F-CE9B-4651-A6AA-CD717754106B}" type="datetimeFigureOut">
               <a:rPr lang="en-US" smtClean="0"/>
-              <a:t>6/13/2013</a:t>
+              <a:t>9/26/2019</a:t>
             </a:fld>
             <a:endParaRPr lang="en-US"/>
           </a:p>
@@ -2750,7 +5466,7 @@
           <a:p>
             <a:fld id="{F7021451-1387-4CA6-816F-3879F97B5CBC}" type="slidenum">
               <a:rPr lang="en-US" smtClean="0"/>
-              <a:t>�#�</a:t>
+              <a:t>‹#›</a:t>
             </a:fld>
             <a:endParaRPr lang="en-US"/>
           </a:p>
@@ -2761,16 +5477,16 @@
   <p:clrMap bg1="lt1" tx1="dk1" bg2="lt2" tx2="dk2" accent1="accent1" accent2="accent2" accent3="accent3" accent4="accent4" accent5="accent5" accent6="accent6" hlink="hlink" folHlink="folHlink"/>
   <p:sldLayoutIdLst>
     <p:sldLayoutId id="2147483649" r:id="rId1"/>
-    <p:sldLayoutId id="2147483650" r:id="rId3"/>
-    <p:sldLayoutId id="2147483651" r:id="rId4"/>
-    <p:sldLayoutId id="2147483652" r:id="rId5"/>
-    <p:sldLayoutId id="2147483653" r:id="rId6"/>
-    <p:sldLayoutId id="2147483654" r:id="rId7"/>
-    <p:sldLayoutId id="2147483655" r:id="rId8"/>
-    <p:sldLayoutId id="2147483656" r:id="rId9"/>
-    <p:sldLayoutId id="2147483657" r:id="rId10"/>
-    <p:sldLayoutId id="2147483658" r:id="rId11"/>
-    <p:sldLayoutId id="2147483659" r:id="rId12"/>
+    <p:sldLayoutId id="2147483650" r:id="rId2"/>
+    <p:sldLayoutId id="2147483651" r:id="rId3"/>
+    <p:sldLayoutId id="2147483652" r:id="rId4"/>
+    <p:sldLayoutId id="2147483653" r:id="rId5"/>
+    <p:sldLayoutId id="2147483654" r:id="rId6"/>
+    <p:sldLayoutId id="2147483655" r:id="rId7"/>
+    <p:sldLayoutId id="2147483656" r:id="rId8"/>
+    <p:sldLayoutId id="2147483657" r:id="rId9"/>
+    <p:sldLayoutId id="2147483658" r:id="rId10"/>
+    <p:sldLayoutId id="2147483659" r:id="rId11"/>
   </p:sldLayoutIdLst>
   <p:txStyles>
     <p:titleStyle>
@@ -3027,7 +5743,18 @@
 
 <file path=ppt/slides/slide1.xml><?xml version="1.0" encoding="utf-8"?>
 <p:sld xmlns:a="http://schemas.openxmlformats.org/drawingml/2006/main" xmlns:r="http://schemas.openxmlformats.org/officeDocument/2006/relationships" xmlns:p="http://schemas.openxmlformats.org/presentationml/2006/main">
-  <p:cSld name="Title Slide">
+  <p:cSld>
+    <p:bg>
+      <p:bgPr>
+        <a:solidFill>
+          <a:schemeClr val="accent5">
+            <a:lumMod val="60000"/>
+            <a:lumOff val="40000"/>
+          </a:schemeClr>
+        </a:solidFill>
+        <a:effectLst/>
+      </p:bgPr>
+    </p:bg>
     <p:spTree>
       <p:nvGrpSpPr>
         <p:cNvPr id="1" name=""/>
@@ -3044,202 +5771,2992 @@
       </p:grpSpPr>
       <p:sp>
         <p:nvSpPr>
-          <p:cNvPr id="2" name="Title 1"/>
-          <p:cNvSpPr>
-            <a:spLocks noGrp="1"/>
-          </p:cNvSpPr>
-          <p:nvPr>
-            <p:ph type="ctrTitle"/>
-          </p:nvPr>
+          <p:cNvPr id="2" name="Rectangle 1"/>
+          <p:cNvSpPr/>
+          <p:nvPr/>
         </p:nvSpPr>
         <p:spPr>
           <a:xfrm>
-            <a:off x="685800" y="2130425"/>
-            <a:ext cx="7772400" cy="1470025"/>
+            <a:off x="0" y="2133600"/>
+            <a:ext cx="9144000" cy="2300630"/>
           </a:xfrm>
+          <a:prstGeom prst="rect">
+            <a:avLst/>
+          </a:prstGeom>
+          <a:noFill/>
         </p:spPr>
         <p:txBody>
-          <a:bodyPr/>
+          <a:bodyPr wrap="square" lIns="68580" tIns="34290" rIns="68580" bIns="34290">
+            <a:spAutoFit/>
+          </a:bodyPr>
           <a:lstStyle/>
           <a:p>
-            <a:r>
-              <a:rPr lang="en-US" smtClean="0"/>
-              <a:t>Click to edit Master title style</a:t>
-            </a:r>
-            <a:endParaRPr lang="en-US"/>
-          </a:p>
-        </p:txBody>
-      </p:sp>
-      <p:sp>
-        <p:nvSpPr>
-          <p:cNvPr id="3" name="Subtitle 2"/>
-          <p:cNvSpPr>
-            <a:spLocks noGrp="1"/>
-          </p:cNvSpPr>
-          <p:nvPr>
-            <p:ph type="subTitle" idx="1"/>
-          </p:nvPr>
-        </p:nvSpPr>
-        <p:spPr>
-          <a:xfrm>
-            <a:off x="1371600" y="3886200"/>
-            <a:ext cx="6400800" cy="1752600"/>
-          </a:xfrm>
-        </p:spPr>
-        <p:txBody>
-          <a:bodyPr/>
-          <a:lstStyle>
-            <a:lvl1pPr marL="0" indent="0" algn="ctr">
-              <a:buNone/>
-              <a:defRPr>
-                <a:solidFill>
-                  <a:schemeClr val="tx1">
-                    <a:tint val="75000"/>
-                  </a:schemeClr>
-                </a:solidFill>
-              </a:defRPr>
-            </a:lvl1pPr>
-            <a:lvl2pPr marL="457200" indent="0" algn="ctr">
-              <a:buNone/>
-              <a:defRPr>
-                <a:solidFill>
-                  <a:schemeClr val="tx1">
-                    <a:tint val="75000"/>
-                  </a:schemeClr>
-                </a:solidFill>
-              </a:defRPr>
-            </a:lvl2pPr>
-            <a:lvl3pPr marL="914400" indent="0" algn="ctr">
-              <a:buNone/>
-              <a:defRPr>
-                <a:solidFill>
-                  <a:schemeClr val="tx1">
-                    <a:tint val="75000"/>
-                  </a:schemeClr>
-                </a:solidFill>
-              </a:defRPr>
-            </a:lvl3pPr>
-            <a:lvl4pPr marL="1371600" indent="0" algn="ctr">
-              <a:buNone/>
-              <a:defRPr>
-                <a:solidFill>
-                  <a:schemeClr val="tx1">
-                    <a:tint val="75000"/>
-                  </a:schemeClr>
-                </a:solidFill>
-              </a:defRPr>
-            </a:lvl4pPr>
-            <a:lvl5pPr marL="1828800" indent="0" algn="ctr">
-              <a:buNone/>
-              <a:defRPr>
-                <a:solidFill>
-                  <a:schemeClr val="tx1">
-                    <a:tint val="75000"/>
-                  </a:schemeClr>
-                </a:solidFill>
-              </a:defRPr>
-            </a:lvl5pPr>
-            <a:lvl6pPr marL="2286000" indent="0" algn="ctr">
-              <a:buNone/>
-              <a:defRPr>
-                <a:solidFill>
-                  <a:schemeClr val="tx1">
-                    <a:tint val="75000"/>
-                  </a:schemeClr>
-                </a:solidFill>
-              </a:defRPr>
-            </a:lvl6pPr>
-            <a:lvl7pPr marL="2743200" indent="0" algn="ctr">
-              <a:buNone/>
-              <a:defRPr>
-                <a:solidFill>
-                  <a:schemeClr val="tx1">
-                    <a:tint val="75000"/>
-                  </a:schemeClr>
-                </a:solidFill>
-              </a:defRPr>
-            </a:lvl7pPr>
-            <a:lvl8pPr marL="3200400" indent="0" algn="ctr">
-              <a:buNone/>
-              <a:defRPr>
-                <a:solidFill>
-                  <a:schemeClr val="tx1">
-                    <a:tint val="75000"/>
-                  </a:schemeClr>
-                </a:solidFill>
-              </a:defRPr>
-            </a:lvl8pPr>
-            <a:lvl9pPr marL="3657600" indent="0" algn="ctr">
-              <a:buNone/>
-              <a:defRPr>
-                <a:solidFill>
-                  <a:schemeClr val="tx1">
-                    <a:tint val="75000"/>
-                  </a:schemeClr>
-                </a:solidFill>
-              </a:defRPr>
-            </a:lvl9pPr>
-          </a:lstStyle>
-          <a:p>
-            <a:r>
-              <a:rPr lang="en-US" smtClean="0"/>
-              <a:t>Click to edit Master subtitle style</a:t>
-            </a:r>
-            <a:endParaRPr lang="en-US"/>
-          </a:p>
-        </p:txBody>
-      </p:sp>
-      <p:sp>
-        <p:nvSpPr>
-          <p:cNvPr id="4" name="Date Placeholder 3"/>
-          <p:cNvSpPr>
-            <a:spLocks noGrp="1"/>
-          </p:cNvSpPr>
-          <p:nvPr>
-            <p:ph type="dt" sz="half" idx="10"/>
-          </p:nvPr>
-        </p:nvSpPr>
-        <p:spPr/>
-        <p:txBody>
-          <a:bodyPr/>
-          <a:lstStyle/>
-          <a:p>
-            <a:fld id="{F8166F1F-CE9B-4651-A6AA-CD717754106B}" type="datetimeFigureOut">
-              <a:rPr lang="en-US" smtClean="0"/>
-              <a:t>7/1/2019</a:t>
-            </a:fld>
-            <a:endParaRPr lang="en-US"/>
-          </a:p>
-        </p:txBody>
-      </p:sp>
-      <p:sp>
-        <p:nvSpPr>
-          <p:cNvPr id="5" name="Slide Number Placeholder 5"/>
-          <p:cNvSpPr>
-            <a:spLocks noGrp="1"/>
-          </p:cNvSpPr>
-          <p:nvPr>
-            <p:ph type="sldNum" sz="quarter" idx="12"/>
-          </p:nvPr>
-        </p:nvSpPr>
-        <p:spPr/>
-        <p:txBody>
-          <a:bodyPr/>
-          <a:lstStyle/>
-          <a:p>
-            <a:fld id="{B1393E5F-521B-4CAD-9D3A-AE923D912DCE}" type="slidenum">
-              <a:rPr lang="en-US" smtClean="0"/>
-              <a:t>‹#›</a:t>
-            </a:fld>
-            <a:endParaRPr lang="en-US"/>
+            <a:pPr algn="ctr"/>
+            <a:r>
+              <a:rPr lang="en-US" sz="4000" b="1" dirty="0"/>
+              <a:t>Programming </a:t>
+            </a:r>
+            <a:r>
+              <a:rPr lang="en-US" sz="4000" b="1" dirty="0" smtClean="0"/>
+              <a:t>4</a:t>
+            </a:r>
+            <a:endParaRPr lang="en-US" sz="2500" b="1" dirty="0"/>
+          </a:p>
+          <a:p>
+            <a:pPr algn="ctr"/>
+            <a:r>
+              <a:rPr lang="en-US" sz="4000" b="1" dirty="0" smtClean="0"/>
+              <a:t>10.2 Finite State </a:t>
+            </a:r>
+            <a:r>
+              <a:rPr lang="en-US" sz="4000" b="1" dirty="0" smtClean="0"/>
+              <a:t>Machines</a:t>
+            </a:r>
+            <a:endParaRPr lang="en-US" sz="4000" b="1" dirty="0" smtClean="0"/>
+          </a:p>
+          <a:p>
+            <a:pPr algn="ctr"/>
+            <a:endParaRPr lang="en-US" sz="2500" b="1" dirty="0"/>
+          </a:p>
+          <a:p>
+            <a:pPr algn="ctr"/>
+            <a:r>
+              <a:rPr lang="en-US" sz="4000" b="1" dirty="0"/>
+              <a:t>Semester 2</a:t>
+            </a:r>
+            <a:r>
+              <a:rPr lang="en-US" sz="4000" b="1" dirty="0" smtClean="0"/>
+              <a:t>, </a:t>
+            </a:r>
+            <a:r>
+              <a:rPr lang="en-US" sz="4000" b="1" dirty="0"/>
+              <a:t>2019</a:t>
+            </a:r>
           </a:p>
         </p:txBody>
       </p:sp>
     </p:spTree>
+    <p:extLst>
+      <p:ext uri="{BB962C8B-B14F-4D97-AF65-F5344CB8AC3E}">
+        <p14:creationId xmlns:p14="http://schemas.microsoft.com/office/powerpoint/2010/main" val="3249209698"/>
+      </p:ext>
+    </p:extLst>
   </p:cSld>
   <p:clrMapOvr>
     <a:masterClrMapping/>
   </p:clrMapOvr>
+  <p:timing>
+    <p:tnLst>
+      <p:par>
+        <p:cTn id="1" dur="indefinite" restart="never" nodeType="tmRoot"/>
+      </p:par>
+    </p:tnLst>
+  </p:timing>
+</p:sld>
+</file>
+
+<file path=ppt/slides/slide10.xml><?xml version="1.0" encoding="utf-8"?>
+<p:sld xmlns:a="http://schemas.openxmlformats.org/drawingml/2006/main" xmlns:r="http://schemas.openxmlformats.org/officeDocument/2006/relationships" xmlns:p="http://schemas.openxmlformats.org/presentationml/2006/main">
+  <p:cSld>
+    <p:bg>
+      <p:bgPr>
+        <a:solidFill>
+          <a:schemeClr val="accent5">
+            <a:lumMod val="60000"/>
+            <a:lumOff val="40000"/>
+          </a:schemeClr>
+        </a:solidFill>
+        <a:effectLst/>
+      </p:bgPr>
+    </p:bg>
+    <p:spTree>
+      <p:nvGrpSpPr>
+        <p:cNvPr id="1" name=""/>
+        <p:cNvGrpSpPr/>
+        <p:nvPr/>
+      </p:nvGrpSpPr>
+      <p:grpSpPr>
+        <a:xfrm>
+          <a:off x="0" y="0"/>
+          <a:ext cx="0" cy="0"/>
+          <a:chOff x="0" y="0"/>
+          <a:chExt cx="0" cy="0"/>
+        </a:xfrm>
+      </p:grpSpPr>
+      <p:sp>
+        <p:nvSpPr>
+          <p:cNvPr id="3" name="Rectangle 2"/>
+          <p:cNvSpPr/>
+          <p:nvPr/>
+        </p:nvSpPr>
+        <p:spPr>
+          <a:xfrm>
+            <a:off x="0" y="0"/>
+            <a:ext cx="9144000" cy="5786199"/>
+          </a:xfrm>
+          <a:prstGeom prst="rect">
+            <a:avLst/>
+          </a:prstGeom>
+        </p:spPr>
+        <p:txBody>
+          <a:bodyPr wrap="square">
+            <a:spAutoFit/>
+          </a:bodyPr>
+          <a:lstStyle/>
+          <a:p>
+            <a:pPr algn="ctr"/>
+            <a:endParaRPr lang="en-US" sz="4000" b="1" dirty="0"/>
+          </a:p>
+          <a:p>
+            <a:pPr lvl="1"/>
+            <a:r>
+              <a:rPr lang="en-NZ" sz="3500" b="1" dirty="0" smtClean="0"/>
+              <a:t>Coding an FSM</a:t>
+            </a:r>
+            <a:endParaRPr lang="en-US" sz="3500" b="1" dirty="0" smtClean="0"/>
+          </a:p>
+          <a:p>
+            <a:pPr marL="1657350" lvl="2" indent="-742950">
+              <a:buFont typeface="Arial" panose="020B0604020202020204" pitchFamily="34" charset="0"/>
+              <a:buChar char="•"/>
+            </a:pPr>
+            <a:endParaRPr lang="en-US" sz="2500" dirty="0" smtClean="0"/>
+          </a:p>
+          <a:p>
+            <a:pPr marL="1657350" lvl="2" indent="-742950">
+              <a:buFont typeface="Arial" panose="020B0604020202020204" pitchFamily="34" charset="0"/>
+              <a:buChar char="•"/>
+            </a:pPr>
+            <a:r>
+              <a:rPr lang="en-NZ" sz="2500" dirty="0" smtClean="0"/>
+              <a:t>Perform actions</a:t>
+            </a:r>
+            <a:endParaRPr lang="en-NZ" sz="2500" dirty="0"/>
+          </a:p>
+          <a:p>
+            <a:pPr marL="1657350" lvl="2" indent="-742950">
+              <a:buFont typeface="Arial" panose="020B0604020202020204" pitchFamily="34" charset="0"/>
+              <a:buChar char="•"/>
+            </a:pPr>
+            <a:endParaRPr lang="en-NZ" sz="2500" dirty="0"/>
+          </a:p>
+          <a:p>
+            <a:pPr lvl="2"/>
+            <a:r>
+              <a:rPr lang="en-NZ" sz="2000" dirty="0"/>
+              <a:t>switch (</a:t>
+            </a:r>
+            <a:r>
+              <a:rPr lang="en-NZ" sz="2000" dirty="0" err="1"/>
+              <a:t>catState</a:t>
+            </a:r>
+            <a:r>
+              <a:rPr lang="en-NZ" sz="2000" dirty="0"/>
+              <a:t>)</a:t>
+            </a:r>
+          </a:p>
+          <a:p>
+            <a:pPr lvl="3"/>
+            <a:r>
+              <a:rPr lang="en-NZ" sz="2000" dirty="0" smtClean="0"/>
+              <a:t>case </a:t>
+            </a:r>
+            <a:r>
+              <a:rPr lang="en-NZ" sz="2000" dirty="0"/>
+              <a:t>Sleeping:</a:t>
+            </a:r>
+          </a:p>
+          <a:p>
+            <a:pPr lvl="2"/>
+            <a:r>
+              <a:rPr lang="en-NZ" sz="2000" dirty="0"/>
+              <a:t>	Drool();</a:t>
+            </a:r>
+          </a:p>
+          <a:p>
+            <a:pPr lvl="2"/>
+            <a:r>
+              <a:rPr lang="en-NZ" sz="2000" dirty="0"/>
+              <a:t>	if (</a:t>
+            </a:r>
+            <a:r>
+              <a:rPr lang="en-NZ" sz="2000" dirty="0" err="1"/>
+              <a:t>rGen</a:t>
+            </a:r>
+            <a:r>
+              <a:rPr lang="en-NZ" sz="2000" dirty="0"/>
+              <a:t>-&gt;Next(100) &gt; ROLLPROB) Rollover();</a:t>
+            </a:r>
+          </a:p>
+          <a:p>
+            <a:pPr lvl="2"/>
+            <a:r>
+              <a:rPr lang="en-NZ" sz="2000" dirty="0"/>
+              <a:t>	</a:t>
+            </a:r>
+            <a:r>
+              <a:rPr lang="en-NZ" sz="2000" dirty="0" smtClean="0"/>
+              <a:t>	</a:t>
+            </a:r>
+            <a:r>
+              <a:rPr lang="en-NZ" sz="2000" dirty="0" err="1" smtClean="0"/>
+              <a:t>Haven’tEatenCount</a:t>
+            </a:r>
+            <a:r>
+              <a:rPr lang="en-NZ" sz="2000" dirty="0"/>
+              <a:t>++</a:t>
+            </a:r>
+          </a:p>
+          <a:p>
+            <a:pPr lvl="2"/>
+            <a:r>
+              <a:rPr lang="en-NZ" sz="2000" dirty="0"/>
+              <a:t>	break;</a:t>
+            </a:r>
+          </a:p>
+          <a:p>
+            <a:pPr lvl="3"/>
+            <a:r>
+              <a:rPr lang="en-NZ" sz="2000" dirty="0"/>
+              <a:t>case Chasing:</a:t>
+            </a:r>
+          </a:p>
+          <a:p>
+            <a:pPr lvl="4"/>
+            <a:r>
+              <a:rPr lang="en-NZ" sz="2000" dirty="0" err="1"/>
+              <a:t>TargetAction</a:t>
+            </a:r>
+            <a:r>
+              <a:rPr lang="en-NZ" sz="2000" dirty="0"/>
+              <a:t>(</a:t>
+            </a:r>
+            <a:r>
+              <a:rPr lang="en-NZ" sz="2000" dirty="0" err="1"/>
+              <a:t>NeighbourCat</a:t>
+            </a:r>
+            <a:r>
+              <a:rPr lang="en-NZ" sz="2000" dirty="0"/>
+              <a:t>);</a:t>
+            </a:r>
+          </a:p>
+          <a:p>
+            <a:pPr lvl="4"/>
+            <a:r>
+              <a:rPr lang="en-NZ" sz="2000" dirty="0"/>
+              <a:t>Hiss();</a:t>
+            </a:r>
+          </a:p>
+          <a:p>
+            <a:pPr lvl="4"/>
+            <a:r>
+              <a:rPr lang="en-NZ" sz="2000" dirty="0"/>
+              <a:t>break;</a:t>
+            </a:r>
+          </a:p>
+          <a:p>
+            <a:pPr lvl="4"/>
+            <a:r>
+              <a:rPr lang="en-NZ" sz="2000" dirty="0"/>
+              <a:t>…..</a:t>
+            </a:r>
+          </a:p>
+        </p:txBody>
+      </p:sp>
+    </p:spTree>
+    <p:extLst>
+      <p:ext uri="{BB962C8B-B14F-4D97-AF65-F5344CB8AC3E}">
+        <p14:creationId xmlns:p14="http://schemas.microsoft.com/office/powerpoint/2010/main" val="2498385362"/>
+      </p:ext>
+    </p:extLst>
+  </p:cSld>
+  <p:clrMapOvr>
+    <a:masterClrMapping/>
+  </p:clrMapOvr>
+  <p:timing>
+    <p:tnLst>
+      <p:par>
+        <p:cTn id="1" dur="indefinite" restart="never" nodeType="tmRoot"/>
+      </p:par>
+    </p:tnLst>
+  </p:timing>
+</p:sld>
+</file>
+
+<file path=ppt/slides/slide11.xml><?xml version="1.0" encoding="utf-8"?>
+<p:sld xmlns:a="http://schemas.openxmlformats.org/drawingml/2006/main" xmlns:r="http://schemas.openxmlformats.org/officeDocument/2006/relationships" xmlns:p="http://schemas.openxmlformats.org/presentationml/2006/main">
+  <p:cSld>
+    <p:bg>
+      <p:bgPr>
+        <a:solidFill>
+          <a:schemeClr val="accent5">
+            <a:lumMod val="60000"/>
+            <a:lumOff val="40000"/>
+          </a:schemeClr>
+        </a:solidFill>
+        <a:effectLst/>
+      </p:bgPr>
+    </p:bg>
+    <p:spTree>
+      <p:nvGrpSpPr>
+        <p:cNvPr id="1" name=""/>
+        <p:cNvGrpSpPr/>
+        <p:nvPr/>
+      </p:nvGrpSpPr>
+      <p:grpSpPr>
+        <a:xfrm>
+          <a:off x="0" y="0"/>
+          <a:ext cx="0" cy="0"/>
+          <a:chOff x="0" y="0"/>
+          <a:chExt cx="0" cy="0"/>
+        </a:xfrm>
+      </p:grpSpPr>
+      <p:sp>
+        <p:nvSpPr>
+          <p:cNvPr id="3" name="Rectangle 2"/>
+          <p:cNvSpPr/>
+          <p:nvPr/>
+        </p:nvSpPr>
+        <p:spPr>
+          <a:xfrm>
+            <a:off x="0" y="0"/>
+            <a:ext cx="9144000" cy="1631216"/>
+          </a:xfrm>
+          <a:prstGeom prst="rect">
+            <a:avLst/>
+          </a:prstGeom>
+        </p:spPr>
+        <p:txBody>
+          <a:bodyPr wrap="square">
+            <a:spAutoFit/>
+          </a:bodyPr>
+          <a:lstStyle/>
+          <a:p>
+            <a:pPr algn="ctr"/>
+            <a:endParaRPr lang="en-US" sz="4000" b="1" dirty="0"/>
+          </a:p>
+          <a:p>
+            <a:pPr lvl="1"/>
+            <a:r>
+              <a:rPr lang="en-NZ" sz="3500" b="1" dirty="0" smtClean="0"/>
+              <a:t>Probabilistic FSM</a:t>
+            </a:r>
+            <a:endParaRPr lang="en-US" sz="3500" b="1" dirty="0" smtClean="0"/>
+          </a:p>
+          <a:p>
+            <a:pPr marL="1657350" lvl="2" indent="-742950">
+              <a:buFont typeface="Arial" panose="020B0604020202020204" pitchFamily="34" charset="0"/>
+              <a:buChar char="•"/>
+            </a:pPr>
+            <a:endParaRPr lang="en-US" sz="2500" dirty="0" smtClean="0"/>
+          </a:p>
+        </p:txBody>
+      </p:sp>
+      <p:grpSp>
+        <p:nvGrpSpPr>
+          <p:cNvPr id="4" name="Group 3"/>
+          <p:cNvGrpSpPr/>
+          <p:nvPr/>
+        </p:nvGrpSpPr>
+        <p:grpSpPr>
+          <a:xfrm>
+            <a:off x="2070533" y="1664041"/>
+            <a:ext cx="4464174" cy="2160712"/>
+            <a:chOff x="323850" y="2781300"/>
+            <a:chExt cx="4967288" cy="2592388"/>
+          </a:xfrm>
+        </p:grpSpPr>
+        <p:sp>
+          <p:nvSpPr>
+            <p:cNvPr id="5" name="Text Box 4"/>
+            <p:cNvSpPr txBox="1">
+              <a:spLocks noChangeArrowheads="1"/>
+            </p:cNvSpPr>
+            <p:nvPr/>
+          </p:nvSpPr>
+          <p:spPr bwMode="auto">
+            <a:xfrm>
+              <a:off x="819944" y="2957513"/>
+              <a:ext cx="628650" cy="366712"/>
+            </a:xfrm>
+            <a:prstGeom prst="rect">
+              <a:avLst/>
+            </a:prstGeom>
+            <a:noFill/>
+            <a:ln w="38100">
+              <a:noFill/>
+              <a:miter lim="800000"/>
+              <a:headEnd/>
+              <a:tailEnd/>
+            </a:ln>
+            <a:effectLst/>
+          </p:spPr>
+          <p:txBody>
+            <a:bodyPr wrap="none">
+              <a:spAutoFit/>
+            </a:bodyPr>
+            <a:lstStyle/>
+            <a:p>
+              <a:r>
+                <a:rPr lang="en-NZ" dirty="0"/>
+                <a:t>Seek</a:t>
+              </a:r>
+            </a:p>
+          </p:txBody>
+        </p:sp>
+        <p:sp>
+          <p:nvSpPr>
+            <p:cNvPr id="6" name="Text Box 5"/>
+            <p:cNvSpPr txBox="1">
+              <a:spLocks noChangeArrowheads="1"/>
+            </p:cNvSpPr>
+            <p:nvPr/>
+          </p:nvSpPr>
+          <p:spPr bwMode="auto">
+            <a:xfrm>
+              <a:off x="4425950" y="3609353"/>
+              <a:ext cx="577850" cy="366713"/>
+            </a:xfrm>
+            <a:prstGeom prst="rect">
+              <a:avLst/>
+            </a:prstGeom>
+            <a:noFill/>
+            <a:ln w="38100">
+              <a:noFill/>
+              <a:miter lim="800000"/>
+              <a:headEnd/>
+              <a:tailEnd/>
+            </a:ln>
+            <a:effectLst/>
+          </p:spPr>
+          <p:txBody>
+            <a:bodyPr wrap="none">
+              <a:spAutoFit/>
+            </a:bodyPr>
+            <a:lstStyle/>
+            <a:p>
+              <a:r>
+                <a:rPr lang="en-NZ" dirty="0"/>
+                <a:t>Flee</a:t>
+              </a:r>
+            </a:p>
+          </p:txBody>
+        </p:sp>
+        <p:sp>
+          <p:nvSpPr>
+            <p:cNvPr id="7" name="Text Box 6"/>
+            <p:cNvSpPr txBox="1">
+              <a:spLocks noChangeArrowheads="1"/>
+            </p:cNvSpPr>
+            <p:nvPr/>
+          </p:nvSpPr>
+          <p:spPr bwMode="auto">
+            <a:xfrm>
+              <a:off x="547892" y="4758532"/>
+              <a:ext cx="590550" cy="366712"/>
+            </a:xfrm>
+            <a:prstGeom prst="rect">
+              <a:avLst/>
+            </a:prstGeom>
+            <a:noFill/>
+            <a:ln w="38100">
+              <a:noFill/>
+              <a:miter lim="800000"/>
+              <a:headEnd/>
+              <a:tailEnd/>
+            </a:ln>
+            <a:effectLst/>
+          </p:spPr>
+          <p:txBody>
+            <a:bodyPr wrap="none">
+              <a:spAutoFit/>
+            </a:bodyPr>
+            <a:lstStyle/>
+            <a:p>
+              <a:r>
+                <a:rPr lang="en-NZ" dirty="0"/>
+                <a:t>Rest</a:t>
+              </a:r>
+            </a:p>
+          </p:txBody>
+        </p:sp>
+        <p:sp>
+          <p:nvSpPr>
+            <p:cNvPr id="8" name="Oval 7"/>
+            <p:cNvSpPr>
+              <a:spLocks noChangeArrowheads="1"/>
+            </p:cNvSpPr>
+            <p:nvPr/>
+          </p:nvSpPr>
+          <p:spPr bwMode="auto">
+            <a:xfrm>
+              <a:off x="611188" y="2781300"/>
+              <a:ext cx="1079500" cy="792163"/>
+            </a:xfrm>
+            <a:prstGeom prst="ellipse">
+              <a:avLst/>
+            </a:prstGeom>
+            <a:noFill/>
+            <a:ln w="38100">
+              <a:solidFill>
+                <a:srgbClr val="008000"/>
+              </a:solidFill>
+              <a:round/>
+              <a:headEnd/>
+              <a:tailEnd/>
+            </a:ln>
+            <a:effectLst/>
+          </p:spPr>
+          <p:txBody>
+            <a:bodyPr wrap="none" anchor="ctr"/>
+            <a:lstStyle/>
+            <a:p>
+              <a:endParaRPr lang="en-NZ"/>
+            </a:p>
+          </p:txBody>
+        </p:sp>
+        <p:sp>
+          <p:nvSpPr>
+            <p:cNvPr id="9" name="Oval 8"/>
+            <p:cNvSpPr>
+              <a:spLocks noChangeArrowheads="1"/>
+            </p:cNvSpPr>
+            <p:nvPr/>
+          </p:nvSpPr>
+          <p:spPr bwMode="auto">
+            <a:xfrm>
+              <a:off x="4211638" y="3429000"/>
+              <a:ext cx="1079500" cy="792163"/>
+            </a:xfrm>
+            <a:prstGeom prst="ellipse">
+              <a:avLst/>
+            </a:prstGeom>
+            <a:noFill/>
+            <a:ln w="38100">
+              <a:solidFill>
+                <a:srgbClr val="008000"/>
+              </a:solidFill>
+              <a:round/>
+              <a:headEnd/>
+              <a:tailEnd/>
+            </a:ln>
+            <a:effectLst/>
+          </p:spPr>
+          <p:txBody>
+            <a:bodyPr wrap="none" anchor="ctr"/>
+            <a:lstStyle/>
+            <a:p>
+              <a:endParaRPr lang="en-NZ"/>
+            </a:p>
+          </p:txBody>
+        </p:sp>
+        <p:sp>
+          <p:nvSpPr>
+            <p:cNvPr id="10" name="Oval 9"/>
+            <p:cNvSpPr>
+              <a:spLocks noChangeArrowheads="1"/>
+            </p:cNvSpPr>
+            <p:nvPr/>
+          </p:nvSpPr>
+          <p:spPr bwMode="auto">
+            <a:xfrm>
+              <a:off x="323850" y="4581525"/>
+              <a:ext cx="1079500" cy="792163"/>
+            </a:xfrm>
+            <a:prstGeom prst="ellipse">
+              <a:avLst/>
+            </a:prstGeom>
+            <a:noFill/>
+            <a:ln w="38100">
+              <a:solidFill>
+                <a:srgbClr val="008000"/>
+              </a:solidFill>
+              <a:round/>
+              <a:headEnd/>
+              <a:tailEnd/>
+            </a:ln>
+            <a:effectLst/>
+          </p:spPr>
+          <p:txBody>
+            <a:bodyPr wrap="none" anchor="ctr"/>
+            <a:lstStyle/>
+            <a:p>
+              <a:endParaRPr lang="en-NZ"/>
+            </a:p>
+          </p:txBody>
+        </p:sp>
+        <p:sp>
+          <p:nvSpPr>
+            <p:cNvPr id="11" name="Line 10"/>
+            <p:cNvSpPr>
+              <a:spLocks noChangeShapeType="1"/>
+            </p:cNvSpPr>
+            <p:nvPr/>
+          </p:nvSpPr>
+          <p:spPr bwMode="auto">
+            <a:xfrm flipH="1" flipV="1">
+              <a:off x="1763713" y="2997200"/>
+              <a:ext cx="2303462" cy="576263"/>
+            </a:xfrm>
+            <a:prstGeom prst="line">
+              <a:avLst/>
+            </a:prstGeom>
+            <a:noFill/>
+            <a:ln w="38100">
+              <a:solidFill>
+                <a:schemeClr val="tx1"/>
+              </a:solidFill>
+              <a:round/>
+              <a:headEnd/>
+              <a:tailEnd type="triangle" w="med" len="med"/>
+            </a:ln>
+            <a:effectLst/>
+          </p:spPr>
+          <p:txBody>
+            <a:bodyPr/>
+            <a:lstStyle/>
+            <a:p>
+              <a:endParaRPr lang="en-NZ"/>
+            </a:p>
+          </p:txBody>
+        </p:sp>
+        <p:sp>
+          <p:nvSpPr>
+            <p:cNvPr id="12" name="Line 11"/>
+            <p:cNvSpPr>
+              <a:spLocks noChangeShapeType="1"/>
+            </p:cNvSpPr>
+            <p:nvPr/>
+          </p:nvSpPr>
+          <p:spPr bwMode="auto">
+            <a:xfrm>
+              <a:off x="1763713" y="3573463"/>
+              <a:ext cx="2303462" cy="503237"/>
+            </a:xfrm>
+            <a:prstGeom prst="line">
+              <a:avLst/>
+            </a:prstGeom>
+            <a:noFill/>
+            <a:ln w="38100">
+              <a:solidFill>
+                <a:schemeClr val="tx1"/>
+              </a:solidFill>
+              <a:round/>
+              <a:headEnd/>
+              <a:tailEnd type="triangle" w="med" len="med"/>
+            </a:ln>
+            <a:effectLst/>
+          </p:spPr>
+          <p:txBody>
+            <a:bodyPr/>
+            <a:lstStyle/>
+            <a:p>
+              <a:endParaRPr lang="en-NZ"/>
+            </a:p>
+          </p:txBody>
+        </p:sp>
+        <p:sp>
+          <p:nvSpPr>
+            <p:cNvPr id="13" name="Line 12"/>
+            <p:cNvSpPr>
+              <a:spLocks noChangeShapeType="1"/>
+            </p:cNvSpPr>
+            <p:nvPr/>
+          </p:nvSpPr>
+          <p:spPr bwMode="auto">
+            <a:xfrm flipH="1">
+              <a:off x="1690688" y="4797425"/>
+              <a:ext cx="3241675" cy="431800"/>
+            </a:xfrm>
+            <a:prstGeom prst="line">
+              <a:avLst/>
+            </a:prstGeom>
+            <a:noFill/>
+            <a:ln w="38100">
+              <a:solidFill>
+                <a:schemeClr val="tx1"/>
+              </a:solidFill>
+              <a:round/>
+              <a:headEnd/>
+              <a:tailEnd type="triangle" w="med" len="med"/>
+            </a:ln>
+            <a:effectLst/>
+          </p:spPr>
+          <p:txBody>
+            <a:bodyPr/>
+            <a:lstStyle/>
+            <a:p>
+              <a:endParaRPr lang="en-NZ"/>
+            </a:p>
+          </p:txBody>
+        </p:sp>
+        <p:sp>
+          <p:nvSpPr>
+            <p:cNvPr id="14" name="Line 13"/>
+            <p:cNvSpPr>
+              <a:spLocks noChangeShapeType="1"/>
+            </p:cNvSpPr>
+            <p:nvPr/>
+          </p:nvSpPr>
+          <p:spPr bwMode="auto">
+            <a:xfrm flipV="1">
+              <a:off x="1690688" y="4437063"/>
+              <a:ext cx="3024187" cy="504825"/>
+            </a:xfrm>
+            <a:prstGeom prst="line">
+              <a:avLst/>
+            </a:prstGeom>
+            <a:noFill/>
+            <a:ln w="38100">
+              <a:solidFill>
+                <a:schemeClr val="tx1"/>
+              </a:solidFill>
+              <a:round/>
+              <a:headEnd/>
+              <a:tailEnd type="triangle" w="med" len="med"/>
+            </a:ln>
+            <a:effectLst/>
+          </p:spPr>
+          <p:txBody>
+            <a:bodyPr/>
+            <a:lstStyle/>
+            <a:p>
+              <a:endParaRPr lang="en-NZ"/>
+            </a:p>
+          </p:txBody>
+        </p:sp>
+        <p:sp>
+          <p:nvSpPr>
+            <p:cNvPr id="15" name="Line 14"/>
+            <p:cNvSpPr>
+              <a:spLocks noChangeShapeType="1"/>
+            </p:cNvSpPr>
+            <p:nvPr/>
+          </p:nvSpPr>
+          <p:spPr bwMode="auto">
+            <a:xfrm flipV="1">
+              <a:off x="1116013" y="3644900"/>
+              <a:ext cx="71437" cy="863600"/>
+            </a:xfrm>
+            <a:prstGeom prst="line">
+              <a:avLst/>
+            </a:prstGeom>
+            <a:noFill/>
+            <a:ln w="38100">
+              <a:solidFill>
+                <a:schemeClr val="tx1"/>
+              </a:solidFill>
+              <a:round/>
+              <a:headEnd/>
+              <a:tailEnd type="triangle" w="med" len="med"/>
+            </a:ln>
+            <a:effectLst/>
+          </p:spPr>
+          <p:txBody>
+            <a:bodyPr/>
+            <a:lstStyle/>
+            <a:p>
+              <a:endParaRPr lang="en-NZ"/>
+            </a:p>
+          </p:txBody>
+        </p:sp>
+        <p:sp>
+          <p:nvSpPr>
+            <p:cNvPr id="16" name="Line 15"/>
+            <p:cNvSpPr>
+              <a:spLocks noChangeShapeType="1"/>
+            </p:cNvSpPr>
+            <p:nvPr/>
+          </p:nvSpPr>
+          <p:spPr bwMode="auto">
+            <a:xfrm flipH="1">
+              <a:off x="682625" y="3716338"/>
+              <a:ext cx="144463" cy="792162"/>
+            </a:xfrm>
+            <a:prstGeom prst="line">
+              <a:avLst/>
+            </a:prstGeom>
+            <a:noFill/>
+            <a:ln w="38100">
+              <a:solidFill>
+                <a:schemeClr val="tx1"/>
+              </a:solidFill>
+              <a:round/>
+              <a:headEnd/>
+              <a:tailEnd type="triangle" w="med" len="med"/>
+            </a:ln>
+            <a:effectLst/>
+          </p:spPr>
+          <p:txBody>
+            <a:bodyPr/>
+            <a:lstStyle/>
+            <a:p>
+              <a:endParaRPr lang="en-NZ"/>
+            </a:p>
+          </p:txBody>
+        </p:sp>
+      </p:grpSp>
+      <p:pic>
+        <p:nvPicPr>
+          <p:cNvPr id="2" name="Picture 1"/>
+          <p:cNvPicPr>
+            <a:picLocks noChangeAspect="1"/>
+          </p:cNvPicPr>
+          <p:nvPr/>
+        </p:nvPicPr>
+        <p:blipFill>
+          <a:blip r:embed="rId3"/>
+          <a:stretch>
+            <a:fillRect/>
+          </a:stretch>
+        </p:blipFill>
+        <p:spPr>
+          <a:xfrm>
+            <a:off x="1229970" y="4412393"/>
+            <a:ext cx="6145301" cy="1853345"/>
+          </a:xfrm>
+          <a:prstGeom prst="rect">
+            <a:avLst/>
+          </a:prstGeom>
+        </p:spPr>
+      </p:pic>
+    </p:spTree>
+    <p:extLst>
+      <p:ext uri="{BB962C8B-B14F-4D97-AF65-F5344CB8AC3E}">
+        <p14:creationId xmlns:p14="http://schemas.microsoft.com/office/powerpoint/2010/main" val="348031362"/>
+      </p:ext>
+    </p:extLst>
+  </p:cSld>
+  <p:clrMapOvr>
+    <a:masterClrMapping/>
+  </p:clrMapOvr>
+  <p:timing>
+    <p:tnLst>
+      <p:par>
+        <p:cTn id="1" dur="indefinite" restart="never" nodeType="tmRoot"/>
+      </p:par>
+    </p:tnLst>
+  </p:timing>
+</p:sld>
+</file>
+
+<file path=ppt/slides/slide12.xml><?xml version="1.0" encoding="utf-8"?>
+<p:sld xmlns:a="http://schemas.openxmlformats.org/drawingml/2006/main" xmlns:r="http://schemas.openxmlformats.org/officeDocument/2006/relationships" xmlns:p="http://schemas.openxmlformats.org/presentationml/2006/main">
+  <p:cSld>
+    <p:bg>
+      <p:bgPr>
+        <a:solidFill>
+          <a:schemeClr val="accent5">
+            <a:lumMod val="60000"/>
+            <a:lumOff val="40000"/>
+          </a:schemeClr>
+        </a:solidFill>
+        <a:effectLst/>
+      </p:bgPr>
+    </p:bg>
+    <p:spTree>
+      <p:nvGrpSpPr>
+        <p:cNvPr id="1" name=""/>
+        <p:cNvGrpSpPr/>
+        <p:nvPr/>
+      </p:nvGrpSpPr>
+      <p:grpSpPr>
+        <a:xfrm>
+          <a:off x="0" y="0"/>
+          <a:ext cx="0" cy="0"/>
+          <a:chOff x="0" y="0"/>
+          <a:chExt cx="0" cy="0"/>
+        </a:xfrm>
+      </p:grpSpPr>
+      <p:sp>
+        <p:nvSpPr>
+          <p:cNvPr id="3" name="Rectangle 2"/>
+          <p:cNvSpPr/>
+          <p:nvPr/>
+        </p:nvSpPr>
+        <p:spPr>
+          <a:xfrm>
+            <a:off x="0" y="0"/>
+            <a:ext cx="9144000" cy="1631216"/>
+          </a:xfrm>
+          <a:prstGeom prst="rect">
+            <a:avLst/>
+          </a:prstGeom>
+        </p:spPr>
+        <p:txBody>
+          <a:bodyPr wrap="square">
+            <a:spAutoFit/>
+          </a:bodyPr>
+          <a:lstStyle/>
+          <a:p>
+            <a:pPr algn="ctr"/>
+            <a:endParaRPr lang="en-US" sz="4000" b="1" dirty="0"/>
+          </a:p>
+          <a:p>
+            <a:pPr lvl="1"/>
+            <a:r>
+              <a:rPr lang="en-NZ" sz="3500" b="1" dirty="0" smtClean="0"/>
+              <a:t>Practical</a:t>
+            </a:r>
+            <a:endParaRPr lang="en-US" sz="3500" b="1" dirty="0" smtClean="0"/>
+          </a:p>
+          <a:p>
+            <a:pPr marL="1657350" lvl="2" indent="-742950">
+              <a:buFont typeface="Arial" panose="020B0604020202020204" pitchFamily="34" charset="0"/>
+              <a:buChar char="•"/>
+            </a:pPr>
+            <a:endParaRPr lang="en-US" sz="2500" dirty="0" smtClean="0"/>
+          </a:p>
+        </p:txBody>
+      </p:sp>
+      <p:pic>
+        <p:nvPicPr>
+          <p:cNvPr id="17" name="Picture 2"/>
+          <p:cNvPicPr>
+            <a:picLocks noChangeAspect="1" noChangeArrowheads="1"/>
+          </p:cNvPicPr>
+          <p:nvPr/>
+        </p:nvPicPr>
+        <p:blipFill rotWithShape="1">
+          <a:blip r:embed="rId3" cstate="print">
+            <a:extLst>
+              <a:ext uri="{28A0092B-C50C-407E-A947-70E740481C1C}">
+                <a14:useLocalDpi xmlns:a14="http://schemas.microsoft.com/office/drawing/2010/main" val="0"/>
+              </a:ext>
+            </a:extLst>
+          </a:blip>
+          <a:srcRect l="1867" t="4141" r="2354" b="4357"/>
+          <a:stretch/>
+        </p:blipFill>
+        <p:spPr bwMode="auto">
+          <a:xfrm>
+            <a:off x="1485900" y="1631216"/>
+            <a:ext cx="6172200" cy="4419600"/>
+          </a:xfrm>
+          <a:prstGeom prst="rect">
+            <a:avLst/>
+          </a:prstGeom>
+          <a:noFill/>
+          <a:ln>
+            <a:noFill/>
+          </a:ln>
+          <a:effectLst/>
+          <a:extLst>
+            <a:ext uri="{909E8E84-426E-40DD-AFC4-6F175D3DCCD1}">
+              <a14:hiddenFill xmlns:a14="http://schemas.microsoft.com/office/drawing/2010/main">
+                <a:solidFill>
+                  <a:schemeClr val="accent1"/>
+                </a:solidFill>
+              </a14:hiddenFill>
+            </a:ext>
+            <a:ext uri="{91240B29-F687-4F45-9708-019B960494DF}">
+              <a14:hiddenLine xmlns:a14="http://schemas.microsoft.com/office/drawing/2010/main" w="9525">
+                <a:solidFill>
+                  <a:schemeClr val="tx1"/>
+                </a:solidFill>
+                <a:miter lim="800000"/>
+                <a:headEnd/>
+                <a:tailEnd/>
+              </a14:hiddenLine>
+            </a:ext>
+            <a:ext uri="{AF507438-7753-43E0-B8FC-AC1667EBCBE1}">
+              <a14:hiddenEffects xmlns:a14="http://schemas.microsoft.com/office/drawing/2010/main">
+                <a:effectLst>
+                  <a:outerShdw dist="35921" dir="2700000" algn="ctr" rotWithShape="0">
+                    <a:schemeClr val="bg2"/>
+                  </a:outerShdw>
+                </a:effectLst>
+              </a14:hiddenEffects>
+            </a:ext>
+          </a:extLst>
+        </p:spPr>
+      </p:pic>
+    </p:spTree>
+    <p:extLst>
+      <p:ext uri="{BB962C8B-B14F-4D97-AF65-F5344CB8AC3E}">
+        <p14:creationId xmlns:p14="http://schemas.microsoft.com/office/powerpoint/2010/main" val="1712550389"/>
+      </p:ext>
+    </p:extLst>
+  </p:cSld>
+  <p:clrMapOvr>
+    <a:masterClrMapping/>
+  </p:clrMapOvr>
+  <p:timing>
+    <p:tnLst>
+      <p:par>
+        <p:cTn id="1" dur="indefinite" restart="never" nodeType="tmRoot"/>
+      </p:par>
+    </p:tnLst>
+  </p:timing>
+</p:sld>
+</file>
+
+<file path=ppt/slides/slide2.xml><?xml version="1.0" encoding="utf-8"?>
+<p:sld xmlns:a="http://schemas.openxmlformats.org/drawingml/2006/main" xmlns:r="http://schemas.openxmlformats.org/officeDocument/2006/relationships" xmlns:p="http://schemas.openxmlformats.org/presentationml/2006/main">
+  <p:cSld>
+    <p:bg>
+      <p:bgPr>
+        <a:solidFill>
+          <a:schemeClr val="accent5">
+            <a:lumMod val="60000"/>
+            <a:lumOff val="40000"/>
+          </a:schemeClr>
+        </a:solidFill>
+        <a:effectLst/>
+      </p:bgPr>
+    </p:bg>
+    <p:spTree>
+      <p:nvGrpSpPr>
+        <p:cNvPr id="1" name=""/>
+        <p:cNvGrpSpPr/>
+        <p:nvPr/>
+      </p:nvGrpSpPr>
+      <p:grpSpPr>
+        <a:xfrm>
+          <a:off x="0" y="0"/>
+          <a:ext cx="0" cy="0"/>
+          <a:chOff x="0" y="0"/>
+          <a:chExt cx="0" cy="0"/>
+        </a:xfrm>
+      </p:grpSpPr>
+      <p:sp>
+        <p:nvSpPr>
+          <p:cNvPr id="3" name="Rectangle 2"/>
+          <p:cNvSpPr/>
+          <p:nvPr/>
+        </p:nvSpPr>
+        <p:spPr>
+          <a:xfrm>
+            <a:off x="0" y="0"/>
+            <a:ext cx="9144000" cy="2785378"/>
+          </a:xfrm>
+          <a:prstGeom prst="rect">
+            <a:avLst/>
+          </a:prstGeom>
+        </p:spPr>
+        <p:txBody>
+          <a:bodyPr wrap="square">
+            <a:spAutoFit/>
+          </a:bodyPr>
+          <a:lstStyle/>
+          <a:p>
+            <a:pPr algn="ctr"/>
+            <a:endParaRPr lang="en-US" sz="4000" b="1" dirty="0"/>
+          </a:p>
+          <a:p>
+            <a:pPr lvl="1"/>
+            <a:r>
+              <a:rPr lang="en-NZ" sz="3500" b="1" dirty="0" smtClean="0"/>
+              <a:t>FSM: state, actions and events</a:t>
+            </a:r>
+            <a:endParaRPr lang="en-US" sz="3500" b="1" dirty="0" smtClean="0"/>
+          </a:p>
+          <a:p>
+            <a:pPr marL="1657350" lvl="2" indent="-742950">
+              <a:buFont typeface="Arial" panose="020B0604020202020204" pitchFamily="34" charset="0"/>
+              <a:buChar char="•"/>
+            </a:pPr>
+            <a:endParaRPr lang="en-US" sz="2500" dirty="0" smtClean="0"/>
+          </a:p>
+          <a:p>
+            <a:pPr marL="1657350" lvl="2" indent="-742950">
+              <a:buFont typeface="Arial" panose="020B0604020202020204" pitchFamily="34" charset="0"/>
+              <a:buChar char="•"/>
+            </a:pPr>
+            <a:r>
+              <a:rPr lang="en-US" sz="2500" dirty="0" smtClean="0"/>
+              <a:t>States and events</a:t>
+            </a:r>
+          </a:p>
+          <a:p>
+            <a:pPr lvl="2"/>
+            <a:endParaRPr lang="en-US" sz="2500" dirty="0" smtClean="0"/>
+          </a:p>
+          <a:p>
+            <a:pPr marL="1657350" lvl="2" indent="-742950">
+              <a:buFont typeface="Arial" panose="020B0604020202020204" pitchFamily="34" charset="0"/>
+              <a:buChar char="•"/>
+            </a:pPr>
+            <a:endParaRPr lang="en-US" sz="2500" dirty="0" smtClean="0"/>
+          </a:p>
+        </p:txBody>
+      </p:sp>
+      <p:grpSp>
+        <p:nvGrpSpPr>
+          <p:cNvPr id="2" name="Group 1"/>
+          <p:cNvGrpSpPr/>
+          <p:nvPr/>
+        </p:nvGrpSpPr>
+        <p:grpSpPr>
+          <a:xfrm>
+            <a:off x="747315" y="2590800"/>
+            <a:ext cx="7649369" cy="2606319"/>
+            <a:chOff x="738981" y="2708275"/>
+            <a:chExt cx="7649369" cy="2606319"/>
+          </a:xfrm>
+        </p:grpSpPr>
+        <p:sp>
+          <p:nvSpPr>
+            <p:cNvPr id="4" name="Text Box 4"/>
+            <p:cNvSpPr txBox="1">
+              <a:spLocks noChangeArrowheads="1"/>
+            </p:cNvSpPr>
+            <p:nvPr/>
+          </p:nvSpPr>
+          <p:spPr bwMode="auto">
+            <a:xfrm>
+              <a:off x="3275806" y="2922055"/>
+              <a:ext cx="1800225" cy="366713"/>
+            </a:xfrm>
+            <a:prstGeom prst="rect">
+              <a:avLst/>
+            </a:prstGeom>
+            <a:noFill/>
+            <a:ln w="9525">
+              <a:noFill/>
+              <a:miter lim="800000"/>
+              <a:headEnd/>
+              <a:tailEnd/>
+            </a:ln>
+          </p:spPr>
+          <p:txBody>
+            <a:bodyPr>
+              <a:spAutoFit/>
+            </a:bodyPr>
+            <a:lstStyle/>
+            <a:p>
+              <a:pPr algn="ctr">
+                <a:spcBef>
+                  <a:spcPct val="50000"/>
+                </a:spcBef>
+              </a:pPr>
+              <a:r>
+                <a:rPr lang="en-US" dirty="0"/>
+                <a:t>Sleeping</a:t>
+              </a:r>
+              <a:endParaRPr lang="en-NZ" dirty="0"/>
+            </a:p>
+          </p:txBody>
+        </p:sp>
+        <p:sp>
+          <p:nvSpPr>
+            <p:cNvPr id="5" name="Text Box 5"/>
+            <p:cNvSpPr txBox="1">
+              <a:spLocks noChangeArrowheads="1"/>
+            </p:cNvSpPr>
+            <p:nvPr/>
+          </p:nvSpPr>
+          <p:spPr bwMode="auto">
+            <a:xfrm>
+              <a:off x="738981" y="4682007"/>
+              <a:ext cx="2089150" cy="366712"/>
+            </a:xfrm>
+            <a:prstGeom prst="rect">
+              <a:avLst/>
+            </a:prstGeom>
+            <a:noFill/>
+            <a:ln w="9525">
+              <a:noFill/>
+              <a:miter lim="800000"/>
+              <a:headEnd/>
+              <a:tailEnd/>
+            </a:ln>
+          </p:spPr>
+          <p:txBody>
+            <a:bodyPr>
+              <a:spAutoFit/>
+            </a:bodyPr>
+            <a:lstStyle/>
+            <a:p>
+              <a:pPr algn="ctr">
+                <a:spcBef>
+                  <a:spcPct val="50000"/>
+                </a:spcBef>
+              </a:pPr>
+              <a:r>
+                <a:rPr lang="en-US" dirty="0"/>
+                <a:t>Eating</a:t>
+              </a:r>
+              <a:endParaRPr lang="en-NZ" dirty="0"/>
+            </a:p>
+          </p:txBody>
+        </p:sp>
+        <p:sp>
+          <p:nvSpPr>
+            <p:cNvPr id="6" name="Text Box 6"/>
+            <p:cNvSpPr txBox="1">
+              <a:spLocks noChangeArrowheads="1"/>
+            </p:cNvSpPr>
+            <p:nvPr/>
+          </p:nvSpPr>
+          <p:spPr bwMode="auto">
+            <a:xfrm>
+              <a:off x="5833268" y="4673244"/>
+              <a:ext cx="2303463" cy="641350"/>
+            </a:xfrm>
+            <a:prstGeom prst="rect">
+              <a:avLst/>
+            </a:prstGeom>
+            <a:noFill/>
+            <a:ln w="9525">
+              <a:noFill/>
+              <a:miter lim="800000"/>
+              <a:headEnd/>
+              <a:tailEnd/>
+            </a:ln>
+          </p:spPr>
+          <p:txBody>
+            <a:bodyPr>
+              <a:spAutoFit/>
+            </a:bodyPr>
+            <a:lstStyle/>
+            <a:p>
+              <a:pPr>
+                <a:spcBef>
+                  <a:spcPct val="50000"/>
+                </a:spcBef>
+              </a:pPr>
+              <a:r>
+                <a:rPr lang="en-US" dirty="0"/>
+                <a:t>Chasing </a:t>
+              </a:r>
+              <a:r>
+                <a:rPr lang="en-US" dirty="0" err="1"/>
+                <a:t>neighbour</a:t>
+              </a:r>
+              <a:r>
+                <a:rPr lang="en-US" dirty="0"/>
+                <a:t> cat</a:t>
+              </a:r>
+              <a:endParaRPr lang="en-NZ" dirty="0"/>
+            </a:p>
+          </p:txBody>
+        </p:sp>
+        <p:sp>
+          <p:nvSpPr>
+            <p:cNvPr id="7" name="Line 7"/>
+            <p:cNvSpPr>
+              <a:spLocks noChangeShapeType="1"/>
+            </p:cNvSpPr>
+            <p:nvPr/>
+          </p:nvSpPr>
+          <p:spPr bwMode="auto">
+            <a:xfrm>
+              <a:off x="5003800" y="3284538"/>
+              <a:ext cx="1800225" cy="1008062"/>
+            </a:xfrm>
+            <a:prstGeom prst="line">
+              <a:avLst/>
+            </a:prstGeom>
+            <a:noFill/>
+            <a:ln w="38100">
+              <a:solidFill>
+                <a:schemeClr val="tx1"/>
+              </a:solidFill>
+              <a:round/>
+              <a:headEnd/>
+              <a:tailEnd type="triangle" w="med" len="med"/>
+            </a:ln>
+          </p:spPr>
+          <p:txBody>
+            <a:bodyPr/>
+            <a:lstStyle/>
+            <a:p>
+              <a:endParaRPr lang="en-NZ"/>
+            </a:p>
+          </p:txBody>
+        </p:sp>
+        <p:sp>
+          <p:nvSpPr>
+            <p:cNvPr id="8" name="Line 8"/>
+            <p:cNvSpPr>
+              <a:spLocks noChangeShapeType="1"/>
+            </p:cNvSpPr>
+            <p:nvPr/>
+          </p:nvSpPr>
+          <p:spPr bwMode="auto">
+            <a:xfrm flipH="1">
+              <a:off x="2195513" y="3357563"/>
+              <a:ext cx="1368425" cy="1081087"/>
+            </a:xfrm>
+            <a:prstGeom prst="line">
+              <a:avLst/>
+            </a:prstGeom>
+            <a:noFill/>
+            <a:ln w="38100">
+              <a:solidFill>
+                <a:schemeClr val="tx1"/>
+              </a:solidFill>
+              <a:round/>
+              <a:headEnd/>
+              <a:tailEnd type="triangle" w="med" len="med"/>
+            </a:ln>
+          </p:spPr>
+          <p:txBody>
+            <a:bodyPr/>
+            <a:lstStyle/>
+            <a:p>
+              <a:endParaRPr lang="en-NZ"/>
+            </a:p>
+          </p:txBody>
+        </p:sp>
+        <p:sp>
+          <p:nvSpPr>
+            <p:cNvPr id="9" name="Line 9"/>
+            <p:cNvSpPr>
+              <a:spLocks noChangeShapeType="1"/>
+            </p:cNvSpPr>
+            <p:nvPr/>
+          </p:nvSpPr>
+          <p:spPr bwMode="auto">
+            <a:xfrm flipH="1" flipV="1">
+              <a:off x="4643438" y="3573463"/>
+              <a:ext cx="1295400" cy="1008062"/>
+            </a:xfrm>
+            <a:prstGeom prst="line">
+              <a:avLst/>
+            </a:prstGeom>
+            <a:noFill/>
+            <a:ln w="38100">
+              <a:solidFill>
+                <a:schemeClr val="tx1"/>
+              </a:solidFill>
+              <a:round/>
+              <a:headEnd/>
+              <a:tailEnd type="triangle" w="med" len="med"/>
+            </a:ln>
+          </p:spPr>
+          <p:txBody>
+            <a:bodyPr/>
+            <a:lstStyle/>
+            <a:p>
+              <a:endParaRPr lang="en-NZ"/>
+            </a:p>
+          </p:txBody>
+        </p:sp>
+        <p:sp>
+          <p:nvSpPr>
+            <p:cNvPr id="10" name="Line 10"/>
+            <p:cNvSpPr>
+              <a:spLocks noChangeShapeType="1"/>
+            </p:cNvSpPr>
+            <p:nvPr/>
+          </p:nvSpPr>
+          <p:spPr bwMode="auto">
+            <a:xfrm flipV="1">
+              <a:off x="2555875" y="3573463"/>
+              <a:ext cx="1295400" cy="1150937"/>
+            </a:xfrm>
+            <a:prstGeom prst="line">
+              <a:avLst/>
+            </a:prstGeom>
+            <a:noFill/>
+            <a:ln w="38100">
+              <a:solidFill>
+                <a:schemeClr val="tx1"/>
+              </a:solidFill>
+              <a:round/>
+              <a:headEnd/>
+              <a:tailEnd type="triangle" w="med" len="med"/>
+            </a:ln>
+          </p:spPr>
+          <p:txBody>
+            <a:bodyPr/>
+            <a:lstStyle/>
+            <a:p>
+              <a:endParaRPr lang="en-NZ"/>
+            </a:p>
+          </p:txBody>
+        </p:sp>
+        <p:sp>
+          <p:nvSpPr>
+            <p:cNvPr id="11" name="Oval 11"/>
+            <p:cNvSpPr>
+              <a:spLocks noChangeArrowheads="1"/>
+            </p:cNvSpPr>
+            <p:nvPr/>
+          </p:nvSpPr>
+          <p:spPr bwMode="auto">
+            <a:xfrm>
+              <a:off x="3492500" y="2708275"/>
+              <a:ext cx="1366838" cy="865188"/>
+            </a:xfrm>
+            <a:prstGeom prst="ellipse">
+              <a:avLst/>
+            </a:prstGeom>
+            <a:noFill/>
+            <a:ln w="38100">
+              <a:solidFill>
+                <a:srgbClr val="339966"/>
+              </a:solidFill>
+              <a:round/>
+              <a:headEnd/>
+              <a:tailEnd/>
+            </a:ln>
+          </p:spPr>
+          <p:txBody>
+            <a:bodyPr wrap="none" anchor="ctr"/>
+            <a:lstStyle/>
+            <a:p>
+              <a:endParaRPr lang="en-NZ"/>
+            </a:p>
+          </p:txBody>
+        </p:sp>
+        <p:sp>
+          <p:nvSpPr>
+            <p:cNvPr id="12" name="Oval 12"/>
+            <p:cNvSpPr>
+              <a:spLocks noChangeArrowheads="1"/>
+            </p:cNvSpPr>
+            <p:nvPr/>
+          </p:nvSpPr>
+          <p:spPr bwMode="auto">
+            <a:xfrm>
+              <a:off x="1116013" y="4435475"/>
+              <a:ext cx="1366837" cy="865188"/>
+            </a:xfrm>
+            <a:prstGeom prst="ellipse">
+              <a:avLst/>
+            </a:prstGeom>
+            <a:noFill/>
+            <a:ln w="38100">
+              <a:solidFill>
+                <a:srgbClr val="339966"/>
+              </a:solidFill>
+              <a:round/>
+              <a:headEnd/>
+              <a:tailEnd/>
+            </a:ln>
+          </p:spPr>
+          <p:txBody>
+            <a:bodyPr wrap="none" anchor="ctr"/>
+            <a:lstStyle/>
+            <a:p>
+              <a:endParaRPr lang="en-NZ"/>
+            </a:p>
+          </p:txBody>
+        </p:sp>
+        <p:sp>
+          <p:nvSpPr>
+            <p:cNvPr id="13" name="Oval 13"/>
+            <p:cNvSpPr>
+              <a:spLocks noChangeArrowheads="1"/>
+            </p:cNvSpPr>
+            <p:nvPr/>
+          </p:nvSpPr>
+          <p:spPr bwMode="auto">
+            <a:xfrm>
+              <a:off x="5581650" y="4437063"/>
+              <a:ext cx="2806700" cy="865187"/>
+            </a:xfrm>
+            <a:prstGeom prst="ellipse">
+              <a:avLst/>
+            </a:prstGeom>
+            <a:noFill/>
+            <a:ln w="38100">
+              <a:solidFill>
+                <a:srgbClr val="339966"/>
+              </a:solidFill>
+              <a:round/>
+              <a:headEnd/>
+              <a:tailEnd/>
+            </a:ln>
+          </p:spPr>
+          <p:txBody>
+            <a:bodyPr wrap="none" anchor="ctr"/>
+            <a:lstStyle/>
+            <a:p>
+              <a:endParaRPr lang="en-NZ"/>
+            </a:p>
+          </p:txBody>
+        </p:sp>
+        <p:sp>
+          <p:nvSpPr>
+            <p:cNvPr id="14" name="Text Box 14"/>
+            <p:cNvSpPr txBox="1">
+              <a:spLocks noChangeArrowheads="1"/>
+            </p:cNvSpPr>
+            <p:nvPr/>
+          </p:nvSpPr>
+          <p:spPr bwMode="auto">
+            <a:xfrm>
+              <a:off x="5148263" y="2997200"/>
+              <a:ext cx="2533650" cy="366713"/>
+            </a:xfrm>
+            <a:prstGeom prst="rect">
+              <a:avLst/>
+            </a:prstGeom>
+            <a:noFill/>
+            <a:ln w="9525">
+              <a:noFill/>
+              <a:miter lim="800000"/>
+              <a:headEnd/>
+              <a:tailEnd/>
+            </a:ln>
+          </p:spPr>
+          <p:txBody>
+            <a:bodyPr wrap="none">
+              <a:spAutoFit/>
+            </a:bodyPr>
+            <a:lstStyle/>
+            <a:p>
+              <a:r>
+                <a:rPr lang="en-US" dirty="0" err="1"/>
+                <a:t>Neighbour</a:t>
+              </a:r>
+              <a:r>
+                <a:rPr lang="en-US" dirty="0"/>
+                <a:t> cat in yard</a:t>
+              </a:r>
+              <a:endParaRPr lang="en-NZ" dirty="0"/>
+            </a:p>
+          </p:txBody>
+        </p:sp>
+        <p:sp>
+          <p:nvSpPr>
+            <p:cNvPr id="15" name="Text Box 15"/>
+            <p:cNvSpPr txBox="1">
+              <a:spLocks noChangeArrowheads="1"/>
+            </p:cNvSpPr>
+            <p:nvPr/>
+          </p:nvSpPr>
+          <p:spPr bwMode="auto">
+            <a:xfrm>
+              <a:off x="4211638" y="4292600"/>
+              <a:ext cx="1327150" cy="641350"/>
+            </a:xfrm>
+            <a:prstGeom prst="rect">
+              <a:avLst/>
+            </a:prstGeom>
+            <a:noFill/>
+            <a:ln w="9525">
+              <a:noFill/>
+              <a:miter lim="800000"/>
+              <a:headEnd/>
+              <a:tailEnd/>
+            </a:ln>
+          </p:spPr>
+          <p:txBody>
+            <a:bodyPr wrap="none">
+              <a:spAutoFit/>
+            </a:bodyPr>
+            <a:lstStyle/>
+            <a:p>
+              <a:r>
+                <a:rPr lang="en-US" dirty="0" err="1"/>
+                <a:t>Neighbour</a:t>
+              </a:r>
+              <a:endParaRPr lang="en-US" dirty="0"/>
+            </a:p>
+            <a:p>
+              <a:r>
+                <a:rPr lang="en-US" dirty="0"/>
+                <a:t>Cat gone</a:t>
+              </a:r>
+              <a:endParaRPr lang="en-NZ" dirty="0"/>
+            </a:p>
+          </p:txBody>
+        </p:sp>
+        <p:sp>
+          <p:nvSpPr>
+            <p:cNvPr id="16" name="Text Box 16"/>
+            <p:cNvSpPr txBox="1">
+              <a:spLocks noChangeArrowheads="1"/>
+            </p:cNvSpPr>
+            <p:nvPr/>
+          </p:nvSpPr>
+          <p:spPr bwMode="auto">
+            <a:xfrm>
+              <a:off x="1600200" y="3448050"/>
+              <a:ext cx="1200150" cy="641350"/>
+            </a:xfrm>
+            <a:prstGeom prst="rect">
+              <a:avLst/>
+            </a:prstGeom>
+            <a:noFill/>
+            <a:ln w="9525">
+              <a:noFill/>
+              <a:miter lim="800000"/>
+              <a:headEnd/>
+              <a:tailEnd/>
+            </a:ln>
+          </p:spPr>
+          <p:txBody>
+            <a:bodyPr wrap="none">
+              <a:spAutoFit/>
+            </a:bodyPr>
+            <a:lstStyle/>
+            <a:p>
+              <a:r>
+                <a:rPr lang="en-US"/>
+                <a:t>Becomes</a:t>
+              </a:r>
+            </a:p>
+            <a:p>
+              <a:r>
+                <a:rPr lang="en-US"/>
+                <a:t>hungry</a:t>
+              </a:r>
+              <a:endParaRPr lang="en-NZ"/>
+            </a:p>
+          </p:txBody>
+        </p:sp>
+        <p:sp>
+          <p:nvSpPr>
+            <p:cNvPr id="17" name="Text Box 17"/>
+            <p:cNvSpPr txBox="1">
+              <a:spLocks noChangeArrowheads="1"/>
+            </p:cNvSpPr>
+            <p:nvPr/>
+          </p:nvSpPr>
+          <p:spPr bwMode="auto">
+            <a:xfrm>
+              <a:off x="2843213" y="4437063"/>
+              <a:ext cx="590550" cy="366712"/>
+            </a:xfrm>
+            <a:prstGeom prst="rect">
+              <a:avLst/>
+            </a:prstGeom>
+            <a:noFill/>
+            <a:ln w="9525">
+              <a:noFill/>
+              <a:miter lim="800000"/>
+              <a:headEnd/>
+              <a:tailEnd/>
+            </a:ln>
+          </p:spPr>
+          <p:txBody>
+            <a:bodyPr wrap="none">
+              <a:spAutoFit/>
+            </a:bodyPr>
+            <a:lstStyle/>
+            <a:p>
+              <a:r>
+                <a:rPr lang="en-US"/>
+                <a:t>Full</a:t>
+              </a:r>
+              <a:endParaRPr lang="en-NZ"/>
+            </a:p>
+          </p:txBody>
+        </p:sp>
+      </p:grpSp>
+    </p:spTree>
+    <p:extLst>
+      <p:ext uri="{BB962C8B-B14F-4D97-AF65-F5344CB8AC3E}">
+        <p14:creationId xmlns:p14="http://schemas.microsoft.com/office/powerpoint/2010/main" val="2948763445"/>
+      </p:ext>
+    </p:extLst>
+  </p:cSld>
+  <p:clrMapOvr>
+    <a:masterClrMapping/>
+  </p:clrMapOvr>
+  <p:timing>
+    <p:tnLst>
+      <p:par>
+        <p:cTn id="1" dur="indefinite" restart="never" nodeType="tmRoot"/>
+      </p:par>
+    </p:tnLst>
+  </p:timing>
+</p:sld>
+</file>
+
+<file path=ppt/slides/slide3.xml><?xml version="1.0" encoding="utf-8"?>
+<p:sld xmlns:a="http://schemas.openxmlformats.org/drawingml/2006/main" xmlns:r="http://schemas.openxmlformats.org/officeDocument/2006/relationships" xmlns:p="http://schemas.openxmlformats.org/presentationml/2006/main">
+  <p:cSld>
+    <p:bg>
+      <p:bgPr>
+        <a:solidFill>
+          <a:schemeClr val="accent5">
+            <a:lumMod val="60000"/>
+            <a:lumOff val="40000"/>
+          </a:schemeClr>
+        </a:solidFill>
+        <a:effectLst/>
+      </p:bgPr>
+    </p:bg>
+    <p:spTree>
+      <p:nvGrpSpPr>
+        <p:cNvPr id="1" name=""/>
+        <p:cNvGrpSpPr/>
+        <p:nvPr/>
+      </p:nvGrpSpPr>
+      <p:grpSpPr>
+        <a:xfrm>
+          <a:off x="0" y="0"/>
+          <a:ext cx="0" cy="0"/>
+          <a:chOff x="0" y="0"/>
+          <a:chExt cx="0" cy="0"/>
+        </a:xfrm>
+      </p:grpSpPr>
+      <p:sp>
+        <p:nvSpPr>
+          <p:cNvPr id="3" name="Rectangle 2"/>
+          <p:cNvSpPr/>
+          <p:nvPr/>
+        </p:nvSpPr>
+        <p:spPr>
+          <a:xfrm>
+            <a:off x="0" y="0"/>
+            <a:ext cx="9144000" cy="2785378"/>
+          </a:xfrm>
+          <a:prstGeom prst="rect">
+            <a:avLst/>
+          </a:prstGeom>
+        </p:spPr>
+        <p:txBody>
+          <a:bodyPr wrap="square">
+            <a:spAutoFit/>
+          </a:bodyPr>
+          <a:lstStyle/>
+          <a:p>
+            <a:pPr algn="ctr"/>
+            <a:endParaRPr lang="en-US" sz="4000" b="1" dirty="0"/>
+          </a:p>
+          <a:p>
+            <a:pPr lvl="1"/>
+            <a:r>
+              <a:rPr lang="en-NZ" sz="3500" b="1" dirty="0" smtClean="0"/>
+              <a:t>FSM: state, actions and events</a:t>
+            </a:r>
+            <a:endParaRPr lang="en-US" sz="3500" b="1" dirty="0" smtClean="0"/>
+          </a:p>
+          <a:p>
+            <a:pPr marL="1657350" lvl="2" indent="-742950">
+              <a:buFont typeface="Arial" panose="020B0604020202020204" pitchFamily="34" charset="0"/>
+              <a:buChar char="•"/>
+            </a:pPr>
+            <a:endParaRPr lang="en-US" sz="2500" dirty="0" smtClean="0"/>
+          </a:p>
+          <a:p>
+            <a:pPr marL="1657350" lvl="2" indent="-742950">
+              <a:buFont typeface="Arial" panose="020B0604020202020204" pitchFamily="34" charset="0"/>
+              <a:buChar char="•"/>
+            </a:pPr>
+            <a:r>
+              <a:rPr lang="en-US" sz="2500" dirty="0" smtClean="0"/>
+              <a:t>Actions</a:t>
+            </a:r>
+          </a:p>
+          <a:p>
+            <a:pPr lvl="2"/>
+            <a:endParaRPr lang="en-US" sz="2500" dirty="0" smtClean="0"/>
+          </a:p>
+          <a:p>
+            <a:pPr marL="1657350" lvl="2" indent="-742950">
+              <a:buFont typeface="Arial" panose="020B0604020202020204" pitchFamily="34" charset="0"/>
+              <a:buChar char="•"/>
+            </a:pPr>
+            <a:endParaRPr lang="en-US" sz="2500" dirty="0" smtClean="0"/>
+          </a:p>
+        </p:txBody>
+      </p:sp>
+      <p:graphicFrame>
+        <p:nvGraphicFramePr>
+          <p:cNvPr id="18" name="Table 17"/>
+          <p:cNvGraphicFramePr>
+            <a:graphicFrameLocks noGrp="1"/>
+          </p:cNvGraphicFramePr>
+          <p:nvPr>
+            <p:extLst>
+              <p:ext uri="{D42A27DB-BD31-4B8C-83A1-F6EECF244321}">
+                <p14:modId xmlns:p14="http://schemas.microsoft.com/office/powerpoint/2010/main" val="2403917949"/>
+              </p:ext>
+            </p:extLst>
+          </p:nvPr>
+        </p:nvGraphicFramePr>
+        <p:xfrm>
+          <a:off x="899592" y="2438400"/>
+          <a:ext cx="7344816" cy="3295305"/>
+        </p:xfrm>
+        <a:graphic>
+          <a:graphicData uri="http://schemas.openxmlformats.org/drawingml/2006/table">
+            <a:tbl>
+              <a:tblPr firstRow="1" bandRow="1">
+                <a:tableStyleId>{5C22544A-7EE6-4342-B048-85BDC9FD1C3A}</a:tableStyleId>
+              </a:tblPr>
+              <a:tblGrid>
+                <a:gridCol w="2952328">
+                  <a:extLst>
+                    <a:ext uri="{9D8B030D-6E8A-4147-A177-3AD203B41FA5}">
+                      <a16:colId xmlns:a16="http://schemas.microsoft.com/office/drawing/2014/main" val="20000"/>
+                    </a:ext>
+                  </a:extLst>
+                </a:gridCol>
+                <a:gridCol w="4392488">
+                  <a:extLst>
+                    <a:ext uri="{9D8B030D-6E8A-4147-A177-3AD203B41FA5}">
+                      <a16:colId xmlns:a16="http://schemas.microsoft.com/office/drawing/2014/main" val="20001"/>
+                    </a:ext>
+                  </a:extLst>
+                </a:gridCol>
+              </a:tblGrid>
+              <a:tr h="437334">
+                <a:tc>
+                  <a:txBody>
+                    <a:bodyPr/>
+                    <a:lstStyle/>
+                    <a:p>
+                      <a:r>
+                        <a:rPr lang="en-NZ" dirty="0" smtClean="0"/>
+                        <a:t>When in state...</a:t>
+                      </a:r>
+                      <a:endParaRPr lang="en-NZ" dirty="0"/>
+                    </a:p>
+                  </a:txBody>
+                  <a:tcPr/>
+                </a:tc>
+                <a:tc>
+                  <a:txBody>
+                    <a:bodyPr/>
+                    <a:lstStyle/>
+                    <a:p>
+                      <a:r>
+                        <a:rPr lang="en-NZ" dirty="0" smtClean="0"/>
+                        <a:t>Action...</a:t>
+                      </a:r>
+                      <a:endParaRPr lang="en-NZ" dirty="0"/>
+                    </a:p>
+                  </a:txBody>
+                  <a:tcPr/>
+                </a:tc>
+                <a:extLst>
+                  <a:ext uri="{0D108BD9-81ED-4DB2-BD59-A6C34878D82A}">
+                    <a16:rowId xmlns:a16="http://schemas.microsoft.com/office/drawing/2014/main" val="10000"/>
+                  </a:ext>
+                </a:extLst>
+              </a:tr>
+              <a:tr h="1002826">
+                <a:tc>
+                  <a:txBody>
+                    <a:bodyPr/>
+                    <a:lstStyle/>
+                    <a:p>
+                      <a:r>
+                        <a:rPr lang="en-NZ" dirty="0" smtClean="0"/>
+                        <a:t>Sleeping</a:t>
+                      </a:r>
+                      <a:endParaRPr lang="en-NZ" dirty="0"/>
+                    </a:p>
+                  </a:txBody>
+                  <a:tcPr/>
+                </a:tc>
+                <a:tc>
+                  <a:txBody>
+                    <a:bodyPr/>
+                    <a:lstStyle/>
+                    <a:p>
+                      <a:r>
+                        <a:rPr lang="en-NZ" dirty="0" smtClean="0"/>
+                        <a:t>Lie down with eyes closed</a:t>
+                      </a:r>
+                    </a:p>
+                    <a:p>
+                      <a:r>
+                        <a:rPr lang="en-NZ" dirty="0" smtClean="0"/>
+                        <a:t>Drool</a:t>
+                      </a:r>
+                    </a:p>
+                    <a:p>
+                      <a:r>
+                        <a:rPr lang="en-NZ" dirty="0" smtClean="0"/>
+                        <a:t>Roll</a:t>
+                      </a:r>
+                      <a:r>
+                        <a:rPr lang="en-NZ" baseline="0" dirty="0" smtClean="0"/>
+                        <a:t> over with ROLL_PROB</a:t>
+                      </a:r>
+                    </a:p>
+                    <a:p>
+                      <a:r>
+                        <a:rPr lang="en-NZ" baseline="0" dirty="0" smtClean="0"/>
+                        <a:t>Update Hunger</a:t>
+                      </a:r>
+                      <a:endParaRPr lang="en-NZ" dirty="0" smtClean="0"/>
+                    </a:p>
+                  </a:txBody>
+                  <a:tcPr/>
+                </a:tc>
+                <a:extLst>
+                  <a:ext uri="{0D108BD9-81ED-4DB2-BD59-A6C34878D82A}">
+                    <a16:rowId xmlns:a16="http://schemas.microsoft.com/office/drawing/2014/main" val="10001"/>
+                  </a:ext>
+                </a:extLst>
+              </a:tr>
+              <a:tr h="864096">
+                <a:tc>
+                  <a:txBody>
+                    <a:bodyPr/>
+                    <a:lstStyle/>
+                    <a:p>
+                      <a:r>
+                        <a:rPr lang="en-NZ" dirty="0" smtClean="0"/>
+                        <a:t>Chasing</a:t>
+                      </a:r>
+                      <a:endParaRPr lang="en-NZ" dirty="0"/>
+                    </a:p>
+                  </a:txBody>
+                  <a:tcPr/>
+                </a:tc>
+                <a:tc>
+                  <a:txBody>
+                    <a:bodyPr/>
+                    <a:lstStyle/>
+                    <a:p>
+                      <a:r>
+                        <a:rPr lang="en-NZ" dirty="0" err="1" smtClean="0"/>
+                        <a:t>OrientTo</a:t>
+                      </a:r>
+                      <a:r>
+                        <a:rPr lang="en-NZ" dirty="0" smtClean="0"/>
+                        <a:t>(</a:t>
+                      </a:r>
+                      <a:r>
+                        <a:rPr lang="en-NZ" dirty="0" err="1" smtClean="0"/>
+                        <a:t>Neighbour</a:t>
+                      </a:r>
+                      <a:r>
+                        <a:rPr lang="en-NZ" baseline="0" dirty="0" err="1" smtClean="0"/>
+                        <a:t>Cat</a:t>
+                      </a:r>
+                      <a:r>
+                        <a:rPr lang="en-NZ" baseline="0" dirty="0" smtClean="0"/>
+                        <a:t>)</a:t>
+                      </a:r>
+                    </a:p>
+                    <a:p>
+                      <a:r>
+                        <a:rPr lang="en-NZ" baseline="0" dirty="0" smtClean="0"/>
+                        <a:t>Move</a:t>
+                      </a:r>
+                    </a:p>
+                    <a:p>
+                      <a:r>
+                        <a:rPr lang="en-NZ" baseline="0" dirty="0" smtClean="0"/>
+                        <a:t>Hiss</a:t>
+                      </a:r>
+                      <a:endParaRPr lang="en-NZ" dirty="0"/>
+                    </a:p>
+                  </a:txBody>
+                  <a:tcPr/>
+                </a:tc>
+                <a:extLst>
+                  <a:ext uri="{0D108BD9-81ED-4DB2-BD59-A6C34878D82A}">
+                    <a16:rowId xmlns:a16="http://schemas.microsoft.com/office/drawing/2014/main" val="10002"/>
+                  </a:ext>
+                </a:extLst>
+              </a:tr>
+              <a:tr h="754851">
+                <a:tc>
+                  <a:txBody>
+                    <a:bodyPr/>
+                    <a:lstStyle/>
+                    <a:p>
+                      <a:r>
+                        <a:rPr lang="en-NZ" dirty="0" smtClean="0"/>
+                        <a:t>Eating</a:t>
+                      </a:r>
+                      <a:endParaRPr lang="en-NZ" dirty="0"/>
+                    </a:p>
+                  </a:txBody>
+                  <a:tcPr/>
+                </a:tc>
+                <a:tc>
+                  <a:txBody>
+                    <a:bodyPr/>
+                    <a:lstStyle/>
+                    <a:p>
+                      <a:r>
+                        <a:rPr lang="en-NZ" dirty="0" smtClean="0"/>
+                        <a:t>Gobble</a:t>
+                      </a:r>
+                      <a:r>
+                        <a:rPr lang="en-NZ" baseline="0" dirty="0" smtClean="0"/>
+                        <a:t> f</a:t>
+                      </a:r>
+                      <a:r>
+                        <a:rPr lang="en-NZ" dirty="0" smtClean="0"/>
+                        <a:t>ood</a:t>
+                      </a:r>
+                    </a:p>
+                    <a:p>
+                      <a:r>
+                        <a:rPr lang="en-NZ" dirty="0" smtClean="0"/>
+                        <a:t>Update Fullness</a:t>
+                      </a:r>
+                      <a:endParaRPr lang="en-NZ" dirty="0"/>
+                    </a:p>
+                  </a:txBody>
+                  <a:tcPr/>
+                </a:tc>
+                <a:extLst>
+                  <a:ext uri="{0D108BD9-81ED-4DB2-BD59-A6C34878D82A}">
+                    <a16:rowId xmlns:a16="http://schemas.microsoft.com/office/drawing/2014/main" val="10003"/>
+                  </a:ext>
+                </a:extLst>
+              </a:tr>
+            </a:tbl>
+          </a:graphicData>
+        </a:graphic>
+      </p:graphicFrame>
+    </p:spTree>
+    <p:extLst>
+      <p:ext uri="{BB962C8B-B14F-4D97-AF65-F5344CB8AC3E}">
+        <p14:creationId xmlns:p14="http://schemas.microsoft.com/office/powerpoint/2010/main" val="1057113439"/>
+      </p:ext>
+    </p:extLst>
+  </p:cSld>
+  <p:clrMapOvr>
+    <a:masterClrMapping/>
+  </p:clrMapOvr>
+  <p:timing>
+    <p:tnLst>
+      <p:par>
+        <p:cTn id="1" dur="indefinite" restart="never" nodeType="tmRoot"/>
+      </p:par>
+    </p:tnLst>
+  </p:timing>
+</p:sld>
+</file>
+
+<file path=ppt/slides/slide4.xml><?xml version="1.0" encoding="utf-8"?>
+<p:sld xmlns:a="http://schemas.openxmlformats.org/drawingml/2006/main" xmlns:r="http://schemas.openxmlformats.org/officeDocument/2006/relationships" xmlns:p="http://schemas.openxmlformats.org/presentationml/2006/main">
+  <p:cSld>
+    <p:bg>
+      <p:bgPr>
+        <a:solidFill>
+          <a:schemeClr val="accent5">
+            <a:lumMod val="60000"/>
+            <a:lumOff val="40000"/>
+          </a:schemeClr>
+        </a:solidFill>
+        <a:effectLst/>
+      </p:bgPr>
+    </p:bg>
+    <p:spTree>
+      <p:nvGrpSpPr>
+        <p:cNvPr id="1" name=""/>
+        <p:cNvGrpSpPr/>
+        <p:nvPr/>
+      </p:nvGrpSpPr>
+      <p:grpSpPr>
+        <a:xfrm>
+          <a:off x="0" y="0"/>
+          <a:ext cx="0" cy="0"/>
+          <a:chOff x="0" y="0"/>
+          <a:chExt cx="0" cy="0"/>
+        </a:xfrm>
+      </p:grpSpPr>
+      <p:sp>
+        <p:nvSpPr>
+          <p:cNvPr id="3" name="Rectangle 2"/>
+          <p:cNvSpPr/>
+          <p:nvPr/>
+        </p:nvSpPr>
+        <p:spPr>
+          <a:xfrm>
+            <a:off x="0" y="0"/>
+            <a:ext cx="9144000" cy="2400657"/>
+          </a:xfrm>
+          <a:prstGeom prst="rect">
+            <a:avLst/>
+          </a:prstGeom>
+        </p:spPr>
+        <p:txBody>
+          <a:bodyPr wrap="square">
+            <a:spAutoFit/>
+          </a:bodyPr>
+          <a:lstStyle/>
+          <a:p>
+            <a:pPr algn="ctr"/>
+            <a:endParaRPr lang="en-US" sz="4000" b="1" dirty="0"/>
+          </a:p>
+          <a:p>
+            <a:pPr lvl="1"/>
+            <a:r>
+              <a:rPr lang="en-NZ" sz="3500" b="1" dirty="0" smtClean="0"/>
+              <a:t>FSM in games</a:t>
+            </a:r>
+            <a:endParaRPr lang="en-US" sz="3500" b="1" dirty="0" smtClean="0"/>
+          </a:p>
+          <a:p>
+            <a:pPr marL="1657350" lvl="2" indent="-742950">
+              <a:buFont typeface="Arial" panose="020B0604020202020204" pitchFamily="34" charset="0"/>
+              <a:buChar char="•"/>
+            </a:pPr>
+            <a:endParaRPr lang="en-US" sz="2500" dirty="0" smtClean="0"/>
+          </a:p>
+          <a:p>
+            <a:pPr lvl="2"/>
+            <a:endParaRPr lang="en-US" sz="2500" dirty="0" smtClean="0"/>
+          </a:p>
+          <a:p>
+            <a:pPr marL="1657350" lvl="2" indent="-742950">
+              <a:buFont typeface="Arial" panose="020B0604020202020204" pitchFamily="34" charset="0"/>
+              <a:buChar char="•"/>
+            </a:pPr>
+            <a:endParaRPr lang="en-US" sz="2500" dirty="0" smtClean="0"/>
+          </a:p>
+        </p:txBody>
+      </p:sp>
+      <p:pic>
+        <p:nvPicPr>
+          <p:cNvPr id="4" name="Picture 4" descr="soldier"/>
+          <p:cNvPicPr>
+            <a:picLocks noChangeAspect="1" noChangeArrowheads="1"/>
+          </p:cNvPicPr>
+          <p:nvPr/>
+        </p:nvPicPr>
+        <p:blipFill>
+          <a:blip r:embed="rId3" cstate="print"/>
+          <a:srcRect/>
+          <a:stretch>
+            <a:fillRect/>
+          </a:stretch>
+        </p:blipFill>
+        <p:spPr bwMode="auto">
+          <a:xfrm>
+            <a:off x="1835150" y="1752600"/>
+            <a:ext cx="5473700" cy="4356100"/>
+          </a:xfrm>
+          <a:prstGeom prst="rect">
+            <a:avLst/>
+          </a:prstGeom>
+          <a:noFill/>
+          <a:ln w="9525">
+            <a:noFill/>
+            <a:miter lim="800000"/>
+            <a:headEnd/>
+            <a:tailEnd/>
+          </a:ln>
+        </p:spPr>
+      </p:pic>
+    </p:spTree>
+    <p:extLst>
+      <p:ext uri="{BB962C8B-B14F-4D97-AF65-F5344CB8AC3E}">
+        <p14:creationId xmlns:p14="http://schemas.microsoft.com/office/powerpoint/2010/main" val="1624671954"/>
+      </p:ext>
+    </p:extLst>
+  </p:cSld>
+  <p:clrMapOvr>
+    <a:masterClrMapping/>
+  </p:clrMapOvr>
+  <p:timing>
+    <p:tnLst>
+      <p:par>
+        <p:cTn id="1" dur="indefinite" restart="never" nodeType="tmRoot"/>
+      </p:par>
+    </p:tnLst>
+  </p:timing>
+</p:sld>
+</file>
+
+<file path=ppt/slides/slide5.xml><?xml version="1.0" encoding="utf-8"?>
+<p:sld xmlns:a="http://schemas.openxmlformats.org/drawingml/2006/main" xmlns:r="http://schemas.openxmlformats.org/officeDocument/2006/relationships" xmlns:p="http://schemas.openxmlformats.org/presentationml/2006/main">
+  <p:cSld>
+    <p:bg>
+      <p:bgPr>
+        <a:solidFill>
+          <a:schemeClr val="accent5">
+            <a:lumMod val="60000"/>
+            <a:lumOff val="40000"/>
+          </a:schemeClr>
+        </a:solidFill>
+        <a:effectLst/>
+      </p:bgPr>
+    </p:bg>
+    <p:spTree>
+      <p:nvGrpSpPr>
+        <p:cNvPr id="1" name=""/>
+        <p:cNvGrpSpPr/>
+        <p:nvPr/>
+      </p:nvGrpSpPr>
+      <p:grpSpPr>
+        <a:xfrm>
+          <a:off x="0" y="0"/>
+          <a:ext cx="0" cy="0"/>
+          <a:chOff x="0" y="0"/>
+          <a:chExt cx="0" cy="0"/>
+        </a:xfrm>
+      </p:grpSpPr>
+      <p:sp>
+        <p:nvSpPr>
+          <p:cNvPr id="3" name="Rectangle 2"/>
+          <p:cNvSpPr/>
+          <p:nvPr/>
+        </p:nvSpPr>
+        <p:spPr>
+          <a:xfrm>
+            <a:off x="0" y="0"/>
+            <a:ext cx="9144000" cy="2400657"/>
+          </a:xfrm>
+          <a:prstGeom prst="rect">
+            <a:avLst/>
+          </a:prstGeom>
+        </p:spPr>
+        <p:txBody>
+          <a:bodyPr wrap="square">
+            <a:spAutoFit/>
+          </a:bodyPr>
+          <a:lstStyle/>
+          <a:p>
+            <a:pPr algn="ctr"/>
+            <a:endParaRPr lang="en-US" sz="4000" b="1" dirty="0"/>
+          </a:p>
+          <a:p>
+            <a:pPr lvl="1"/>
+            <a:r>
+              <a:rPr lang="en-NZ" sz="3500" b="1" dirty="0" smtClean="0"/>
+              <a:t>FSM in games</a:t>
+            </a:r>
+            <a:endParaRPr lang="en-US" sz="3500" b="1" dirty="0" smtClean="0"/>
+          </a:p>
+          <a:p>
+            <a:pPr marL="1657350" lvl="2" indent="-742950">
+              <a:buFont typeface="Arial" panose="020B0604020202020204" pitchFamily="34" charset="0"/>
+              <a:buChar char="•"/>
+            </a:pPr>
+            <a:endParaRPr lang="en-US" sz="2500" dirty="0" smtClean="0"/>
+          </a:p>
+          <a:p>
+            <a:pPr lvl="2"/>
+            <a:endParaRPr lang="en-US" sz="2500" dirty="0" smtClean="0"/>
+          </a:p>
+          <a:p>
+            <a:pPr marL="1657350" lvl="2" indent="-742950">
+              <a:buFont typeface="Arial" panose="020B0604020202020204" pitchFamily="34" charset="0"/>
+              <a:buChar char="•"/>
+            </a:pPr>
+            <a:endParaRPr lang="en-US" sz="2500" dirty="0" smtClean="0"/>
+          </a:p>
+        </p:txBody>
+      </p:sp>
+      <p:pic>
+        <p:nvPicPr>
+          <p:cNvPr id="5" name="Picture 4" descr="quake fsm2"/>
+          <p:cNvPicPr>
+            <a:picLocks noChangeAspect="1" noChangeArrowheads="1"/>
+          </p:cNvPicPr>
+          <p:nvPr/>
+        </p:nvPicPr>
+        <p:blipFill>
+          <a:blip r:embed="rId3" cstate="print"/>
+          <a:srcRect/>
+          <a:stretch>
+            <a:fillRect/>
+          </a:stretch>
+        </p:blipFill>
+        <p:spPr bwMode="auto">
+          <a:xfrm>
+            <a:off x="1897856" y="1828800"/>
+            <a:ext cx="5348287" cy="4141787"/>
+          </a:xfrm>
+          <a:prstGeom prst="rect">
+            <a:avLst/>
+          </a:prstGeom>
+          <a:noFill/>
+          <a:ln w="9525">
+            <a:noFill/>
+            <a:miter lim="800000"/>
+            <a:headEnd/>
+            <a:tailEnd/>
+          </a:ln>
+        </p:spPr>
+      </p:pic>
+    </p:spTree>
+    <p:extLst>
+      <p:ext uri="{BB962C8B-B14F-4D97-AF65-F5344CB8AC3E}">
+        <p14:creationId xmlns:p14="http://schemas.microsoft.com/office/powerpoint/2010/main" val="1219572351"/>
+      </p:ext>
+    </p:extLst>
+  </p:cSld>
+  <p:clrMapOvr>
+    <a:masterClrMapping/>
+  </p:clrMapOvr>
+  <p:timing>
+    <p:tnLst>
+      <p:par>
+        <p:cTn id="1" dur="indefinite" restart="never" nodeType="tmRoot"/>
+      </p:par>
+    </p:tnLst>
+  </p:timing>
+</p:sld>
+</file>
+
+<file path=ppt/slides/slide6.xml><?xml version="1.0" encoding="utf-8"?>
+<p:sld xmlns:a="http://schemas.openxmlformats.org/drawingml/2006/main" xmlns:r="http://schemas.openxmlformats.org/officeDocument/2006/relationships" xmlns:p="http://schemas.openxmlformats.org/presentationml/2006/main">
+  <p:cSld>
+    <p:bg>
+      <p:bgPr>
+        <a:solidFill>
+          <a:schemeClr val="accent5">
+            <a:lumMod val="60000"/>
+            <a:lumOff val="40000"/>
+          </a:schemeClr>
+        </a:solidFill>
+        <a:effectLst/>
+      </p:bgPr>
+    </p:bg>
+    <p:spTree>
+      <p:nvGrpSpPr>
+        <p:cNvPr id="1" name=""/>
+        <p:cNvGrpSpPr/>
+        <p:nvPr/>
+      </p:nvGrpSpPr>
+      <p:grpSpPr>
+        <a:xfrm>
+          <a:off x="0" y="0"/>
+          <a:ext cx="0" cy="0"/>
+          <a:chOff x="0" y="0"/>
+          <a:chExt cx="0" cy="0"/>
+        </a:xfrm>
+      </p:grpSpPr>
+      <p:sp>
+        <p:nvSpPr>
+          <p:cNvPr id="3" name="Rectangle 2"/>
+          <p:cNvSpPr/>
+          <p:nvPr/>
+        </p:nvSpPr>
+        <p:spPr>
+          <a:xfrm>
+            <a:off x="0" y="0"/>
+            <a:ext cx="9144000" cy="2400657"/>
+          </a:xfrm>
+          <a:prstGeom prst="rect">
+            <a:avLst/>
+          </a:prstGeom>
+        </p:spPr>
+        <p:txBody>
+          <a:bodyPr wrap="square">
+            <a:spAutoFit/>
+          </a:bodyPr>
+          <a:lstStyle/>
+          <a:p>
+            <a:pPr algn="ctr"/>
+            <a:endParaRPr lang="en-US" sz="4000" b="1" dirty="0"/>
+          </a:p>
+          <a:p>
+            <a:pPr lvl="1"/>
+            <a:r>
+              <a:rPr lang="en-NZ" sz="3500" b="1" dirty="0" smtClean="0"/>
+              <a:t>FSM in games</a:t>
+            </a:r>
+            <a:endParaRPr lang="en-US" sz="3500" b="1" dirty="0" smtClean="0"/>
+          </a:p>
+          <a:p>
+            <a:pPr marL="1657350" lvl="2" indent="-742950">
+              <a:buFont typeface="Arial" panose="020B0604020202020204" pitchFamily="34" charset="0"/>
+              <a:buChar char="•"/>
+            </a:pPr>
+            <a:endParaRPr lang="en-US" sz="2500" dirty="0" smtClean="0"/>
+          </a:p>
+          <a:p>
+            <a:pPr lvl="2"/>
+            <a:endParaRPr lang="en-US" sz="2500" dirty="0" smtClean="0"/>
+          </a:p>
+          <a:p>
+            <a:pPr marL="1657350" lvl="2" indent="-742950">
+              <a:buFont typeface="Arial" panose="020B0604020202020204" pitchFamily="34" charset="0"/>
+              <a:buChar char="•"/>
+            </a:pPr>
+            <a:endParaRPr lang="en-US" sz="2500" dirty="0" smtClean="0"/>
+          </a:p>
+        </p:txBody>
+      </p:sp>
+      <p:pic>
+        <p:nvPicPr>
+          <p:cNvPr id="4" name="Picture 5" descr="quake fsm"/>
+          <p:cNvPicPr>
+            <a:picLocks noChangeAspect="1" noChangeArrowheads="1"/>
+          </p:cNvPicPr>
+          <p:nvPr/>
+        </p:nvPicPr>
+        <p:blipFill>
+          <a:blip r:embed="rId3" cstate="print"/>
+          <a:srcRect/>
+          <a:stretch>
+            <a:fillRect/>
+          </a:stretch>
+        </p:blipFill>
+        <p:spPr bwMode="auto">
+          <a:xfrm>
+            <a:off x="982663" y="1997075"/>
+            <a:ext cx="7177087" cy="3519488"/>
+          </a:xfrm>
+          <a:prstGeom prst="rect">
+            <a:avLst/>
+          </a:prstGeom>
+          <a:noFill/>
+          <a:ln w="9525">
+            <a:noFill/>
+            <a:miter lim="800000"/>
+            <a:headEnd/>
+            <a:tailEnd/>
+          </a:ln>
+        </p:spPr>
+      </p:pic>
+    </p:spTree>
+    <p:extLst>
+      <p:ext uri="{BB962C8B-B14F-4D97-AF65-F5344CB8AC3E}">
+        <p14:creationId xmlns:p14="http://schemas.microsoft.com/office/powerpoint/2010/main" val="4010796224"/>
+      </p:ext>
+    </p:extLst>
+  </p:cSld>
+  <p:clrMapOvr>
+    <a:masterClrMapping/>
+  </p:clrMapOvr>
+  <p:timing>
+    <p:tnLst>
+      <p:par>
+        <p:cTn id="1" dur="indefinite" restart="never" nodeType="tmRoot"/>
+      </p:par>
+    </p:tnLst>
+  </p:timing>
+</p:sld>
+</file>
+
+<file path=ppt/slides/slide7.xml><?xml version="1.0" encoding="utf-8"?>
+<p:sld xmlns:a="http://schemas.openxmlformats.org/drawingml/2006/main" xmlns:r="http://schemas.openxmlformats.org/officeDocument/2006/relationships" xmlns:p="http://schemas.openxmlformats.org/presentationml/2006/main">
+  <p:cSld>
+    <p:bg>
+      <p:bgPr>
+        <a:solidFill>
+          <a:schemeClr val="accent5">
+            <a:lumMod val="60000"/>
+            <a:lumOff val="40000"/>
+          </a:schemeClr>
+        </a:solidFill>
+        <a:effectLst/>
+      </p:bgPr>
+    </p:bg>
+    <p:spTree>
+      <p:nvGrpSpPr>
+        <p:cNvPr id="1" name=""/>
+        <p:cNvGrpSpPr/>
+        <p:nvPr/>
+      </p:nvGrpSpPr>
+      <p:grpSpPr>
+        <a:xfrm>
+          <a:off x="0" y="0"/>
+          <a:ext cx="0" cy="0"/>
+          <a:chOff x="0" y="0"/>
+          <a:chExt cx="0" cy="0"/>
+        </a:xfrm>
+      </p:grpSpPr>
+      <p:sp>
+        <p:nvSpPr>
+          <p:cNvPr id="3" name="Rectangle 2"/>
+          <p:cNvSpPr/>
+          <p:nvPr/>
+        </p:nvSpPr>
+        <p:spPr>
+          <a:xfrm>
+            <a:off x="0" y="0"/>
+            <a:ext cx="9144000" cy="4785926"/>
+          </a:xfrm>
+          <a:prstGeom prst="rect">
+            <a:avLst/>
+          </a:prstGeom>
+        </p:spPr>
+        <p:txBody>
+          <a:bodyPr wrap="square">
+            <a:spAutoFit/>
+          </a:bodyPr>
+          <a:lstStyle/>
+          <a:p>
+            <a:pPr algn="ctr"/>
+            <a:endParaRPr lang="en-US" sz="4000" b="1" dirty="0"/>
+          </a:p>
+          <a:p>
+            <a:pPr lvl="1"/>
+            <a:r>
+              <a:rPr lang="en-NZ" sz="3500" b="1" dirty="0" smtClean="0"/>
+              <a:t>FSM in games</a:t>
+            </a:r>
+            <a:endParaRPr lang="en-US" sz="3500" b="1" dirty="0" smtClean="0"/>
+          </a:p>
+          <a:p>
+            <a:pPr marL="1657350" lvl="2" indent="-742950">
+              <a:buFont typeface="Arial" panose="020B0604020202020204" pitchFamily="34" charset="0"/>
+              <a:buChar char="•"/>
+            </a:pPr>
+            <a:endParaRPr lang="en-US" sz="2500" dirty="0" smtClean="0"/>
+          </a:p>
+          <a:p>
+            <a:pPr marL="1657350" lvl="2" indent="-742950">
+              <a:buFont typeface="Arial" panose="020B0604020202020204" pitchFamily="34" charset="0"/>
+              <a:buChar char="•"/>
+            </a:pPr>
+            <a:r>
+              <a:rPr lang="en-NZ" sz="2500" dirty="0"/>
+              <a:t>Quake II NPCs have nine states:</a:t>
+            </a:r>
+          </a:p>
+          <a:p>
+            <a:pPr marL="2114550" lvl="3" indent="-742950">
+              <a:buFont typeface="Arial" panose="020B0604020202020204" pitchFamily="34" charset="0"/>
+              <a:buChar char="•"/>
+            </a:pPr>
+            <a:r>
+              <a:rPr lang="en-NZ" sz="2000" dirty="0"/>
+              <a:t>Standing</a:t>
+            </a:r>
+          </a:p>
+          <a:p>
+            <a:pPr marL="2114550" lvl="3" indent="-742950">
+              <a:buFont typeface="Arial" panose="020B0604020202020204" pitchFamily="34" charset="0"/>
+              <a:buChar char="•"/>
+            </a:pPr>
+            <a:r>
+              <a:rPr lang="en-NZ" sz="2000" dirty="0"/>
+              <a:t>Walking</a:t>
+            </a:r>
+          </a:p>
+          <a:p>
+            <a:pPr marL="2114550" lvl="3" indent="-742950">
+              <a:buFont typeface="Arial" panose="020B0604020202020204" pitchFamily="34" charset="0"/>
+              <a:buChar char="•"/>
+            </a:pPr>
+            <a:r>
+              <a:rPr lang="en-NZ" sz="2000" dirty="0"/>
+              <a:t>Running</a:t>
+            </a:r>
+          </a:p>
+          <a:p>
+            <a:pPr marL="2114550" lvl="3" indent="-742950">
+              <a:buFont typeface="Arial" panose="020B0604020202020204" pitchFamily="34" charset="0"/>
+              <a:buChar char="•"/>
+            </a:pPr>
+            <a:r>
+              <a:rPr lang="en-NZ" sz="2000" dirty="0"/>
+              <a:t>Dodging</a:t>
+            </a:r>
+          </a:p>
+          <a:p>
+            <a:pPr marL="2114550" lvl="3" indent="-742950">
+              <a:buFont typeface="Arial" panose="020B0604020202020204" pitchFamily="34" charset="0"/>
+              <a:buChar char="•"/>
+            </a:pPr>
+            <a:r>
+              <a:rPr lang="en-NZ" sz="2000" dirty="0"/>
+              <a:t>Attacking</a:t>
+            </a:r>
+          </a:p>
+          <a:p>
+            <a:pPr marL="2114550" lvl="3" indent="-742950">
+              <a:buFont typeface="Arial" panose="020B0604020202020204" pitchFamily="34" charset="0"/>
+              <a:buChar char="•"/>
+            </a:pPr>
+            <a:r>
+              <a:rPr lang="en-NZ" sz="2000" dirty="0"/>
+              <a:t>Melee</a:t>
+            </a:r>
+          </a:p>
+          <a:p>
+            <a:pPr marL="2114550" lvl="3" indent="-742950">
+              <a:buFont typeface="Arial" panose="020B0604020202020204" pitchFamily="34" charset="0"/>
+              <a:buChar char="•"/>
+            </a:pPr>
+            <a:r>
+              <a:rPr lang="en-NZ" sz="2000" dirty="0"/>
+              <a:t>Seeing the enemy</a:t>
+            </a:r>
+          </a:p>
+          <a:p>
+            <a:pPr marL="2114550" lvl="3" indent="-742950">
+              <a:buFont typeface="Arial" panose="020B0604020202020204" pitchFamily="34" charset="0"/>
+              <a:buChar char="•"/>
+            </a:pPr>
+            <a:r>
+              <a:rPr lang="en-NZ" sz="2000" dirty="0"/>
+              <a:t>Idle </a:t>
+            </a:r>
+          </a:p>
+          <a:p>
+            <a:pPr marL="2114550" lvl="3" indent="-742950">
+              <a:buFont typeface="Arial" panose="020B0604020202020204" pitchFamily="34" charset="0"/>
+              <a:buChar char="•"/>
+            </a:pPr>
+            <a:r>
+              <a:rPr lang="en-NZ" sz="2000" dirty="0"/>
+              <a:t>Searching </a:t>
+            </a:r>
+          </a:p>
+        </p:txBody>
+      </p:sp>
+    </p:spTree>
+    <p:extLst>
+      <p:ext uri="{BB962C8B-B14F-4D97-AF65-F5344CB8AC3E}">
+        <p14:creationId xmlns:p14="http://schemas.microsoft.com/office/powerpoint/2010/main" val="3164703221"/>
+      </p:ext>
+    </p:extLst>
+  </p:cSld>
+  <p:clrMapOvr>
+    <a:masterClrMapping/>
+  </p:clrMapOvr>
+  <p:timing>
+    <p:tnLst>
+      <p:par>
+        <p:cTn id="1" dur="indefinite" restart="never" nodeType="tmRoot"/>
+      </p:par>
+    </p:tnLst>
+  </p:timing>
+</p:sld>
+</file>
+
+<file path=ppt/slides/slide8.xml><?xml version="1.0" encoding="utf-8"?>
+<p:sld xmlns:a="http://schemas.openxmlformats.org/drawingml/2006/main" xmlns:r="http://schemas.openxmlformats.org/officeDocument/2006/relationships" xmlns:p="http://schemas.openxmlformats.org/presentationml/2006/main">
+  <p:cSld>
+    <p:bg>
+      <p:bgPr>
+        <a:solidFill>
+          <a:schemeClr val="accent5">
+            <a:lumMod val="60000"/>
+            <a:lumOff val="40000"/>
+          </a:schemeClr>
+        </a:solidFill>
+        <a:effectLst/>
+      </p:bgPr>
+    </p:bg>
+    <p:spTree>
+      <p:nvGrpSpPr>
+        <p:cNvPr id="1" name=""/>
+        <p:cNvGrpSpPr/>
+        <p:nvPr/>
+      </p:nvGrpSpPr>
+      <p:grpSpPr>
+        <a:xfrm>
+          <a:off x="0" y="0"/>
+          <a:ext cx="0" cy="0"/>
+          <a:chOff x="0" y="0"/>
+          <a:chExt cx="0" cy="0"/>
+        </a:xfrm>
+      </p:grpSpPr>
+      <p:sp>
+        <p:nvSpPr>
+          <p:cNvPr id="3" name="Rectangle 2"/>
+          <p:cNvSpPr/>
+          <p:nvPr/>
+        </p:nvSpPr>
+        <p:spPr>
+          <a:xfrm>
+            <a:off x="0" y="0"/>
+            <a:ext cx="9144000" cy="2631490"/>
+          </a:xfrm>
+          <a:prstGeom prst="rect">
+            <a:avLst/>
+          </a:prstGeom>
+        </p:spPr>
+        <p:txBody>
+          <a:bodyPr wrap="square">
+            <a:spAutoFit/>
+          </a:bodyPr>
+          <a:lstStyle/>
+          <a:p>
+            <a:pPr algn="ctr"/>
+            <a:endParaRPr lang="en-US" sz="4000" b="1" dirty="0"/>
+          </a:p>
+          <a:p>
+            <a:pPr lvl="1"/>
+            <a:r>
+              <a:rPr lang="en-NZ" sz="3500" b="1" dirty="0" smtClean="0"/>
+              <a:t>Coding an FSM</a:t>
+            </a:r>
+            <a:endParaRPr lang="en-US" sz="3500" b="1" dirty="0" smtClean="0"/>
+          </a:p>
+          <a:p>
+            <a:pPr marL="1657350" lvl="2" indent="-742950">
+              <a:buFont typeface="Arial" panose="020B0604020202020204" pitchFamily="34" charset="0"/>
+              <a:buChar char="•"/>
+            </a:pPr>
+            <a:endParaRPr lang="en-US" sz="2500" dirty="0" smtClean="0"/>
+          </a:p>
+          <a:p>
+            <a:pPr marL="1657350" lvl="2" indent="-742950">
+              <a:buFont typeface="Arial" panose="020B0604020202020204" pitchFamily="34" charset="0"/>
+              <a:buChar char="•"/>
+            </a:pPr>
+            <a:r>
+              <a:rPr lang="en-NZ" sz="2500" dirty="0"/>
+              <a:t>To code an FSM, you need two primary methods:</a:t>
+            </a:r>
+          </a:p>
+          <a:p>
+            <a:pPr marL="2114550" lvl="3" indent="-742950">
+              <a:buFont typeface="Arial" panose="020B0604020202020204" pitchFamily="34" charset="0"/>
+              <a:buChar char="•"/>
+            </a:pPr>
+            <a:r>
+              <a:rPr lang="en-NZ" sz="2000" dirty="0"/>
+              <a:t>Update state</a:t>
+            </a:r>
+          </a:p>
+          <a:p>
+            <a:pPr marL="2114550" lvl="3" indent="-742950">
+              <a:buFont typeface="Arial" panose="020B0604020202020204" pitchFamily="34" charset="0"/>
+              <a:buChar char="•"/>
+            </a:pPr>
+            <a:r>
+              <a:rPr lang="en-NZ" sz="2000" dirty="0"/>
+              <a:t>Perform actions</a:t>
+            </a:r>
+          </a:p>
+        </p:txBody>
+      </p:sp>
+    </p:spTree>
+    <p:extLst>
+      <p:ext uri="{BB962C8B-B14F-4D97-AF65-F5344CB8AC3E}">
+        <p14:creationId xmlns:p14="http://schemas.microsoft.com/office/powerpoint/2010/main" val="3103374662"/>
+      </p:ext>
+    </p:extLst>
+  </p:cSld>
+  <p:clrMapOvr>
+    <a:masterClrMapping/>
+  </p:clrMapOvr>
+  <p:timing>
+    <p:tnLst>
+      <p:par>
+        <p:cTn id="1" dur="indefinite" restart="never" nodeType="tmRoot"/>
+      </p:par>
+    </p:tnLst>
+  </p:timing>
+</p:sld>
+</file>
+
+<file path=ppt/slides/slide9.xml><?xml version="1.0" encoding="utf-8"?>
+<p:sld xmlns:a="http://schemas.openxmlformats.org/drawingml/2006/main" xmlns:r="http://schemas.openxmlformats.org/officeDocument/2006/relationships" xmlns:p="http://schemas.openxmlformats.org/presentationml/2006/main">
+  <p:cSld>
+    <p:bg>
+      <p:bgPr>
+        <a:solidFill>
+          <a:schemeClr val="accent5">
+            <a:lumMod val="60000"/>
+            <a:lumOff val="40000"/>
+          </a:schemeClr>
+        </a:solidFill>
+        <a:effectLst/>
+      </p:bgPr>
+    </p:bg>
+    <p:spTree>
+      <p:nvGrpSpPr>
+        <p:cNvPr id="1" name=""/>
+        <p:cNvGrpSpPr/>
+        <p:nvPr/>
+      </p:nvGrpSpPr>
+      <p:grpSpPr>
+        <a:xfrm>
+          <a:off x="0" y="0"/>
+          <a:ext cx="0" cy="0"/>
+          <a:chOff x="0" y="0"/>
+          <a:chExt cx="0" cy="0"/>
+        </a:xfrm>
+      </p:grpSpPr>
+      <p:sp>
+        <p:nvSpPr>
+          <p:cNvPr id="3" name="Rectangle 2"/>
+          <p:cNvSpPr/>
+          <p:nvPr/>
+        </p:nvSpPr>
+        <p:spPr>
+          <a:xfrm>
+            <a:off x="0" y="0"/>
+            <a:ext cx="9144000" cy="6093976"/>
+          </a:xfrm>
+          <a:prstGeom prst="rect">
+            <a:avLst/>
+          </a:prstGeom>
+        </p:spPr>
+        <p:txBody>
+          <a:bodyPr wrap="square">
+            <a:spAutoFit/>
+          </a:bodyPr>
+          <a:lstStyle/>
+          <a:p>
+            <a:pPr algn="ctr"/>
+            <a:endParaRPr lang="en-US" sz="4000" b="1" dirty="0"/>
+          </a:p>
+          <a:p>
+            <a:pPr lvl="1"/>
+            <a:r>
+              <a:rPr lang="en-NZ" sz="3500" b="1" dirty="0" smtClean="0"/>
+              <a:t>Coding an FSM</a:t>
+            </a:r>
+            <a:endParaRPr lang="en-US" sz="3500" b="1" dirty="0" smtClean="0"/>
+          </a:p>
+          <a:p>
+            <a:pPr marL="1657350" lvl="2" indent="-742950">
+              <a:buFont typeface="Arial" panose="020B0604020202020204" pitchFamily="34" charset="0"/>
+              <a:buChar char="•"/>
+            </a:pPr>
+            <a:endParaRPr lang="en-US" sz="2500" dirty="0" smtClean="0"/>
+          </a:p>
+          <a:p>
+            <a:pPr marL="1657350" lvl="2" indent="-742950">
+              <a:buFont typeface="Arial" panose="020B0604020202020204" pitchFamily="34" charset="0"/>
+              <a:buChar char="•"/>
+            </a:pPr>
+            <a:r>
+              <a:rPr lang="en-NZ" sz="2500" dirty="0"/>
+              <a:t>Update state</a:t>
+            </a:r>
+          </a:p>
+          <a:p>
+            <a:pPr marL="1657350" lvl="2" indent="-742950">
+              <a:buFont typeface="Arial" panose="020B0604020202020204" pitchFamily="34" charset="0"/>
+              <a:buChar char="•"/>
+            </a:pPr>
+            <a:endParaRPr lang="en-NZ" sz="2500" dirty="0"/>
+          </a:p>
+          <a:p>
+            <a:pPr lvl="2"/>
+            <a:r>
+              <a:rPr lang="en-NZ" sz="2000" dirty="0"/>
+              <a:t>switch (</a:t>
+            </a:r>
+            <a:r>
+              <a:rPr lang="en-NZ" sz="2000" dirty="0" err="1"/>
+              <a:t>catState</a:t>
+            </a:r>
+            <a:r>
+              <a:rPr lang="en-NZ" sz="2000" dirty="0"/>
+              <a:t>)</a:t>
+            </a:r>
+          </a:p>
+          <a:p>
+            <a:pPr lvl="3"/>
+            <a:r>
+              <a:rPr lang="en-NZ" sz="2000" dirty="0" smtClean="0"/>
+              <a:t>case </a:t>
+            </a:r>
+            <a:r>
+              <a:rPr lang="en-NZ" sz="2000" dirty="0"/>
+              <a:t>Sleeping:</a:t>
+            </a:r>
+          </a:p>
+          <a:p>
+            <a:pPr lvl="4"/>
+            <a:r>
+              <a:rPr lang="en-NZ" sz="2000" dirty="0"/>
+              <a:t>if (cat in yard) </a:t>
+            </a:r>
+          </a:p>
+          <a:p>
+            <a:pPr lvl="4"/>
+            <a:r>
+              <a:rPr lang="en-NZ" sz="2000" dirty="0" smtClean="0"/>
+              <a:t>	</a:t>
+            </a:r>
+            <a:r>
+              <a:rPr lang="en-NZ" sz="2000" dirty="0" err="1" smtClean="0"/>
+              <a:t>CatState</a:t>
+            </a:r>
+            <a:r>
+              <a:rPr lang="en-NZ" sz="2000" dirty="0" smtClean="0"/>
+              <a:t> </a:t>
+            </a:r>
+            <a:r>
+              <a:rPr lang="en-NZ" sz="2000" dirty="0"/>
+              <a:t>= Chasing;</a:t>
+            </a:r>
+          </a:p>
+          <a:p>
+            <a:pPr lvl="4"/>
+            <a:r>
+              <a:rPr lang="en-NZ" sz="2000" dirty="0"/>
+              <a:t>else if (has not eaten for 15 minutes)</a:t>
+            </a:r>
+          </a:p>
+          <a:p>
+            <a:pPr lvl="4"/>
+            <a:r>
+              <a:rPr lang="en-NZ" sz="2000" dirty="0" smtClean="0"/>
+              <a:t>	</a:t>
+            </a:r>
+            <a:r>
+              <a:rPr lang="en-NZ" sz="2000" dirty="0" err="1" smtClean="0"/>
+              <a:t>CatState</a:t>
+            </a:r>
+            <a:r>
+              <a:rPr lang="en-NZ" sz="2000" dirty="0" smtClean="0"/>
+              <a:t> </a:t>
+            </a:r>
+            <a:r>
+              <a:rPr lang="en-NZ" sz="2000" dirty="0"/>
+              <a:t>= Eating;</a:t>
+            </a:r>
+          </a:p>
+          <a:p>
+            <a:pPr lvl="3"/>
+            <a:r>
+              <a:rPr lang="en-NZ" sz="2000" dirty="0" smtClean="0"/>
+              <a:t>Break</a:t>
+            </a:r>
+            <a:r>
+              <a:rPr lang="en-NZ" sz="2000" dirty="0"/>
+              <a:t>;</a:t>
+            </a:r>
+          </a:p>
+          <a:p>
+            <a:pPr lvl="3"/>
+            <a:r>
+              <a:rPr lang="en-NZ" sz="2000" dirty="0"/>
+              <a:t>case Chasing:</a:t>
+            </a:r>
+          </a:p>
+          <a:p>
+            <a:pPr lvl="4"/>
+            <a:r>
+              <a:rPr lang="en-NZ" sz="2000" dirty="0"/>
+              <a:t>if (neighbour cat gone)</a:t>
+            </a:r>
+          </a:p>
+          <a:p>
+            <a:pPr lvl="4"/>
+            <a:r>
+              <a:rPr lang="en-NZ" sz="2000" dirty="0"/>
+              <a:t>	  </a:t>
+            </a:r>
+            <a:r>
+              <a:rPr lang="en-NZ" sz="2000" dirty="0" err="1"/>
+              <a:t>CatState</a:t>
+            </a:r>
+            <a:r>
+              <a:rPr lang="en-NZ" sz="2000" dirty="0"/>
+              <a:t> = Sleeping;</a:t>
+            </a:r>
+          </a:p>
+          <a:p>
+            <a:pPr lvl="4"/>
+            <a:r>
+              <a:rPr lang="en-NZ" sz="2000" dirty="0"/>
+              <a:t>break;</a:t>
+            </a:r>
+          </a:p>
+          <a:p>
+            <a:pPr lvl="4"/>
+            <a:r>
+              <a:rPr lang="en-NZ" sz="2000" dirty="0"/>
+              <a:t>…..</a:t>
+            </a:r>
+          </a:p>
+        </p:txBody>
+      </p:sp>
+    </p:spTree>
+    <p:extLst>
+      <p:ext uri="{BB962C8B-B14F-4D97-AF65-F5344CB8AC3E}">
+        <p14:creationId xmlns:p14="http://schemas.microsoft.com/office/powerpoint/2010/main" val="495575286"/>
+      </p:ext>
+    </p:extLst>
+  </p:cSld>
+  <p:clrMapOvr>
+    <a:masterClrMapping/>
+  </p:clrMapOvr>
+  <p:timing>
+    <p:tnLst>
+      <p:par>
+        <p:cTn id="1" dur="indefinite" restart="never" nodeType="tmRoot"/>
+      </p:par>
+    </p:tnLst>
+  </p:timing>
 </p:sld>
 </file>
 
@@ -3524,4 +9041,265 @@
   <a:objectDefaults/>
   <a:extraClrSchemeLst/>
 </a:theme>
+</file>
+
+<file path=ppt/theme/theme2.xml><?xml version="1.0" encoding="utf-8"?>
+<a:theme xmlns:a="http://schemas.openxmlformats.org/drawingml/2006/main" name="Office Theme">
+  <a:themeElements>
+    <a:clrScheme name="Office">
+      <a:dk1>
+        <a:sysClr val="windowText" lastClr="000000"/>
+      </a:dk1>
+      <a:lt1>
+        <a:sysClr val="window" lastClr="FFFFFF"/>
+      </a:lt1>
+      <a:dk2>
+        <a:srgbClr val="44546A"/>
+      </a:dk2>
+      <a:lt2>
+        <a:srgbClr val="E7E6E6"/>
+      </a:lt2>
+      <a:accent1>
+        <a:srgbClr val="5B9BD5"/>
+      </a:accent1>
+      <a:accent2>
+        <a:srgbClr val="ED7D31"/>
+      </a:accent2>
+      <a:accent3>
+        <a:srgbClr val="A5A5A5"/>
+      </a:accent3>
+      <a:accent4>
+        <a:srgbClr val="FFC000"/>
+      </a:accent4>
+      <a:accent5>
+        <a:srgbClr val="4472C4"/>
+      </a:accent5>
+      <a:accent6>
+        <a:srgbClr val="70AD47"/>
+      </a:accent6>
+      <a:hlink>
+        <a:srgbClr val="0563C1"/>
+      </a:hlink>
+      <a:folHlink>
+        <a:srgbClr val="954F72"/>
+      </a:folHlink>
+    </a:clrScheme>
+    <a:fontScheme name="Office">
+      <a:majorFont>
+        <a:latin typeface="Calibri Light" panose="020F0302020204030204"/>
+        <a:ea typeface=""/>
+        <a:cs typeface=""/>
+        <a:font script="Jpan" typeface="游ゴシック Light"/>
+        <a:font script="Hang" typeface="맑은 고딕"/>
+        <a:font script="Hans" typeface="等线 Light"/>
+        <a:font script="Hant" typeface="新細明體"/>
+        <a:font script="Arab" typeface="Times New Roman"/>
+        <a:font script="Hebr" typeface="Times New Roman"/>
+        <a:font script="Thai" typeface="Angsana New"/>
+        <a:font script="Ethi" typeface="Nyala"/>
+        <a:font script="Beng" typeface="Vrinda"/>
+        <a:font script="Gujr" typeface="Shruti"/>
+        <a:font script="Khmr" typeface="MoolBoran"/>
+        <a:font script="Knda" typeface="Tunga"/>
+        <a:font script="Guru" typeface="Raavi"/>
+        <a:font script="Cans" typeface="Euphemia"/>
+        <a:font script="Cher" typeface="Plantagenet Cherokee"/>
+        <a:font script="Yiii" typeface="Microsoft Yi Baiti"/>
+        <a:font script="Tibt" typeface="Microsoft Himalaya"/>
+        <a:font script="Thaa" typeface="MV Boli"/>
+        <a:font script="Deva" typeface="Mangal"/>
+        <a:font script="Telu" typeface="Gautami"/>
+        <a:font script="Taml" typeface="Latha"/>
+        <a:font script="Syrc" typeface="Estrangelo Edessa"/>
+        <a:font script="Orya" typeface="Kalinga"/>
+        <a:font script="Mlym" typeface="Kartika"/>
+        <a:font script="Laoo" typeface="DokChampa"/>
+        <a:font script="Sinh" typeface="Iskoola Pota"/>
+        <a:font script="Mong" typeface="Mongolian Baiti"/>
+        <a:font script="Viet" typeface="Times New Roman"/>
+        <a:font script="Uigh" typeface="Microsoft Uighur"/>
+        <a:font script="Geor" typeface="Sylfaen"/>
+      </a:majorFont>
+      <a:minorFont>
+        <a:latin typeface="Calibri" panose="020F0502020204030204"/>
+        <a:ea typeface=""/>
+        <a:cs typeface=""/>
+        <a:font script="Jpan" typeface="游ゴシック"/>
+        <a:font script="Hang" typeface="맑은 고딕"/>
+        <a:font script="Hans" typeface="等线"/>
+        <a:font script="Hant" typeface="新細明體"/>
+        <a:font script="Arab" typeface="Arial"/>
+        <a:font script="Hebr" typeface="Arial"/>
+        <a:font script="Thai" typeface="Cordia New"/>
+        <a:font script="Ethi" typeface="Nyala"/>
+        <a:font script="Beng" typeface="Vrinda"/>
+        <a:font script="Gujr" typeface="Shruti"/>
+        <a:font script="Khmr" typeface="DaunPenh"/>
+        <a:font script="Knda" typeface="Tunga"/>
+        <a:font script="Guru" typeface="Raavi"/>
+        <a:font script="Cans" typeface="Euphemia"/>
+        <a:font script="Cher" typeface="Plantagenet Cherokee"/>
+        <a:font script="Yiii" typeface="Microsoft Yi Baiti"/>
+        <a:font script="Tibt" typeface="Microsoft Himalaya"/>
+        <a:font script="Thaa" typeface="MV Boli"/>
+        <a:font script="Deva" typeface="Mangal"/>
+        <a:font script="Telu" typeface="Gautami"/>
+        <a:font script="Taml" typeface="Latha"/>
+        <a:font script="Syrc" typeface="Estrangelo Edessa"/>
+        <a:font script="Orya" typeface="Kalinga"/>
+        <a:font script="Mlym" typeface="Kartika"/>
+        <a:font script="Laoo" typeface="DokChampa"/>
+        <a:font script="Sinh" typeface="Iskoola Pota"/>
+        <a:font script="Mong" typeface="Mongolian Baiti"/>
+        <a:font script="Viet" typeface="Arial"/>
+        <a:font script="Uigh" typeface="Microsoft Uighur"/>
+        <a:font script="Geor" typeface="Sylfaen"/>
+      </a:minorFont>
+    </a:fontScheme>
+    <a:fmtScheme name="Office">
+      <a:fillStyleLst>
+        <a:solidFill>
+          <a:schemeClr val="phClr"/>
+        </a:solidFill>
+        <a:gradFill rotWithShape="1">
+          <a:gsLst>
+            <a:gs pos="0">
+              <a:schemeClr val="phClr">
+                <a:lumMod val="110000"/>
+                <a:satMod val="105000"/>
+                <a:tint val="67000"/>
+              </a:schemeClr>
+            </a:gs>
+            <a:gs pos="50000">
+              <a:schemeClr val="phClr">
+                <a:lumMod val="105000"/>
+                <a:satMod val="103000"/>
+                <a:tint val="73000"/>
+              </a:schemeClr>
+            </a:gs>
+            <a:gs pos="100000">
+              <a:schemeClr val="phClr">
+                <a:lumMod val="105000"/>
+                <a:satMod val="109000"/>
+                <a:tint val="81000"/>
+              </a:schemeClr>
+            </a:gs>
+          </a:gsLst>
+          <a:lin ang="5400000" scaled="0"/>
+        </a:gradFill>
+        <a:gradFill rotWithShape="1">
+          <a:gsLst>
+            <a:gs pos="0">
+              <a:schemeClr val="phClr">
+                <a:satMod val="103000"/>
+                <a:lumMod val="102000"/>
+                <a:tint val="94000"/>
+              </a:schemeClr>
+            </a:gs>
+            <a:gs pos="50000">
+              <a:schemeClr val="phClr">
+                <a:satMod val="110000"/>
+                <a:lumMod val="100000"/>
+                <a:shade val="100000"/>
+              </a:schemeClr>
+            </a:gs>
+            <a:gs pos="100000">
+              <a:schemeClr val="phClr">
+                <a:lumMod val="99000"/>
+                <a:satMod val="120000"/>
+                <a:shade val="78000"/>
+              </a:schemeClr>
+            </a:gs>
+          </a:gsLst>
+          <a:lin ang="5400000" scaled="0"/>
+        </a:gradFill>
+      </a:fillStyleLst>
+      <a:lnStyleLst>
+        <a:ln w="6350" cap="flat" cmpd="sng" algn="ctr">
+          <a:solidFill>
+            <a:schemeClr val="phClr"/>
+          </a:solidFill>
+          <a:prstDash val="solid"/>
+          <a:miter lim="800000"/>
+        </a:ln>
+        <a:ln w="12700" cap="flat" cmpd="sng" algn="ctr">
+          <a:solidFill>
+            <a:schemeClr val="phClr"/>
+          </a:solidFill>
+          <a:prstDash val="solid"/>
+          <a:miter lim="800000"/>
+        </a:ln>
+        <a:ln w="19050" cap="flat" cmpd="sng" algn="ctr">
+          <a:solidFill>
+            <a:schemeClr val="phClr"/>
+          </a:solidFill>
+          <a:prstDash val="solid"/>
+          <a:miter lim="800000"/>
+        </a:ln>
+      </a:lnStyleLst>
+      <a:effectStyleLst>
+        <a:effectStyle>
+          <a:effectLst/>
+        </a:effectStyle>
+        <a:effectStyle>
+          <a:effectLst/>
+        </a:effectStyle>
+        <a:effectStyle>
+          <a:effectLst>
+            <a:outerShdw blurRad="57150" dist="19050" dir="5400000" algn="ctr" rotWithShape="0">
+              <a:srgbClr val="000000">
+                <a:alpha val="63000"/>
+              </a:srgbClr>
+            </a:outerShdw>
+          </a:effectLst>
+        </a:effectStyle>
+      </a:effectStyleLst>
+      <a:bgFillStyleLst>
+        <a:solidFill>
+          <a:schemeClr val="phClr"/>
+        </a:solidFill>
+        <a:solidFill>
+          <a:schemeClr val="phClr">
+            <a:tint val="95000"/>
+            <a:satMod val="170000"/>
+          </a:schemeClr>
+        </a:solidFill>
+        <a:gradFill rotWithShape="1">
+          <a:gsLst>
+            <a:gs pos="0">
+              <a:schemeClr val="phClr">
+                <a:tint val="93000"/>
+                <a:satMod val="150000"/>
+                <a:shade val="98000"/>
+                <a:lumMod val="102000"/>
+              </a:schemeClr>
+            </a:gs>
+            <a:gs pos="50000">
+              <a:schemeClr val="phClr">
+                <a:tint val="98000"/>
+                <a:satMod val="130000"/>
+                <a:shade val="90000"/>
+                <a:lumMod val="103000"/>
+              </a:schemeClr>
+            </a:gs>
+            <a:gs pos="100000">
+              <a:schemeClr val="phClr">
+                <a:shade val="63000"/>
+                <a:satMod val="120000"/>
+              </a:schemeClr>
+            </a:gs>
+          </a:gsLst>
+          <a:lin ang="5400000" scaled="0"/>
+        </a:gradFill>
+      </a:bgFillStyleLst>
+    </a:fmtScheme>
+  </a:themeElements>
+  <a:objectDefaults/>
+  <a:extraClrSchemeLst/>
+  <a:extLst>
+    <a:ext uri="{05A4C25C-085E-4340-85A3-A5531E510DB2}">
+      <thm15:themeFamily xmlns:thm15="http://schemas.microsoft.com/office/thememl/2012/main" name="Office Theme" id="{62F939B6-93AF-4DB8-9C6B-D6C7DFDC589F}" vid="{4A3C46E8-61CC-4603-A589-7422A47A8E4A}"/>
+    </a:ext>
+  </a:extLst>
+</a:theme>
 </file>